--- a/Lessons/Lesson 1/Introduction to Python.pptx
+++ b/Lessons/Lesson 1/Introduction to Python.pptx
@@ -5,7 +5,7 @@
     <p:sldMasterId id="2147483648" r:id="rId1"/>
   </p:sldMasterIdLst>
   <p:notesMasterIdLst>
-    <p:notesMasterId r:id="rId20"/>
+    <p:notesMasterId r:id="rId26"/>
   </p:notesMasterIdLst>
   <p:sldIdLst>
     <p:sldId id="256" r:id="rId2"/>
@@ -26,6 +26,12 @@
     <p:sldId id="271" r:id="rId17"/>
     <p:sldId id="272" r:id="rId18"/>
     <p:sldId id="273" r:id="rId19"/>
+    <p:sldId id="274" r:id="rId20"/>
+    <p:sldId id="278" r:id="rId21"/>
+    <p:sldId id="276" r:id="rId22"/>
+    <p:sldId id="279" r:id="rId23"/>
+    <p:sldId id="280" r:id="rId24"/>
+    <p:sldId id="281" r:id="rId25"/>
   </p:sldIdLst>
   <p:sldSz cx="12192000" cy="6858000"/>
   <p:notesSz cx="6858000" cy="9144000"/>
@@ -214,7 +220,7 @@
           <a:p>
             <a:fld id="{6307FBA3-C1DE-4114-8F2E-27DE21EA19B1}" type="datetimeFigureOut">
               <a:rPr lang="en-US" smtClean="0"/>
-              <a:t>10/9/2019</a:t>
+              <a:t>10/14/2019</a:t>
             </a:fld>
             <a:endParaRPr lang="en-US"/>
           </a:p>
@@ -719,6 +725,23 @@
             </a:r>
             <a:endParaRPr lang="en-US" dirty="0"/>
           </a:p>
+          <a:p>
+            <a:r>
+              <a:rPr lang="en-US" dirty="0"/>
+              <a:t>25 min is inclusive of </a:t>
+            </a:r>
+            <a:r>
+              <a:rPr lang="en-US" dirty="0" err="1"/>
+              <a:t>thonny</a:t>
+            </a:r>
+            <a:r>
+              <a:rPr lang="en-US" dirty="0"/>
+              <a:t> installation</a:t>
+            </a:r>
+          </a:p>
+          <a:p>
+            <a:endParaRPr lang="en-US" dirty="0"/>
+          </a:p>
         </p:txBody>
       </p:sp>
       <p:sp>
@@ -832,6 +855,90 @@
     <p:extLst>
       <p:ext uri="{BB962C8B-B14F-4D97-AF65-F5344CB8AC3E}">
         <p14:creationId xmlns:p14="http://schemas.microsoft.com/office/powerpoint/2010/main" val="3697792149"/>
+      </p:ext>
+    </p:extLst>
+  </p:cSld>
+  <p:clrMapOvr>
+    <a:masterClrMapping/>
+  </p:clrMapOvr>
+</p:notes>
+</file>
+
+<file path=ppt/notesSlides/notesSlide5.xml><?xml version="1.0" encoding="utf-8"?>
+<p:notes xmlns:a="http://schemas.openxmlformats.org/drawingml/2006/main" xmlns:r="http://schemas.openxmlformats.org/officeDocument/2006/relationships" xmlns:p="http://schemas.openxmlformats.org/presentationml/2006/main">
+  <p:cSld>
+    <p:spTree>
+      <p:nvGrpSpPr>
+        <p:cNvPr id="1" name=""/>
+        <p:cNvGrpSpPr/>
+        <p:nvPr/>
+      </p:nvGrpSpPr>
+      <p:grpSpPr>
+        <a:xfrm>
+          <a:off x="0" y="0"/>
+          <a:ext cx="0" cy="0"/>
+          <a:chOff x="0" y="0"/>
+          <a:chExt cx="0" cy="0"/>
+        </a:xfrm>
+      </p:grpSpPr>
+      <p:sp>
+        <p:nvSpPr>
+          <p:cNvPr id="2" name="Tijdelijke aanduiding voor dia-afbeelding 1"/>
+          <p:cNvSpPr>
+            <a:spLocks noGrp="1" noRot="1" noChangeAspect="1"/>
+          </p:cNvSpPr>
+          <p:nvPr>
+            <p:ph type="sldImg"/>
+          </p:nvPr>
+        </p:nvSpPr>
+        <p:spPr/>
+      </p:sp>
+      <p:sp>
+        <p:nvSpPr>
+          <p:cNvPr id="3" name="Tijdelijke aanduiding voor notities 2"/>
+          <p:cNvSpPr>
+            <a:spLocks noGrp="1"/>
+          </p:cNvSpPr>
+          <p:nvPr>
+            <p:ph type="body" idx="1"/>
+          </p:nvPr>
+        </p:nvSpPr>
+        <p:spPr/>
+        <p:txBody>
+          <a:bodyPr/>
+          <a:lstStyle/>
+          <a:p>
+            <a:endParaRPr lang="en-US" dirty="0"/>
+          </a:p>
+        </p:txBody>
+      </p:sp>
+      <p:sp>
+        <p:nvSpPr>
+          <p:cNvPr id="4" name="Tijdelijke aanduiding voor dianummer 3"/>
+          <p:cNvSpPr>
+            <a:spLocks noGrp="1"/>
+          </p:cNvSpPr>
+          <p:nvPr>
+            <p:ph type="sldNum" sz="quarter" idx="5"/>
+          </p:nvPr>
+        </p:nvSpPr>
+        <p:spPr/>
+        <p:txBody>
+          <a:bodyPr/>
+          <a:lstStyle/>
+          <a:p>
+            <a:fld id="{150AD745-3EDC-4820-88A6-69AA3262CE04}" type="slidenum">
+              <a:rPr lang="en-US" smtClean="0"/>
+              <a:t>24</a:t>
+            </a:fld>
+            <a:endParaRPr lang="en-US"/>
+          </a:p>
+        </p:txBody>
+      </p:sp>
+    </p:spTree>
+    <p:extLst>
+      <p:ext uri="{BB962C8B-B14F-4D97-AF65-F5344CB8AC3E}">
+        <p14:creationId xmlns:p14="http://schemas.microsoft.com/office/powerpoint/2010/main" val="587082615"/>
       </p:ext>
     </p:extLst>
   </p:cSld>
@@ -988,7 +1095,7 @@
           <a:p>
             <a:fld id="{20CB5ABA-A31F-4730-B3FC-C2C80B92D381}" type="datetimeFigureOut">
               <a:rPr lang="nl-NL" smtClean="0"/>
-              <a:t>9-10-2019</a:t>
+              <a:t>14-10-2019</a:t>
             </a:fld>
             <a:endParaRPr lang="nl-NL" dirty="0"/>
           </a:p>
@@ -1186,7 +1293,7 @@
           <a:p>
             <a:fld id="{20CB5ABA-A31F-4730-B3FC-C2C80B92D381}" type="datetimeFigureOut">
               <a:rPr lang="nl-NL" smtClean="0"/>
-              <a:t>9-10-2019</a:t>
+              <a:t>14-10-2019</a:t>
             </a:fld>
             <a:endParaRPr lang="nl-NL" dirty="0"/>
           </a:p>
@@ -1394,7 +1501,7 @@
           <a:p>
             <a:fld id="{20CB5ABA-A31F-4730-B3FC-C2C80B92D381}" type="datetimeFigureOut">
               <a:rPr lang="nl-NL" smtClean="0"/>
-              <a:t>9-10-2019</a:t>
+              <a:t>14-10-2019</a:t>
             </a:fld>
             <a:endParaRPr lang="nl-NL" dirty="0"/>
           </a:p>
@@ -1592,7 +1699,7 @@
           <a:p>
             <a:fld id="{20CB5ABA-A31F-4730-B3FC-C2C80B92D381}" type="datetimeFigureOut">
               <a:rPr lang="nl-NL" smtClean="0"/>
-              <a:t>9-10-2019</a:t>
+              <a:t>14-10-2019</a:t>
             </a:fld>
             <a:endParaRPr lang="nl-NL" dirty="0"/>
           </a:p>
@@ -1867,7 +1974,7 @@
           <a:p>
             <a:fld id="{20CB5ABA-A31F-4730-B3FC-C2C80B92D381}" type="datetimeFigureOut">
               <a:rPr lang="nl-NL" smtClean="0"/>
-              <a:t>9-10-2019</a:t>
+              <a:t>14-10-2019</a:t>
             </a:fld>
             <a:endParaRPr lang="nl-NL" dirty="0"/>
           </a:p>
@@ -2132,7 +2239,7 @@
           <a:p>
             <a:fld id="{20CB5ABA-A31F-4730-B3FC-C2C80B92D381}" type="datetimeFigureOut">
               <a:rPr lang="nl-NL" smtClean="0"/>
-              <a:t>9-10-2019</a:t>
+              <a:t>14-10-2019</a:t>
             </a:fld>
             <a:endParaRPr lang="nl-NL" dirty="0"/>
           </a:p>
@@ -2544,7 +2651,7 @@
           <a:p>
             <a:fld id="{20CB5ABA-A31F-4730-B3FC-C2C80B92D381}" type="datetimeFigureOut">
               <a:rPr lang="nl-NL" smtClean="0"/>
-              <a:t>9-10-2019</a:t>
+              <a:t>14-10-2019</a:t>
             </a:fld>
             <a:endParaRPr lang="nl-NL" dirty="0"/>
           </a:p>
@@ -2685,7 +2792,7 @@
           <a:p>
             <a:fld id="{20CB5ABA-A31F-4730-B3FC-C2C80B92D381}" type="datetimeFigureOut">
               <a:rPr lang="nl-NL" smtClean="0"/>
-              <a:t>9-10-2019</a:t>
+              <a:t>14-10-2019</a:t>
             </a:fld>
             <a:endParaRPr lang="nl-NL" dirty="0"/>
           </a:p>
@@ -2798,7 +2905,7 @@
           <a:p>
             <a:fld id="{20CB5ABA-A31F-4730-B3FC-C2C80B92D381}" type="datetimeFigureOut">
               <a:rPr lang="nl-NL" smtClean="0"/>
-              <a:t>9-10-2019</a:t>
+              <a:t>14-10-2019</a:t>
             </a:fld>
             <a:endParaRPr lang="nl-NL" dirty="0"/>
           </a:p>
@@ -3109,7 +3216,7 @@
           <a:p>
             <a:fld id="{20CB5ABA-A31F-4730-B3FC-C2C80B92D381}" type="datetimeFigureOut">
               <a:rPr lang="nl-NL" smtClean="0"/>
-              <a:t>9-10-2019</a:t>
+              <a:t>14-10-2019</a:t>
             </a:fld>
             <a:endParaRPr lang="nl-NL" dirty="0"/>
           </a:p>
@@ -3397,7 +3504,7 @@
           <a:p>
             <a:fld id="{20CB5ABA-A31F-4730-B3FC-C2C80B92D381}" type="datetimeFigureOut">
               <a:rPr lang="nl-NL" smtClean="0"/>
-              <a:t>9-10-2019</a:t>
+              <a:t>14-10-2019</a:t>
             </a:fld>
             <a:endParaRPr lang="nl-NL" dirty="0"/>
           </a:p>
@@ -3638,7 +3745,7 @@
           <a:p>
             <a:fld id="{20CB5ABA-A31F-4730-B3FC-C2C80B92D381}" type="datetimeFigureOut">
               <a:rPr lang="nl-NL" smtClean="0"/>
-              <a:t>9-10-2019</a:t>
+              <a:t>14-10-2019</a:t>
             </a:fld>
             <a:endParaRPr lang="nl-NL" dirty="0"/>
           </a:p>
@@ -5285,7 +5392,7 @@
           <a:p>
             <a:r>
               <a:rPr lang="en-US" dirty="0"/>
-              <a:t>Assignment</a:t>
+              <a:t>Assignment (10 min)</a:t>
             </a:r>
           </a:p>
         </p:txBody>
@@ -5326,6 +5433,129 @@
     <p:extLst>
       <p:ext uri="{BB962C8B-B14F-4D97-AF65-F5344CB8AC3E}">
         <p14:creationId xmlns:p14="http://schemas.microsoft.com/office/powerpoint/2010/main" val="4047814648"/>
+      </p:ext>
+    </p:extLst>
+  </p:cSld>
+  <p:clrMapOvr>
+    <a:masterClrMapping/>
+  </p:clrMapOvr>
+</p:sld>
+</file>
+
+<file path=ppt/slides/slide19.xml><?xml version="1.0" encoding="utf-8"?>
+<p:sld xmlns:a="http://schemas.openxmlformats.org/drawingml/2006/main" xmlns:r="http://schemas.openxmlformats.org/officeDocument/2006/relationships" xmlns:p="http://schemas.openxmlformats.org/presentationml/2006/main">
+  <p:cSld>
+    <p:spTree>
+      <p:nvGrpSpPr>
+        <p:cNvPr id="1" name=""/>
+        <p:cNvGrpSpPr/>
+        <p:nvPr/>
+      </p:nvGrpSpPr>
+      <p:grpSpPr>
+        <a:xfrm>
+          <a:off x="0" y="0"/>
+          <a:ext cx="0" cy="0"/>
+          <a:chOff x="0" y="0"/>
+          <a:chExt cx="0" cy="0"/>
+        </a:xfrm>
+      </p:grpSpPr>
+      <p:sp>
+        <p:nvSpPr>
+          <p:cNvPr id="2" name="Titel 1">
+            <a:extLst>
+              <a:ext uri="{FF2B5EF4-FFF2-40B4-BE49-F238E27FC236}">
+                <a16:creationId xmlns:a16="http://schemas.microsoft.com/office/drawing/2014/main" id="{9D0C2F24-70C2-46A9-AA10-83F7A7ABA6BF}"/>
+              </a:ext>
+            </a:extLst>
+          </p:cNvPr>
+          <p:cNvSpPr>
+            <a:spLocks noGrp="1"/>
+          </p:cNvSpPr>
+          <p:nvPr>
+            <p:ph type="title"/>
+          </p:nvPr>
+        </p:nvSpPr>
+        <p:spPr/>
+        <p:txBody>
+          <a:bodyPr/>
+          <a:lstStyle/>
+          <a:p>
+            <a:r>
+              <a:rPr lang="en-US" dirty="0"/>
+              <a:t>Example</a:t>
+            </a:r>
+          </a:p>
+        </p:txBody>
+      </p:sp>
+      <p:pic>
+        <p:nvPicPr>
+          <p:cNvPr id="4" name="Afbeelding 3">
+            <a:extLst>
+              <a:ext uri="{FF2B5EF4-FFF2-40B4-BE49-F238E27FC236}">
+                <a16:creationId xmlns:a16="http://schemas.microsoft.com/office/drawing/2014/main" id="{EAF39087-7EF2-48D1-A629-4CCAC283F052}"/>
+              </a:ext>
+            </a:extLst>
+          </p:cNvPr>
+          <p:cNvPicPr>
+            <a:picLocks noChangeAspect="1"/>
+          </p:cNvPicPr>
+          <p:nvPr/>
+        </p:nvPicPr>
+        <p:blipFill>
+          <a:blip r:embed="rId2"/>
+          <a:stretch>
+            <a:fillRect/>
+          </a:stretch>
+        </p:blipFill>
+        <p:spPr>
+          <a:xfrm>
+            <a:off x="2371725" y="2182324"/>
+            <a:ext cx="7448550" cy="828675"/>
+          </a:xfrm>
+          <a:prstGeom prst="rect">
+            <a:avLst/>
+          </a:prstGeom>
+        </p:spPr>
+      </p:pic>
+      <p:sp>
+        <p:nvSpPr>
+          <p:cNvPr id="5" name="Tekstvak 4">
+            <a:extLst>
+              <a:ext uri="{FF2B5EF4-FFF2-40B4-BE49-F238E27FC236}">
+                <a16:creationId xmlns:a16="http://schemas.microsoft.com/office/drawing/2014/main" id="{DDF041CA-72B7-40EF-A4EE-E4AF491AD184}"/>
+              </a:ext>
+            </a:extLst>
+          </p:cNvPr>
+          <p:cNvSpPr txBox="1"/>
+          <p:nvPr/>
+        </p:nvSpPr>
+        <p:spPr>
+          <a:xfrm>
+            <a:off x="4335069" y="4067908"/>
+            <a:ext cx="3521862" cy="369332"/>
+          </a:xfrm>
+          <a:prstGeom prst="rect">
+            <a:avLst/>
+          </a:prstGeom>
+          <a:noFill/>
+        </p:spPr>
+        <p:txBody>
+          <a:bodyPr wrap="none" rtlCol="0">
+            <a:spAutoFit/>
+          </a:bodyPr>
+          <a:lstStyle/>
+          <a:p>
+            <a:r>
+              <a:rPr lang="en-US" dirty="0"/>
+              <a:t>What will happen if we write:  hello</a:t>
+            </a:r>
+          </a:p>
+        </p:txBody>
+      </p:sp>
+    </p:spTree>
+    <p:extLst>
+      <p:ext uri="{BB962C8B-B14F-4D97-AF65-F5344CB8AC3E}">
+        <p14:creationId xmlns:p14="http://schemas.microsoft.com/office/powerpoint/2010/main" val="791957681"/>
       </p:ext>
     </p:extLst>
   </p:cSld>
@@ -5436,6 +5666,664 @@
     <p:extLst>
       <p:ext uri="{BB962C8B-B14F-4D97-AF65-F5344CB8AC3E}">
         <p14:creationId xmlns:p14="http://schemas.microsoft.com/office/powerpoint/2010/main" val="1480835768"/>
+      </p:ext>
+    </p:extLst>
+  </p:cSld>
+  <p:clrMapOvr>
+    <a:masterClrMapping/>
+  </p:clrMapOvr>
+</p:sld>
+</file>
+
+<file path=ppt/slides/slide20.xml><?xml version="1.0" encoding="utf-8"?>
+<p:sld xmlns:a="http://schemas.openxmlformats.org/drawingml/2006/main" xmlns:r="http://schemas.openxmlformats.org/officeDocument/2006/relationships" xmlns:p="http://schemas.openxmlformats.org/presentationml/2006/main">
+  <p:cSld>
+    <p:spTree>
+      <p:nvGrpSpPr>
+        <p:cNvPr id="1" name=""/>
+        <p:cNvGrpSpPr/>
+        <p:nvPr/>
+      </p:nvGrpSpPr>
+      <p:grpSpPr>
+        <a:xfrm>
+          <a:off x="0" y="0"/>
+          <a:ext cx="0" cy="0"/>
+          <a:chOff x="0" y="0"/>
+          <a:chExt cx="0" cy="0"/>
+        </a:xfrm>
+      </p:grpSpPr>
+      <p:sp>
+        <p:nvSpPr>
+          <p:cNvPr id="2" name="Titel 1">
+            <a:extLst>
+              <a:ext uri="{FF2B5EF4-FFF2-40B4-BE49-F238E27FC236}">
+                <a16:creationId xmlns:a16="http://schemas.microsoft.com/office/drawing/2014/main" id="{9D0C2F24-70C2-46A9-AA10-83F7A7ABA6BF}"/>
+              </a:ext>
+            </a:extLst>
+          </p:cNvPr>
+          <p:cNvSpPr>
+            <a:spLocks noGrp="1"/>
+          </p:cNvSpPr>
+          <p:nvPr>
+            <p:ph type="title"/>
+          </p:nvPr>
+        </p:nvSpPr>
+        <p:spPr/>
+        <p:txBody>
+          <a:bodyPr/>
+          <a:lstStyle/>
+          <a:p>
+            <a:r>
+              <a:rPr lang="en-US" dirty="0"/>
+              <a:t>Example</a:t>
+            </a:r>
+          </a:p>
+        </p:txBody>
+      </p:sp>
+      <p:pic>
+        <p:nvPicPr>
+          <p:cNvPr id="4" name="Afbeelding 3">
+            <a:extLst>
+              <a:ext uri="{FF2B5EF4-FFF2-40B4-BE49-F238E27FC236}">
+                <a16:creationId xmlns:a16="http://schemas.microsoft.com/office/drawing/2014/main" id="{EAF39087-7EF2-48D1-A629-4CCAC283F052}"/>
+              </a:ext>
+            </a:extLst>
+          </p:cNvPr>
+          <p:cNvPicPr>
+            <a:picLocks noChangeAspect="1"/>
+          </p:cNvPicPr>
+          <p:nvPr/>
+        </p:nvPicPr>
+        <p:blipFill>
+          <a:blip r:embed="rId2"/>
+          <a:stretch>
+            <a:fillRect/>
+          </a:stretch>
+        </p:blipFill>
+        <p:spPr>
+          <a:xfrm>
+            <a:off x="2371725" y="2182324"/>
+            <a:ext cx="7448550" cy="828675"/>
+          </a:xfrm>
+          <a:prstGeom prst="rect">
+            <a:avLst/>
+          </a:prstGeom>
+        </p:spPr>
+      </p:pic>
+      <p:pic>
+        <p:nvPicPr>
+          <p:cNvPr id="3" name="Afbeelding 2">
+            <a:extLst>
+              <a:ext uri="{FF2B5EF4-FFF2-40B4-BE49-F238E27FC236}">
+                <a16:creationId xmlns:a16="http://schemas.microsoft.com/office/drawing/2014/main" id="{E968E8F7-5C96-4CF3-ABBB-4612232DA972}"/>
+              </a:ext>
+            </a:extLst>
+          </p:cNvPr>
+          <p:cNvPicPr>
+            <a:picLocks noChangeAspect="1"/>
+          </p:cNvPicPr>
+          <p:nvPr/>
+        </p:nvPicPr>
+        <p:blipFill>
+          <a:blip r:embed="rId3"/>
+          <a:stretch>
+            <a:fillRect/>
+          </a:stretch>
+        </p:blipFill>
+        <p:spPr>
+          <a:xfrm>
+            <a:off x="290146" y="3429000"/>
+            <a:ext cx="11353800" cy="3648075"/>
+          </a:xfrm>
+          <a:prstGeom prst="rect">
+            <a:avLst/>
+          </a:prstGeom>
+        </p:spPr>
+      </p:pic>
+    </p:spTree>
+    <p:extLst>
+      <p:ext uri="{BB962C8B-B14F-4D97-AF65-F5344CB8AC3E}">
+        <p14:creationId xmlns:p14="http://schemas.microsoft.com/office/powerpoint/2010/main" val="3398342405"/>
+      </p:ext>
+    </p:extLst>
+  </p:cSld>
+  <p:clrMapOvr>
+    <a:masterClrMapping/>
+  </p:clrMapOvr>
+</p:sld>
+</file>
+
+<file path=ppt/slides/slide21.xml><?xml version="1.0" encoding="utf-8"?>
+<p:sld xmlns:a="http://schemas.openxmlformats.org/drawingml/2006/main" xmlns:r="http://schemas.openxmlformats.org/officeDocument/2006/relationships" xmlns:p="http://schemas.openxmlformats.org/presentationml/2006/main">
+  <p:cSld>
+    <p:spTree>
+      <p:nvGrpSpPr>
+        <p:cNvPr id="1" name=""/>
+        <p:cNvGrpSpPr/>
+        <p:nvPr/>
+      </p:nvGrpSpPr>
+      <p:grpSpPr>
+        <a:xfrm>
+          <a:off x="0" y="0"/>
+          <a:ext cx="0" cy="0"/>
+          <a:chOff x="0" y="0"/>
+          <a:chExt cx="0" cy="0"/>
+        </a:xfrm>
+      </p:grpSpPr>
+      <p:sp>
+        <p:nvSpPr>
+          <p:cNvPr id="2" name="Titel 1">
+            <a:extLst>
+              <a:ext uri="{FF2B5EF4-FFF2-40B4-BE49-F238E27FC236}">
+                <a16:creationId xmlns:a16="http://schemas.microsoft.com/office/drawing/2014/main" id="{9D0C2F24-70C2-46A9-AA10-83F7A7ABA6BF}"/>
+              </a:ext>
+            </a:extLst>
+          </p:cNvPr>
+          <p:cNvSpPr>
+            <a:spLocks noGrp="1"/>
+          </p:cNvSpPr>
+          <p:nvPr>
+            <p:ph type="title"/>
+          </p:nvPr>
+        </p:nvSpPr>
+        <p:spPr/>
+        <p:txBody>
+          <a:bodyPr/>
+          <a:lstStyle/>
+          <a:p>
+            <a:r>
+              <a:rPr lang="en-US" dirty="0"/>
+              <a:t>Example</a:t>
+            </a:r>
+          </a:p>
+        </p:txBody>
+      </p:sp>
+      <p:pic>
+        <p:nvPicPr>
+          <p:cNvPr id="4" name="Afbeelding 3">
+            <a:extLst>
+              <a:ext uri="{FF2B5EF4-FFF2-40B4-BE49-F238E27FC236}">
+                <a16:creationId xmlns:a16="http://schemas.microsoft.com/office/drawing/2014/main" id="{EAF39087-7EF2-48D1-A629-4CCAC283F052}"/>
+              </a:ext>
+            </a:extLst>
+          </p:cNvPr>
+          <p:cNvPicPr>
+            <a:picLocks noChangeAspect="1"/>
+          </p:cNvPicPr>
+          <p:nvPr/>
+        </p:nvPicPr>
+        <p:blipFill>
+          <a:blip r:embed="rId2"/>
+          <a:stretch>
+            <a:fillRect/>
+          </a:stretch>
+        </p:blipFill>
+        <p:spPr>
+          <a:xfrm>
+            <a:off x="2371725" y="2182324"/>
+            <a:ext cx="7448550" cy="828675"/>
+          </a:xfrm>
+          <a:prstGeom prst="rect">
+            <a:avLst/>
+          </a:prstGeom>
+        </p:spPr>
+      </p:pic>
+      <p:sp>
+        <p:nvSpPr>
+          <p:cNvPr id="5" name="Tekstvak 4">
+            <a:extLst>
+              <a:ext uri="{FF2B5EF4-FFF2-40B4-BE49-F238E27FC236}">
+                <a16:creationId xmlns:a16="http://schemas.microsoft.com/office/drawing/2014/main" id="{DDF041CA-72B7-40EF-A4EE-E4AF491AD184}"/>
+              </a:ext>
+            </a:extLst>
+          </p:cNvPr>
+          <p:cNvSpPr txBox="1"/>
+          <p:nvPr/>
+        </p:nvSpPr>
+        <p:spPr>
+          <a:xfrm>
+            <a:off x="4476934" y="4067908"/>
+            <a:ext cx="3238131" cy="369332"/>
+          </a:xfrm>
+          <a:prstGeom prst="rect">
+            <a:avLst/>
+          </a:prstGeom>
+          <a:noFill/>
+        </p:spPr>
+        <p:txBody>
+          <a:bodyPr wrap="none" rtlCol="0">
+            <a:spAutoFit/>
+          </a:bodyPr>
+          <a:lstStyle/>
+          <a:p>
+            <a:r>
+              <a:rPr lang="en-US" dirty="0"/>
+              <a:t>What will happen if we write: 10</a:t>
+            </a:r>
+          </a:p>
+        </p:txBody>
+      </p:sp>
+    </p:spTree>
+    <p:extLst>
+      <p:ext uri="{BB962C8B-B14F-4D97-AF65-F5344CB8AC3E}">
+        <p14:creationId xmlns:p14="http://schemas.microsoft.com/office/powerpoint/2010/main" val="3859418232"/>
+      </p:ext>
+    </p:extLst>
+  </p:cSld>
+  <p:clrMapOvr>
+    <a:masterClrMapping/>
+  </p:clrMapOvr>
+</p:sld>
+</file>
+
+<file path=ppt/slides/slide22.xml><?xml version="1.0" encoding="utf-8"?>
+<p:sld xmlns:a="http://schemas.openxmlformats.org/drawingml/2006/main" xmlns:r="http://schemas.openxmlformats.org/officeDocument/2006/relationships" xmlns:p="http://schemas.openxmlformats.org/presentationml/2006/main">
+  <p:cSld>
+    <p:spTree>
+      <p:nvGrpSpPr>
+        <p:cNvPr id="1" name=""/>
+        <p:cNvGrpSpPr/>
+        <p:nvPr/>
+      </p:nvGrpSpPr>
+      <p:grpSpPr>
+        <a:xfrm>
+          <a:off x="0" y="0"/>
+          <a:ext cx="0" cy="0"/>
+          <a:chOff x="0" y="0"/>
+          <a:chExt cx="0" cy="0"/>
+        </a:xfrm>
+      </p:grpSpPr>
+      <p:sp>
+        <p:nvSpPr>
+          <p:cNvPr id="2" name="Titel 1">
+            <a:extLst>
+              <a:ext uri="{FF2B5EF4-FFF2-40B4-BE49-F238E27FC236}">
+                <a16:creationId xmlns:a16="http://schemas.microsoft.com/office/drawing/2014/main" id="{9D0C2F24-70C2-46A9-AA10-83F7A7ABA6BF}"/>
+              </a:ext>
+            </a:extLst>
+          </p:cNvPr>
+          <p:cNvSpPr>
+            <a:spLocks noGrp="1"/>
+          </p:cNvSpPr>
+          <p:nvPr>
+            <p:ph type="title"/>
+          </p:nvPr>
+        </p:nvSpPr>
+        <p:spPr/>
+        <p:txBody>
+          <a:bodyPr/>
+          <a:lstStyle/>
+          <a:p>
+            <a:r>
+              <a:rPr lang="en-US" dirty="0"/>
+              <a:t>Example</a:t>
+            </a:r>
+          </a:p>
+        </p:txBody>
+      </p:sp>
+      <p:pic>
+        <p:nvPicPr>
+          <p:cNvPr id="4" name="Afbeelding 3">
+            <a:extLst>
+              <a:ext uri="{FF2B5EF4-FFF2-40B4-BE49-F238E27FC236}">
+                <a16:creationId xmlns:a16="http://schemas.microsoft.com/office/drawing/2014/main" id="{EAF39087-7EF2-48D1-A629-4CCAC283F052}"/>
+              </a:ext>
+            </a:extLst>
+          </p:cNvPr>
+          <p:cNvPicPr>
+            <a:picLocks noChangeAspect="1"/>
+          </p:cNvPicPr>
+          <p:nvPr/>
+        </p:nvPicPr>
+        <p:blipFill>
+          <a:blip r:embed="rId2"/>
+          <a:stretch>
+            <a:fillRect/>
+          </a:stretch>
+        </p:blipFill>
+        <p:spPr>
+          <a:xfrm>
+            <a:off x="2371725" y="2182324"/>
+            <a:ext cx="7448550" cy="828675"/>
+          </a:xfrm>
+          <a:prstGeom prst="rect">
+            <a:avLst/>
+          </a:prstGeom>
+        </p:spPr>
+      </p:pic>
+      <p:pic>
+        <p:nvPicPr>
+          <p:cNvPr id="3" name="Afbeelding 2">
+            <a:extLst>
+              <a:ext uri="{FF2B5EF4-FFF2-40B4-BE49-F238E27FC236}">
+                <a16:creationId xmlns:a16="http://schemas.microsoft.com/office/drawing/2014/main" id="{39B6A5D0-19E8-46F6-ADB3-D4EF5F526E00}"/>
+              </a:ext>
+            </a:extLst>
+          </p:cNvPr>
+          <p:cNvPicPr>
+            <a:picLocks noChangeAspect="1"/>
+          </p:cNvPicPr>
+          <p:nvPr/>
+        </p:nvPicPr>
+        <p:blipFill>
+          <a:blip r:embed="rId3"/>
+          <a:stretch>
+            <a:fillRect/>
+          </a:stretch>
+        </p:blipFill>
+        <p:spPr>
+          <a:xfrm>
+            <a:off x="3886200" y="4126279"/>
+            <a:ext cx="4419600" cy="1733550"/>
+          </a:xfrm>
+          <a:prstGeom prst="rect">
+            <a:avLst/>
+          </a:prstGeom>
+        </p:spPr>
+      </p:pic>
+    </p:spTree>
+    <p:extLst>
+      <p:ext uri="{BB962C8B-B14F-4D97-AF65-F5344CB8AC3E}">
+        <p14:creationId xmlns:p14="http://schemas.microsoft.com/office/powerpoint/2010/main" val="2555726996"/>
+      </p:ext>
+    </p:extLst>
+  </p:cSld>
+  <p:clrMapOvr>
+    <a:masterClrMapping/>
+  </p:clrMapOvr>
+</p:sld>
+</file>
+
+<file path=ppt/slides/slide23.xml><?xml version="1.0" encoding="utf-8"?>
+<p:sld xmlns:a="http://schemas.openxmlformats.org/drawingml/2006/main" xmlns:r="http://schemas.openxmlformats.org/officeDocument/2006/relationships" xmlns:p="http://schemas.openxmlformats.org/presentationml/2006/main">
+  <p:cSld>
+    <p:spTree>
+      <p:nvGrpSpPr>
+        <p:cNvPr id="1" name=""/>
+        <p:cNvGrpSpPr/>
+        <p:nvPr/>
+      </p:nvGrpSpPr>
+      <p:grpSpPr>
+        <a:xfrm>
+          <a:off x="0" y="0"/>
+          <a:ext cx="0" cy="0"/>
+          <a:chOff x="0" y="0"/>
+          <a:chExt cx="0" cy="0"/>
+        </a:xfrm>
+      </p:grpSpPr>
+      <p:sp>
+        <p:nvSpPr>
+          <p:cNvPr id="2" name="Titel 1">
+            <a:extLst>
+              <a:ext uri="{FF2B5EF4-FFF2-40B4-BE49-F238E27FC236}">
+                <a16:creationId xmlns:a16="http://schemas.microsoft.com/office/drawing/2014/main" id="{FDF8D7D9-3E1D-45F0-A906-9B2E6C0D18A9}"/>
+              </a:ext>
+            </a:extLst>
+          </p:cNvPr>
+          <p:cNvSpPr>
+            <a:spLocks noGrp="1"/>
+          </p:cNvSpPr>
+          <p:nvPr>
+            <p:ph type="title"/>
+          </p:nvPr>
+        </p:nvSpPr>
+        <p:spPr/>
+        <p:txBody>
+          <a:bodyPr/>
+          <a:lstStyle/>
+          <a:p>
+            <a:r>
+              <a:rPr lang="en-US" dirty="0"/>
+              <a:t>Assignment (5 min)</a:t>
+            </a:r>
+          </a:p>
+        </p:txBody>
+      </p:sp>
+      <p:sp>
+        <p:nvSpPr>
+          <p:cNvPr id="3" name="Tijdelijke aanduiding voor inhoud 2">
+            <a:extLst>
+              <a:ext uri="{FF2B5EF4-FFF2-40B4-BE49-F238E27FC236}">
+                <a16:creationId xmlns:a16="http://schemas.microsoft.com/office/drawing/2014/main" id="{1295AB41-3AD7-44B7-B52D-A1421F109335}"/>
+              </a:ext>
+            </a:extLst>
+          </p:cNvPr>
+          <p:cNvSpPr>
+            <a:spLocks noGrp="1"/>
+          </p:cNvSpPr>
+          <p:nvPr>
+            <p:ph idx="1"/>
+          </p:nvPr>
+        </p:nvSpPr>
+        <p:spPr/>
+        <p:txBody>
+          <a:bodyPr/>
+          <a:lstStyle/>
+          <a:p>
+            <a:r>
+              <a:rPr lang="en-US" dirty="0"/>
+              <a:t>Extend your program by asking for your age.</a:t>
+            </a:r>
+          </a:p>
+          <a:p>
+            <a:r>
+              <a:rPr lang="en-US" dirty="0"/>
+              <a:t>Use the while loop to do this until you get your age right.</a:t>
+            </a:r>
+          </a:p>
+          <a:p>
+            <a:endParaRPr lang="en-US" dirty="0"/>
+          </a:p>
+          <a:p>
+            <a:endParaRPr lang="en-US" dirty="0"/>
+          </a:p>
+        </p:txBody>
+      </p:sp>
+    </p:spTree>
+    <p:extLst>
+      <p:ext uri="{BB962C8B-B14F-4D97-AF65-F5344CB8AC3E}">
+        <p14:creationId xmlns:p14="http://schemas.microsoft.com/office/powerpoint/2010/main" val="1595342158"/>
+      </p:ext>
+    </p:extLst>
+  </p:cSld>
+  <p:clrMapOvr>
+    <a:masterClrMapping/>
+  </p:clrMapOvr>
+</p:sld>
+</file>
+
+<file path=ppt/slides/slide24.xml><?xml version="1.0" encoding="utf-8"?>
+<p:sld xmlns:a="http://schemas.openxmlformats.org/drawingml/2006/main" xmlns:r="http://schemas.openxmlformats.org/officeDocument/2006/relationships" xmlns:p="http://schemas.openxmlformats.org/presentationml/2006/main">
+  <p:cSld>
+    <p:spTree>
+      <p:nvGrpSpPr>
+        <p:cNvPr id="1" name=""/>
+        <p:cNvGrpSpPr/>
+        <p:nvPr/>
+      </p:nvGrpSpPr>
+      <p:grpSpPr>
+        <a:xfrm>
+          <a:off x="0" y="0"/>
+          <a:ext cx="0" cy="0"/>
+          <a:chOff x="0" y="0"/>
+          <a:chExt cx="0" cy="0"/>
+        </a:xfrm>
+      </p:grpSpPr>
+      <p:sp>
+        <p:nvSpPr>
+          <p:cNvPr id="2" name="Titel 1">
+            <a:extLst>
+              <a:ext uri="{FF2B5EF4-FFF2-40B4-BE49-F238E27FC236}">
+                <a16:creationId xmlns:a16="http://schemas.microsoft.com/office/drawing/2014/main" id="{CDA2D6E9-ED92-4A35-ABD6-A2E20EA848D2}"/>
+              </a:ext>
+            </a:extLst>
+          </p:cNvPr>
+          <p:cNvSpPr>
+            <a:spLocks noGrp="1"/>
+          </p:cNvSpPr>
+          <p:nvPr>
+            <p:ph type="title"/>
+          </p:nvPr>
+        </p:nvSpPr>
+        <p:spPr/>
+        <p:txBody>
+          <a:bodyPr/>
+          <a:lstStyle/>
+          <a:p>
+            <a:r>
+              <a:rPr lang="en-US" dirty="0"/>
+              <a:t>Summary</a:t>
+            </a:r>
+          </a:p>
+        </p:txBody>
+      </p:sp>
+      <p:sp>
+        <p:nvSpPr>
+          <p:cNvPr id="3" name="Tijdelijke aanduiding voor inhoud 2">
+            <a:extLst>
+              <a:ext uri="{FF2B5EF4-FFF2-40B4-BE49-F238E27FC236}">
+                <a16:creationId xmlns:a16="http://schemas.microsoft.com/office/drawing/2014/main" id="{9CE65676-DCAC-4C33-B995-EF3941DBD937}"/>
+              </a:ext>
+            </a:extLst>
+          </p:cNvPr>
+          <p:cNvSpPr>
+            <a:spLocks noGrp="1"/>
+          </p:cNvSpPr>
+          <p:nvPr>
+            <p:ph idx="1"/>
+          </p:nvPr>
+        </p:nvSpPr>
+        <p:spPr/>
+        <p:txBody>
+          <a:bodyPr/>
+          <a:lstStyle/>
+          <a:p>
+            <a:r>
+              <a:rPr lang="en-US" dirty="0"/>
+              <a:t>Installed </a:t>
+            </a:r>
+            <a:r>
+              <a:rPr lang="en-US" dirty="0" err="1"/>
+              <a:t>Thonny</a:t>
+            </a:r>
+            <a:endParaRPr lang="en-US" dirty="0"/>
+          </a:p>
+          <a:p>
+            <a:r>
+              <a:rPr lang="en-US" dirty="0">
+                <a:solidFill>
+                  <a:schemeClr val="accent1"/>
+                </a:solidFill>
+              </a:rPr>
+              <a:t>print</a:t>
+            </a:r>
+            <a:r>
+              <a:rPr lang="en-US" dirty="0"/>
+              <a:t>(“Hello world”)</a:t>
+            </a:r>
+          </a:p>
+          <a:p>
+            <a:r>
+              <a:rPr lang="en-US" dirty="0"/>
+              <a:t>Variables </a:t>
+            </a:r>
+          </a:p>
+          <a:p>
+            <a:pPr lvl="1"/>
+            <a:r>
+              <a:rPr lang="en-US" dirty="0">
+                <a:solidFill>
+                  <a:schemeClr val="accent1"/>
+                </a:solidFill>
+              </a:rPr>
+              <a:t>variable</a:t>
+            </a:r>
+            <a:r>
+              <a:rPr lang="en-US" dirty="0"/>
+              <a:t> = “hello world”</a:t>
+            </a:r>
+          </a:p>
+          <a:p>
+            <a:pPr lvl="1"/>
+            <a:r>
+              <a:rPr lang="en-US" dirty="0">
+                <a:solidFill>
+                  <a:schemeClr val="accent1"/>
+                </a:solidFill>
+              </a:rPr>
+              <a:t>print</a:t>
+            </a:r>
+            <a:r>
+              <a:rPr lang="en-US" dirty="0"/>
+              <a:t>(variable)</a:t>
+            </a:r>
+          </a:p>
+          <a:p>
+            <a:r>
+              <a:rPr lang="en-US" dirty="0">
+                <a:solidFill>
+                  <a:schemeClr val="accent1"/>
+                </a:solidFill>
+              </a:rPr>
+              <a:t>input</a:t>
+            </a:r>
+            <a:r>
+              <a:rPr lang="en-US" dirty="0"/>
+              <a:t>(“Enter something: ”)</a:t>
+            </a:r>
+          </a:p>
+          <a:p>
+            <a:r>
+              <a:rPr lang="en-US" dirty="0">
+                <a:solidFill>
+                  <a:schemeClr val="accent1"/>
+                </a:solidFill>
+              </a:rPr>
+              <a:t>while</a:t>
+            </a:r>
+            <a:r>
+              <a:rPr lang="en-US" dirty="0"/>
+              <a:t>() loop</a:t>
+            </a:r>
+          </a:p>
+          <a:p>
+            <a:r>
+              <a:rPr lang="en-US" dirty="0">
+                <a:solidFill>
+                  <a:schemeClr val="accent1"/>
+                </a:solidFill>
+              </a:rPr>
+              <a:t>int</a:t>
+            </a:r>
+            <a:r>
+              <a:rPr lang="en-US" dirty="0"/>
+              <a:t>(</a:t>
+            </a:r>
+            <a:r>
+              <a:rPr lang="en-US" dirty="0">
+                <a:solidFill>
+                  <a:schemeClr val="accent1"/>
+                </a:solidFill>
+              </a:rPr>
+              <a:t>input</a:t>
+            </a:r>
+            <a:r>
+              <a:rPr lang="en-US" dirty="0"/>
+              <a:t>())</a:t>
+            </a:r>
+          </a:p>
+          <a:p>
+            <a:endParaRPr lang="en-US" dirty="0"/>
+          </a:p>
+          <a:p>
+            <a:endParaRPr lang="en-US" dirty="0"/>
+          </a:p>
+        </p:txBody>
+      </p:sp>
+    </p:spTree>
+    <p:extLst>
+      <p:ext uri="{BB962C8B-B14F-4D97-AF65-F5344CB8AC3E}">
+        <p14:creationId xmlns:p14="http://schemas.microsoft.com/office/powerpoint/2010/main" val="1097409572"/>
       </p:ext>
     </p:extLst>
   </p:cSld>

--- a/Lessons/Lesson 1/Introduction to Python.pptx
+++ b/Lessons/Lesson 1/Introduction to Python.pptx
@@ -18,9 +18,9 @@
     <p:sldId id="263" r:id="rId9"/>
     <p:sldId id="264" r:id="rId10"/>
     <p:sldId id="265" r:id="rId11"/>
-    <p:sldId id="266" r:id="rId12"/>
-    <p:sldId id="267" r:id="rId13"/>
-    <p:sldId id="268" r:id="rId14"/>
+    <p:sldId id="267" r:id="rId12"/>
+    <p:sldId id="268" r:id="rId13"/>
+    <p:sldId id="282" r:id="rId14"/>
     <p:sldId id="269" r:id="rId15"/>
     <p:sldId id="270" r:id="rId16"/>
     <p:sldId id="271" r:id="rId17"/>
@@ -4412,7 +4412,7 @@
           <p:cNvPr id="2" name="Titel 1">
             <a:extLst>
               <a:ext uri="{FF2B5EF4-FFF2-40B4-BE49-F238E27FC236}">
-                <a16:creationId xmlns:a16="http://schemas.microsoft.com/office/drawing/2014/main" id="{9F7447D9-4C1E-4A38-955F-45355863EA0A}"/>
+                <a16:creationId xmlns:a16="http://schemas.microsoft.com/office/drawing/2014/main" id="{5CEECF9B-AE5B-49F3-A6BF-97ECF9407602}"/>
               </a:ext>
             </a:extLst>
           </p:cNvPr>
@@ -4440,7 +4440,7 @@
           <p:cNvPr id="4" name="Afbeelding 3">
             <a:extLst>
               <a:ext uri="{FF2B5EF4-FFF2-40B4-BE49-F238E27FC236}">
-                <a16:creationId xmlns:a16="http://schemas.microsoft.com/office/drawing/2014/main" id="{4DC5684E-807F-4A03-8B4F-9B8569CA4342}"/>
+                <a16:creationId xmlns:a16="http://schemas.microsoft.com/office/drawing/2014/main" id="{E99F6E2B-F782-41DD-8D40-7EACEDE29526}"/>
               </a:ext>
             </a:extLst>
           </p:cNvPr>
@@ -4465,10 +4465,45 @@
           </a:prstGeom>
         </p:spPr>
       </p:pic>
+      <p:sp>
+        <p:nvSpPr>
+          <p:cNvPr id="5" name="Tekstvak 4">
+            <a:extLst>
+              <a:ext uri="{FF2B5EF4-FFF2-40B4-BE49-F238E27FC236}">
+                <a16:creationId xmlns:a16="http://schemas.microsoft.com/office/drawing/2014/main" id="{846275AB-D26D-4A95-9F99-77248A846A46}"/>
+              </a:ext>
+            </a:extLst>
+          </p:cNvPr>
+          <p:cNvSpPr txBox="1"/>
+          <p:nvPr/>
+        </p:nvSpPr>
+        <p:spPr>
+          <a:xfrm>
+            <a:off x="3341816" y="5167311"/>
+            <a:ext cx="5508367" cy="523220"/>
+          </a:xfrm>
+          <a:prstGeom prst="rect">
+            <a:avLst/>
+          </a:prstGeom>
+          <a:noFill/>
+        </p:spPr>
+        <p:txBody>
+          <a:bodyPr wrap="none" rtlCol="0">
+            <a:spAutoFit/>
+          </a:bodyPr>
+          <a:lstStyle/>
+          <a:p>
+            <a:r>
+              <a:rPr lang="en-US" sz="2800" dirty="0"/>
+              <a:t>What does the if/else statement do?</a:t>
+            </a:r>
+          </a:p>
+        </p:txBody>
+      </p:sp>
     </p:spTree>
     <p:extLst>
       <p:ext uri="{BB962C8B-B14F-4D97-AF65-F5344CB8AC3E}">
-        <p14:creationId xmlns:p14="http://schemas.microsoft.com/office/powerpoint/2010/main" val="14953427"/>
+        <p14:creationId xmlns:p14="http://schemas.microsoft.com/office/powerpoint/2010/main" val="2718866155"/>
       </p:ext>
     </p:extLst>
   </p:cSld>
@@ -4500,7 +4535,7 @@
           <p:cNvPr id="2" name="Titel 1">
             <a:extLst>
               <a:ext uri="{FF2B5EF4-FFF2-40B4-BE49-F238E27FC236}">
-                <a16:creationId xmlns:a16="http://schemas.microsoft.com/office/drawing/2014/main" id="{5CEECF9B-AE5B-49F3-A6BF-97ECF9407602}"/>
+                <a16:creationId xmlns:a16="http://schemas.microsoft.com/office/drawing/2014/main" id="{36A94D47-FD7C-4E33-B3EA-CFF716BFE8A3}"/>
               </a:ext>
             </a:extLst>
           </p:cNvPr>
@@ -4528,7 +4563,7 @@
           <p:cNvPr id="4" name="Afbeelding 3">
             <a:extLst>
               <a:ext uri="{FF2B5EF4-FFF2-40B4-BE49-F238E27FC236}">
-                <a16:creationId xmlns:a16="http://schemas.microsoft.com/office/drawing/2014/main" id="{E99F6E2B-F782-41DD-8D40-7EACEDE29526}"/>
+                <a16:creationId xmlns:a16="http://schemas.microsoft.com/office/drawing/2014/main" id="{D37C4A6E-A82F-467C-B210-94F4499717CC}"/>
               </a:ext>
             </a:extLst>
           </p:cNvPr>
@@ -4555,10 +4590,10 @@
       </p:pic>
       <p:sp>
         <p:nvSpPr>
-          <p:cNvPr id="5" name="Tekstvak 4">
-            <a:extLst>
-              <a:ext uri="{FF2B5EF4-FFF2-40B4-BE49-F238E27FC236}">
-                <a16:creationId xmlns:a16="http://schemas.microsoft.com/office/drawing/2014/main" id="{846275AB-D26D-4A95-9F99-77248A846A46}"/>
+          <p:cNvPr id="6" name="Tekstvak 5">
+            <a:extLst>
+              <a:ext uri="{FF2B5EF4-FFF2-40B4-BE49-F238E27FC236}">
+                <a16:creationId xmlns:a16="http://schemas.microsoft.com/office/drawing/2014/main" id="{1F483D20-6494-4864-91C9-ABE119938C5F}"/>
               </a:ext>
             </a:extLst>
           </p:cNvPr>
@@ -4567,8 +4602,8 @@
         </p:nvSpPr>
         <p:spPr>
           <a:xfrm>
-            <a:off x="3341816" y="5167311"/>
-            <a:ext cx="5508367" cy="523220"/>
+            <a:off x="2531466" y="5167311"/>
+            <a:ext cx="7129067" cy="523220"/>
           </a:xfrm>
           <a:prstGeom prst="rect">
             <a:avLst/>
@@ -4583,7 +4618,7 @@
           <a:p>
             <a:r>
               <a:rPr lang="en-US" sz="2800" dirty="0"/>
-              <a:t>What does the if/else statement do?</a:t>
+              <a:t>What will be printed if variable is “if statement”</a:t>
             </a:r>
           </a:p>
         </p:txBody>
@@ -4591,7 +4626,7 @@
     </p:spTree>
     <p:extLst>
       <p:ext uri="{BB962C8B-B14F-4D97-AF65-F5344CB8AC3E}">
-        <p14:creationId xmlns:p14="http://schemas.microsoft.com/office/powerpoint/2010/main" val="2718866155"/>
+        <p14:creationId xmlns:p14="http://schemas.microsoft.com/office/powerpoint/2010/main" val="3356771780"/>
       </p:ext>
     </p:extLst>
   </p:cSld>
@@ -4676,45 +4711,40 @@
           </a:prstGeom>
         </p:spPr>
       </p:pic>
-      <p:sp>
-        <p:nvSpPr>
-          <p:cNvPr id="6" name="Tekstvak 5">
-            <a:extLst>
-              <a:ext uri="{FF2B5EF4-FFF2-40B4-BE49-F238E27FC236}">
-                <a16:creationId xmlns:a16="http://schemas.microsoft.com/office/drawing/2014/main" id="{1F483D20-6494-4864-91C9-ABE119938C5F}"/>
-              </a:ext>
-            </a:extLst>
-          </p:cNvPr>
-          <p:cNvSpPr txBox="1"/>
+      <p:pic>
+        <p:nvPicPr>
+          <p:cNvPr id="3" name="Afbeelding 2">
+            <a:extLst>
+              <a:ext uri="{FF2B5EF4-FFF2-40B4-BE49-F238E27FC236}">
+                <a16:creationId xmlns:a16="http://schemas.microsoft.com/office/drawing/2014/main" id="{5C5667A5-38C3-409A-973B-76D1A6E049B6}"/>
+              </a:ext>
+            </a:extLst>
+          </p:cNvPr>
+          <p:cNvPicPr>
+            <a:picLocks noChangeAspect="1"/>
+          </p:cNvPicPr>
           <p:nvPr/>
-        </p:nvSpPr>
+        </p:nvPicPr>
+        <p:blipFill>
+          <a:blip r:embed="rId3"/>
+          <a:stretch>
+            <a:fillRect/>
+          </a:stretch>
+        </p:blipFill>
         <p:spPr>
           <a:xfrm>
-            <a:off x="2531466" y="5167311"/>
-            <a:ext cx="7129067" cy="523220"/>
+            <a:off x="1781174" y="5035550"/>
+            <a:ext cx="8963025" cy="1457325"/>
           </a:xfrm>
           <a:prstGeom prst="rect">
             <a:avLst/>
           </a:prstGeom>
-          <a:noFill/>
         </p:spPr>
-        <p:txBody>
-          <a:bodyPr wrap="none" rtlCol="0">
-            <a:spAutoFit/>
-          </a:bodyPr>
-          <a:lstStyle/>
-          <a:p>
-            <a:r>
-              <a:rPr lang="en-US" sz="2800" dirty="0"/>
-              <a:t>What will be printed if variable is “if statement”</a:t>
-            </a:r>
-          </a:p>
-        </p:txBody>
-      </p:sp>
+      </p:pic>
     </p:spTree>
     <p:extLst>
       <p:ext uri="{BB962C8B-B14F-4D97-AF65-F5344CB8AC3E}">
-        <p14:creationId xmlns:p14="http://schemas.microsoft.com/office/powerpoint/2010/main" val="3356771780"/>
+        <p14:creationId xmlns:p14="http://schemas.microsoft.com/office/powerpoint/2010/main" val="3915409139"/>
       </p:ext>
     </p:extLst>
   </p:cSld>
@@ -6165,7 +6195,12 @@
             <p:ph type="title"/>
           </p:nvPr>
         </p:nvSpPr>
-        <p:spPr/>
+        <p:spPr>
+          <a:xfrm>
+            <a:off x="838200" y="365125"/>
+            <a:ext cx="10515600" cy="1325563"/>
+          </a:xfrm>
+        </p:spPr>
         <p:txBody>
           <a:bodyPr/>
           <a:lstStyle/>
@@ -6193,7 +6228,12 @@
             <p:ph idx="1"/>
           </p:nvPr>
         </p:nvSpPr>
-        <p:spPr/>
+        <p:spPr>
+          <a:xfrm>
+            <a:off x="838200" y="1825625"/>
+            <a:ext cx="10515600" cy="4351338"/>
+          </a:xfrm>
+        </p:spPr>
         <p:txBody>
           <a:bodyPr/>
           <a:lstStyle/>
@@ -6212,7 +6252,7 @@
             <a:r>
               <a:rPr lang="en-US" dirty="0">
                 <a:solidFill>
-                  <a:schemeClr val="accent1"/>
+                  <a:srgbClr val="800080"/>
                 </a:solidFill>
               </a:rPr>
               <a:t>print</a:t>
@@ -6233,7 +6273,9 @@
             <a:r>
               <a:rPr lang="en-US" dirty="0">
                 <a:solidFill>
-                  <a:schemeClr val="accent1"/>
+                  <a:schemeClr val="bg2">
+                    <a:lumMod val="50000"/>
+                  </a:schemeClr>
                 </a:solidFill>
               </a:rPr>
               <a:t>variable</a:t>
@@ -6248,21 +6290,35 @@
             <a:r>
               <a:rPr lang="en-US" dirty="0">
                 <a:solidFill>
-                  <a:schemeClr val="accent1"/>
+                  <a:srgbClr val="7030A0"/>
                 </a:solidFill>
               </a:rPr>
               <a:t>print</a:t>
             </a:r>
             <a:r>
               <a:rPr lang="en-US" dirty="0"/>
-              <a:t>(variable)</a:t>
-            </a:r>
-          </a:p>
-          <a:p>
+              <a:t>(</a:t>
+            </a:r>
             <a:r>
               <a:rPr lang="en-US" dirty="0">
                 <a:solidFill>
-                  <a:schemeClr val="accent1"/>
+                  <a:schemeClr val="bg2">
+                    <a:lumMod val="50000"/>
+                  </a:schemeClr>
+                </a:solidFill>
+              </a:rPr>
+              <a:t>variable</a:t>
+            </a:r>
+            <a:r>
+              <a:rPr lang="en-US" dirty="0"/>
+              <a:t>)</a:t>
+            </a:r>
+          </a:p>
+          <a:p>
+            <a:r>
+              <a:rPr lang="en-US" dirty="0">
+                <a:solidFill>
+                  <a:srgbClr val="7030A0"/>
                 </a:solidFill>
               </a:rPr>
               <a:t>input</a:t>
@@ -6276,7 +6332,46 @@
             <a:r>
               <a:rPr lang="en-US" dirty="0">
                 <a:solidFill>
-                  <a:schemeClr val="accent1"/>
+                  <a:srgbClr val="7030A0"/>
+                </a:solidFill>
+              </a:rPr>
+              <a:t>if</a:t>
+            </a:r>
+            <a:r>
+              <a:rPr lang="en-US" dirty="0"/>
+              <a:t> &amp; </a:t>
+            </a:r>
+            <a:r>
+              <a:rPr lang="en-US" dirty="0">
+                <a:solidFill>
+                  <a:srgbClr val="7030A0"/>
+                </a:solidFill>
+              </a:rPr>
+              <a:t>else</a:t>
+            </a:r>
+            <a:r>
+              <a:rPr lang="en-US" dirty="0">
+                <a:solidFill>
+                  <a:srgbClr val="800080"/>
+                </a:solidFill>
+              </a:rPr>
+              <a:t> </a:t>
+            </a:r>
+            <a:r>
+              <a:rPr lang="en-US" dirty="0"/>
+              <a:t>statement</a:t>
+            </a:r>
+            <a:endParaRPr lang="en-US" dirty="0">
+              <a:solidFill>
+                <a:srgbClr val="800080"/>
+              </a:solidFill>
+            </a:endParaRPr>
+          </a:p>
+          <a:p>
+            <a:r>
+              <a:rPr lang="en-US" dirty="0">
+                <a:solidFill>
+                  <a:srgbClr val="7030A0"/>
                 </a:solidFill>
               </a:rPr>
               <a:t>while</a:t>
@@ -6290,7 +6385,7 @@
             <a:r>
               <a:rPr lang="en-US" dirty="0">
                 <a:solidFill>
-                  <a:schemeClr val="accent1"/>
+                  <a:srgbClr val="7030A0"/>
                 </a:solidFill>
               </a:rPr>
               <a:t>int</a:t>
@@ -6302,7 +6397,7 @@
             <a:r>
               <a:rPr lang="en-US" dirty="0">
                 <a:solidFill>
-                  <a:schemeClr val="accent1"/>
+                  <a:srgbClr val="7030A0"/>
                 </a:solidFill>
               </a:rPr>
               <a:t>input</a:t>
@@ -6312,14 +6407,55 @@
               <a:t>())</a:t>
             </a:r>
           </a:p>
-          <a:p>
-            <a:endParaRPr lang="en-US" dirty="0"/>
-          </a:p>
-          <a:p>
-            <a:endParaRPr lang="en-US" dirty="0"/>
-          </a:p>
-        </p:txBody>
-      </p:sp>
+        </p:txBody>
+      </p:sp>
+      <p:pic>
+        <p:nvPicPr>
+          <p:cNvPr id="6" name="Picture 2" descr="Afbeeldingsresultaat voor python programming">
+            <a:extLst>
+              <a:ext uri="{FF2B5EF4-FFF2-40B4-BE49-F238E27FC236}">
+                <a16:creationId xmlns:a16="http://schemas.microsoft.com/office/drawing/2014/main" id="{CE2F0853-D1CA-4A75-A94A-D1BFAA03BCD0}"/>
+              </a:ext>
+            </a:extLst>
+          </p:cNvPr>
+          <p:cNvPicPr>
+            <a:picLocks noChangeAspect="1" noChangeArrowheads="1"/>
+          </p:cNvPicPr>
+          <p:nvPr/>
+        </p:nvPicPr>
+        <p:blipFill>
+          <a:blip r:embed="rId3">
+            <a:extLst>
+              <a:ext uri="{28A0092B-C50C-407E-A947-70E740481C1C}">
+                <a14:useLocalDpi xmlns:a14="http://schemas.microsoft.com/office/drawing/2010/main" val="0"/>
+              </a:ext>
+            </a:extLst>
+          </a:blip>
+          <a:srcRect/>
+          <a:stretch>
+            <a:fillRect/>
+          </a:stretch>
+        </p:blipFill>
+        <p:spPr bwMode="auto">
+          <a:xfrm>
+            <a:off x="7186246" y="926123"/>
+            <a:ext cx="5005754" cy="5005754"/>
+          </a:xfrm>
+          <a:prstGeom prst="rect">
+            <a:avLst/>
+          </a:prstGeom>
+          <a:noFill/>
+          <a:extLst>
+            <a:ext uri="{909E8E84-426E-40DD-AFC4-6F175D3DCCD1}">
+              <a14:hiddenFill xmlns:a14="http://schemas.microsoft.com/office/drawing/2010/main">
+                <a:solidFill>
+                  <a:srgbClr val="FFFFFF"/>
+                </a:solidFill>
+              </a14:hiddenFill>
+            </a:ext>
+          </a:extLst>
+        </p:spPr>
+      </p:pic>
     </p:spTree>
     <p:extLst>
       <p:ext uri="{BB962C8B-B14F-4D97-AF65-F5344CB8AC3E}">

--- a/Lessons/Lesson 1/Introduction to Python.pptx
+++ b/Lessons/Lesson 1/Introduction to Python.pptx
@@ -8,30 +8,30 @@
     <p:notesMasterId r:id="rId26"/>
   </p:notesMasterIdLst>
   <p:sldIdLst>
-    <p:sldId id="256" r:id="rId2"/>
-    <p:sldId id="257" r:id="rId3"/>
-    <p:sldId id="258" r:id="rId4"/>
-    <p:sldId id="259" r:id="rId5"/>
-    <p:sldId id="260" r:id="rId6"/>
-    <p:sldId id="261" r:id="rId7"/>
-    <p:sldId id="262" r:id="rId8"/>
-    <p:sldId id="263" r:id="rId9"/>
-    <p:sldId id="264" r:id="rId10"/>
-    <p:sldId id="265" r:id="rId11"/>
-    <p:sldId id="267" r:id="rId12"/>
-    <p:sldId id="268" r:id="rId13"/>
-    <p:sldId id="282" r:id="rId14"/>
-    <p:sldId id="269" r:id="rId15"/>
-    <p:sldId id="270" r:id="rId16"/>
-    <p:sldId id="271" r:id="rId17"/>
-    <p:sldId id="272" r:id="rId18"/>
-    <p:sldId id="273" r:id="rId19"/>
-    <p:sldId id="274" r:id="rId20"/>
-    <p:sldId id="278" r:id="rId21"/>
-    <p:sldId id="276" r:id="rId22"/>
-    <p:sldId id="279" r:id="rId23"/>
-    <p:sldId id="280" r:id="rId24"/>
-    <p:sldId id="281" r:id="rId25"/>
+    <p:sldId id="284" r:id="rId2"/>
+    <p:sldId id="283" r:id="rId3"/>
+    <p:sldId id="285" r:id="rId4"/>
+    <p:sldId id="286" r:id="rId5"/>
+    <p:sldId id="287" r:id="rId6"/>
+    <p:sldId id="288" r:id="rId7"/>
+    <p:sldId id="289" r:id="rId8"/>
+    <p:sldId id="290" r:id="rId9"/>
+    <p:sldId id="291" r:id="rId10"/>
+    <p:sldId id="292" r:id="rId11"/>
+    <p:sldId id="293" r:id="rId12"/>
+    <p:sldId id="294" r:id="rId13"/>
+    <p:sldId id="295" r:id="rId14"/>
+    <p:sldId id="296" r:id="rId15"/>
+    <p:sldId id="297" r:id="rId16"/>
+    <p:sldId id="298" r:id="rId17"/>
+    <p:sldId id="299" r:id="rId18"/>
+    <p:sldId id="300" r:id="rId19"/>
+    <p:sldId id="301" r:id="rId20"/>
+    <p:sldId id="302" r:id="rId21"/>
+    <p:sldId id="303" r:id="rId22"/>
+    <p:sldId id="304" r:id="rId23"/>
+    <p:sldId id="305" r:id="rId24"/>
+    <p:sldId id="306" r:id="rId25"/>
   </p:sldIdLst>
   <p:sldSz cx="12192000" cy="6858000"/>
   <p:notesSz cx="6858000" cy="9144000"/>
@@ -220,7 +220,7 @@
           <a:p>
             <a:fld id="{6307FBA3-C1DE-4114-8F2E-27DE21EA19B1}" type="datetimeFigureOut">
               <a:rPr lang="en-US" smtClean="0"/>
-              <a:t>10/14/2019</a:t>
+              <a:t>10/16/2019</a:t>
             </a:fld>
             <a:endParaRPr lang="en-US"/>
           </a:p>
@@ -532,19 +532,7 @@
           <a:bodyPr/>
           <a:lstStyle/>
           <a:p>
-            <a:r>
-              <a:rPr lang="en-US" dirty="0"/>
-              <a:t>Possible questions:</a:t>
-            </a:r>
-          </a:p>
-          <a:p>
             <a:endParaRPr lang="en-US" dirty="0"/>
-          </a:p>
-          <a:p>
-            <a:r>
-              <a:rPr lang="en-US" dirty="0"/>
-              <a:t> - What are you thinking of with this subject?</a:t>
-            </a:r>
           </a:p>
         </p:txBody>
       </p:sp>
@@ -565,7 +553,7 @@
           <a:p>
             <a:fld id="{150AD745-3EDC-4820-88A6-69AA3262CE04}" type="slidenum">
               <a:rPr lang="en-US" smtClean="0"/>
-              <a:t>2</a:t>
+              <a:t>20</a:t>
             </a:fld>
             <a:endParaRPr lang="en-US"/>
           </a:p>
@@ -574,371 +562,7 @@
     </p:spTree>
     <p:extLst>
       <p:ext uri="{BB962C8B-B14F-4D97-AF65-F5344CB8AC3E}">
-        <p14:creationId xmlns:p14="http://schemas.microsoft.com/office/powerpoint/2010/main" val="2776071566"/>
-      </p:ext>
-    </p:extLst>
-  </p:cSld>
-  <p:clrMapOvr>
-    <a:masterClrMapping/>
-  </p:clrMapOvr>
-</p:notes>
-</file>
-
-<file path=ppt/notesSlides/notesSlide2.xml><?xml version="1.0" encoding="utf-8"?>
-<p:notes xmlns:a="http://schemas.openxmlformats.org/drawingml/2006/main" xmlns:r="http://schemas.openxmlformats.org/officeDocument/2006/relationships" xmlns:p="http://schemas.openxmlformats.org/presentationml/2006/main">
-  <p:cSld>
-    <p:spTree>
-      <p:nvGrpSpPr>
-        <p:cNvPr id="1" name=""/>
-        <p:cNvGrpSpPr/>
-        <p:nvPr/>
-      </p:nvGrpSpPr>
-      <p:grpSpPr>
-        <a:xfrm>
-          <a:off x="0" y="0"/>
-          <a:ext cx="0" cy="0"/>
-          <a:chOff x="0" y="0"/>
-          <a:chExt cx="0" cy="0"/>
-        </a:xfrm>
-      </p:grpSpPr>
-      <p:sp>
-        <p:nvSpPr>
-          <p:cNvPr id="2" name="Tijdelijke aanduiding voor dia-afbeelding 1"/>
-          <p:cNvSpPr>
-            <a:spLocks noGrp="1" noRot="1" noChangeAspect="1"/>
-          </p:cNvSpPr>
-          <p:nvPr>
-            <p:ph type="sldImg"/>
-          </p:nvPr>
-        </p:nvSpPr>
-        <p:spPr/>
-      </p:sp>
-      <p:sp>
-        <p:nvSpPr>
-          <p:cNvPr id="3" name="Tijdelijke aanduiding voor notities 2"/>
-          <p:cNvSpPr>
-            <a:spLocks noGrp="1"/>
-          </p:cNvSpPr>
-          <p:nvPr>
-            <p:ph type="body" idx="1"/>
-          </p:nvPr>
-        </p:nvSpPr>
-        <p:spPr/>
-        <p:txBody>
-          <a:bodyPr/>
-          <a:lstStyle/>
-          <a:p>
-            <a:r>
-              <a:rPr lang="en-US" dirty="0"/>
-              <a:t>Ask if everyone knows what a variable is</a:t>
-            </a:r>
-          </a:p>
-        </p:txBody>
-      </p:sp>
-      <p:sp>
-        <p:nvSpPr>
-          <p:cNvPr id="4" name="Tijdelijke aanduiding voor dianummer 3"/>
-          <p:cNvSpPr>
-            <a:spLocks noGrp="1"/>
-          </p:cNvSpPr>
-          <p:nvPr>
-            <p:ph type="sldNum" sz="quarter" idx="5"/>
-          </p:nvPr>
-        </p:nvSpPr>
-        <p:spPr/>
-        <p:txBody>
-          <a:bodyPr/>
-          <a:lstStyle/>
-          <a:p>
-            <a:fld id="{150AD745-3EDC-4820-88A6-69AA3262CE04}" type="slidenum">
-              <a:rPr lang="en-US" smtClean="0"/>
-              <a:t>5</a:t>
-            </a:fld>
-            <a:endParaRPr lang="en-US"/>
-          </a:p>
-        </p:txBody>
-      </p:sp>
-    </p:spTree>
-    <p:extLst>
-      <p:ext uri="{BB962C8B-B14F-4D97-AF65-F5344CB8AC3E}">
-        <p14:creationId xmlns:p14="http://schemas.microsoft.com/office/powerpoint/2010/main" val="997948766"/>
-      </p:ext>
-    </p:extLst>
-  </p:cSld>
-  <p:clrMapOvr>
-    <a:masterClrMapping/>
-  </p:clrMapOvr>
-</p:notes>
-</file>
-
-<file path=ppt/notesSlides/notesSlide3.xml><?xml version="1.0" encoding="utf-8"?>
-<p:notes xmlns:a="http://schemas.openxmlformats.org/drawingml/2006/main" xmlns:r="http://schemas.openxmlformats.org/officeDocument/2006/relationships" xmlns:p="http://schemas.openxmlformats.org/presentationml/2006/main">
-  <p:cSld>
-    <p:spTree>
-      <p:nvGrpSpPr>
-        <p:cNvPr id="1" name=""/>
-        <p:cNvGrpSpPr/>
-        <p:nvPr/>
-      </p:nvGrpSpPr>
-      <p:grpSpPr>
-        <a:xfrm>
-          <a:off x="0" y="0"/>
-          <a:ext cx="0" cy="0"/>
-          <a:chOff x="0" y="0"/>
-          <a:chExt cx="0" cy="0"/>
-        </a:xfrm>
-      </p:grpSpPr>
-      <p:sp>
-        <p:nvSpPr>
-          <p:cNvPr id="2" name="Tijdelijke aanduiding voor dia-afbeelding 1"/>
-          <p:cNvSpPr>
-            <a:spLocks noGrp="1" noRot="1" noChangeAspect="1"/>
-          </p:cNvSpPr>
-          <p:nvPr>
-            <p:ph type="sldImg"/>
-          </p:nvPr>
-        </p:nvSpPr>
-        <p:spPr/>
-      </p:sp>
-      <p:sp>
-        <p:nvSpPr>
-          <p:cNvPr id="3" name="Tijdelijke aanduiding voor notities 2"/>
-          <p:cNvSpPr>
-            <a:spLocks noGrp="1"/>
-          </p:cNvSpPr>
-          <p:nvPr>
-            <p:ph type="body" idx="1"/>
-          </p:nvPr>
-        </p:nvSpPr>
-        <p:spPr/>
-        <p:txBody>
-          <a:bodyPr/>
-          <a:lstStyle/>
-          <a:p>
-            <a:r>
-              <a:rPr lang="en-US" dirty="0"/>
-              <a:t>Show how to create a file in </a:t>
-            </a:r>
-            <a:r>
-              <a:rPr lang="en-US" dirty="0" err="1"/>
-              <a:t>Thonny</a:t>
-            </a:r>
-            <a:endParaRPr lang="en-US" dirty="0"/>
-          </a:p>
-          <a:p>
-            <a:r>
-              <a:rPr lang="en-US" dirty="0"/>
-              <a:t>25 min is inclusive of </a:t>
-            </a:r>
-            <a:r>
-              <a:rPr lang="en-US" dirty="0" err="1"/>
-              <a:t>thonny</a:t>
-            </a:r>
-            <a:r>
-              <a:rPr lang="en-US" dirty="0"/>
-              <a:t> installation</a:t>
-            </a:r>
-          </a:p>
-          <a:p>
-            <a:endParaRPr lang="en-US" dirty="0"/>
-          </a:p>
-        </p:txBody>
-      </p:sp>
-      <p:sp>
-        <p:nvSpPr>
-          <p:cNvPr id="4" name="Tijdelijke aanduiding voor dianummer 3"/>
-          <p:cNvSpPr>
-            <a:spLocks noGrp="1"/>
-          </p:cNvSpPr>
-          <p:nvPr>
-            <p:ph type="sldNum" sz="quarter" idx="5"/>
-          </p:nvPr>
-        </p:nvSpPr>
-        <p:spPr/>
-        <p:txBody>
-          <a:bodyPr/>
-          <a:lstStyle/>
-          <a:p>
-            <a:fld id="{150AD745-3EDC-4820-88A6-69AA3262CE04}" type="slidenum">
-              <a:rPr lang="en-US" smtClean="0"/>
-              <a:t>14</a:t>
-            </a:fld>
-            <a:endParaRPr lang="en-US"/>
-          </a:p>
-        </p:txBody>
-      </p:sp>
-    </p:spTree>
-    <p:extLst>
-      <p:ext uri="{BB962C8B-B14F-4D97-AF65-F5344CB8AC3E}">
-        <p14:creationId xmlns:p14="http://schemas.microsoft.com/office/powerpoint/2010/main" val="3982674876"/>
-      </p:ext>
-    </p:extLst>
-  </p:cSld>
-  <p:clrMapOvr>
-    <a:masterClrMapping/>
-  </p:clrMapOvr>
-</p:notes>
-</file>
-
-<file path=ppt/notesSlides/notesSlide4.xml><?xml version="1.0" encoding="utf-8"?>
-<p:notes xmlns:a="http://schemas.openxmlformats.org/drawingml/2006/main" xmlns:r="http://schemas.openxmlformats.org/officeDocument/2006/relationships" xmlns:p="http://schemas.openxmlformats.org/presentationml/2006/main">
-  <p:cSld>
-    <p:spTree>
-      <p:nvGrpSpPr>
-        <p:cNvPr id="1" name=""/>
-        <p:cNvGrpSpPr/>
-        <p:nvPr/>
-      </p:nvGrpSpPr>
-      <p:grpSpPr>
-        <a:xfrm>
-          <a:off x="0" y="0"/>
-          <a:ext cx="0" cy="0"/>
-          <a:chOff x="0" y="0"/>
-          <a:chExt cx="0" cy="0"/>
-        </a:xfrm>
-      </p:grpSpPr>
-      <p:sp>
-        <p:nvSpPr>
-          <p:cNvPr id="2" name="Tijdelijke aanduiding voor dia-afbeelding 1"/>
-          <p:cNvSpPr>
-            <a:spLocks noGrp="1" noRot="1" noChangeAspect="1"/>
-          </p:cNvSpPr>
-          <p:nvPr>
-            <p:ph type="sldImg"/>
-          </p:nvPr>
-        </p:nvSpPr>
-        <p:spPr/>
-      </p:sp>
-      <p:sp>
-        <p:nvSpPr>
-          <p:cNvPr id="3" name="Tijdelijke aanduiding voor notities 2"/>
-          <p:cNvSpPr>
-            <a:spLocks noGrp="1"/>
-          </p:cNvSpPr>
-          <p:nvPr>
-            <p:ph type="body" idx="1"/>
-          </p:nvPr>
-        </p:nvSpPr>
-        <p:spPr/>
-        <p:txBody>
-          <a:bodyPr/>
-          <a:lstStyle/>
-          <a:p>
-            <a:endParaRPr lang="en-US" dirty="0"/>
-          </a:p>
-        </p:txBody>
-      </p:sp>
-      <p:sp>
-        <p:nvSpPr>
-          <p:cNvPr id="4" name="Tijdelijke aanduiding voor dianummer 3"/>
-          <p:cNvSpPr>
-            <a:spLocks noGrp="1"/>
-          </p:cNvSpPr>
-          <p:nvPr>
-            <p:ph type="sldNum" sz="quarter" idx="5"/>
-          </p:nvPr>
-        </p:nvSpPr>
-        <p:spPr/>
-        <p:txBody>
-          <a:bodyPr/>
-          <a:lstStyle/>
-          <a:p>
-            <a:fld id="{150AD745-3EDC-4820-88A6-69AA3262CE04}" type="slidenum">
-              <a:rPr lang="en-US" smtClean="0"/>
-              <a:t>16</a:t>
-            </a:fld>
-            <a:endParaRPr lang="en-US"/>
-          </a:p>
-        </p:txBody>
-      </p:sp>
-    </p:spTree>
-    <p:extLst>
-      <p:ext uri="{BB962C8B-B14F-4D97-AF65-F5344CB8AC3E}">
-        <p14:creationId xmlns:p14="http://schemas.microsoft.com/office/powerpoint/2010/main" val="3697792149"/>
-      </p:ext>
-    </p:extLst>
-  </p:cSld>
-  <p:clrMapOvr>
-    <a:masterClrMapping/>
-  </p:clrMapOvr>
-</p:notes>
-</file>
-
-<file path=ppt/notesSlides/notesSlide5.xml><?xml version="1.0" encoding="utf-8"?>
-<p:notes xmlns:a="http://schemas.openxmlformats.org/drawingml/2006/main" xmlns:r="http://schemas.openxmlformats.org/officeDocument/2006/relationships" xmlns:p="http://schemas.openxmlformats.org/presentationml/2006/main">
-  <p:cSld>
-    <p:spTree>
-      <p:nvGrpSpPr>
-        <p:cNvPr id="1" name=""/>
-        <p:cNvGrpSpPr/>
-        <p:nvPr/>
-      </p:nvGrpSpPr>
-      <p:grpSpPr>
-        <a:xfrm>
-          <a:off x="0" y="0"/>
-          <a:ext cx="0" cy="0"/>
-          <a:chOff x="0" y="0"/>
-          <a:chExt cx="0" cy="0"/>
-        </a:xfrm>
-      </p:grpSpPr>
-      <p:sp>
-        <p:nvSpPr>
-          <p:cNvPr id="2" name="Tijdelijke aanduiding voor dia-afbeelding 1"/>
-          <p:cNvSpPr>
-            <a:spLocks noGrp="1" noRot="1" noChangeAspect="1"/>
-          </p:cNvSpPr>
-          <p:nvPr>
-            <p:ph type="sldImg"/>
-          </p:nvPr>
-        </p:nvSpPr>
-        <p:spPr/>
-      </p:sp>
-      <p:sp>
-        <p:nvSpPr>
-          <p:cNvPr id="3" name="Tijdelijke aanduiding voor notities 2"/>
-          <p:cNvSpPr>
-            <a:spLocks noGrp="1"/>
-          </p:cNvSpPr>
-          <p:nvPr>
-            <p:ph type="body" idx="1"/>
-          </p:nvPr>
-        </p:nvSpPr>
-        <p:spPr/>
-        <p:txBody>
-          <a:bodyPr/>
-          <a:lstStyle/>
-          <a:p>
-            <a:endParaRPr lang="en-US" dirty="0"/>
-          </a:p>
-        </p:txBody>
-      </p:sp>
-      <p:sp>
-        <p:nvSpPr>
-          <p:cNvPr id="4" name="Tijdelijke aanduiding voor dianummer 3"/>
-          <p:cNvSpPr>
-            <a:spLocks noGrp="1"/>
-          </p:cNvSpPr>
-          <p:nvPr>
-            <p:ph type="sldNum" sz="quarter" idx="5"/>
-          </p:nvPr>
-        </p:nvSpPr>
-        <p:spPr/>
-        <p:txBody>
-          <a:bodyPr/>
-          <a:lstStyle/>
-          <a:p>
-            <a:fld id="{150AD745-3EDC-4820-88A6-69AA3262CE04}" type="slidenum">
-              <a:rPr lang="en-US" smtClean="0"/>
-              <a:t>24</a:t>
-            </a:fld>
-            <a:endParaRPr lang="en-US"/>
-          </a:p>
-        </p:txBody>
-      </p:sp>
-    </p:spTree>
-    <p:extLst>
-      <p:ext uri="{BB962C8B-B14F-4D97-AF65-F5344CB8AC3E}">
-        <p14:creationId xmlns:p14="http://schemas.microsoft.com/office/powerpoint/2010/main" val="587082615"/>
+        <p14:creationId xmlns:p14="http://schemas.microsoft.com/office/powerpoint/2010/main" val="3170444417"/>
       </p:ext>
     </p:extLst>
   </p:cSld>
@@ -1095,7 +719,7 @@
           <a:p>
             <a:fld id="{20CB5ABA-A31F-4730-B3FC-C2C80B92D381}" type="datetimeFigureOut">
               <a:rPr lang="nl-NL" smtClean="0"/>
-              <a:t>14-10-2019</a:t>
+              <a:t>16-10-2019</a:t>
             </a:fld>
             <a:endParaRPr lang="nl-NL" dirty="0"/>
           </a:p>
@@ -1293,7 +917,7 @@
           <a:p>
             <a:fld id="{20CB5ABA-A31F-4730-B3FC-C2C80B92D381}" type="datetimeFigureOut">
               <a:rPr lang="nl-NL" smtClean="0"/>
-              <a:t>14-10-2019</a:t>
+              <a:t>16-10-2019</a:t>
             </a:fld>
             <a:endParaRPr lang="nl-NL" dirty="0"/>
           </a:p>
@@ -1501,7 +1125,7 @@
           <a:p>
             <a:fld id="{20CB5ABA-A31F-4730-B3FC-C2C80B92D381}" type="datetimeFigureOut">
               <a:rPr lang="nl-NL" smtClean="0"/>
-              <a:t>14-10-2019</a:t>
+              <a:t>16-10-2019</a:t>
             </a:fld>
             <a:endParaRPr lang="nl-NL" dirty="0"/>
           </a:p>
@@ -1565,6 +1189,168 @@
     <p:extLst>
       <p:ext uri="{BB962C8B-B14F-4D97-AF65-F5344CB8AC3E}">
         <p14:creationId xmlns:p14="http://schemas.microsoft.com/office/powerpoint/2010/main" val="2932652083"/>
+      </p:ext>
+    </p:extLst>
+  </p:cSld>
+  <p:clrMapOvr>
+    <a:masterClrMapping/>
+  </p:clrMapOvr>
+</p:sldLayout>
+</file>
+
+<file path=ppt/slideLayouts/slideLayout12.xml><?xml version="1.0" encoding="utf-8"?>
+<p:sldLayout xmlns:a="http://schemas.openxmlformats.org/drawingml/2006/main" xmlns:r="http://schemas.openxmlformats.org/officeDocument/2006/relationships" xmlns:p="http://schemas.openxmlformats.org/presentationml/2006/main" userDrawn="1">
+  <p:cSld name="Tekstdia 1">
+    <p:spTree>
+      <p:nvGrpSpPr>
+        <p:cNvPr id="1" name=""/>
+        <p:cNvGrpSpPr/>
+        <p:nvPr/>
+      </p:nvGrpSpPr>
+      <p:grpSpPr>
+        <a:xfrm>
+          <a:off x="0" y="0"/>
+          <a:ext cx="0" cy="0"/>
+          <a:chOff x="0" y="0"/>
+          <a:chExt cx="0" cy="0"/>
+        </a:xfrm>
+      </p:grpSpPr>
+      <p:pic>
+        <p:nvPicPr>
+          <p:cNvPr id="4" name="Afbeelding 3"/>
+          <p:cNvPicPr>
+            <a:picLocks noChangeAspect="1"/>
+          </p:cNvPicPr>
+          <p:nvPr/>
+        </p:nvPicPr>
+        <p:blipFill>
+          <a:blip r:embed="rId2">
+            <a:extLst>
+              <a:ext uri="{28A0092B-C50C-407E-A947-70E740481C1C}">
+                <a14:useLocalDpi xmlns:a14="http://schemas.microsoft.com/office/drawing/2010/main" val="0"/>
+              </a:ext>
+            </a:extLst>
+          </a:blip>
+          <a:srcRect/>
+          <a:stretch>
+            <a:fillRect/>
+          </a:stretch>
+        </p:blipFill>
+        <p:spPr bwMode="auto">
+          <a:xfrm>
+            <a:off x="0" y="5499100"/>
+            <a:ext cx="12192000" cy="1358900"/>
+          </a:xfrm>
+          <a:prstGeom prst="rect">
+            <a:avLst/>
+          </a:prstGeom>
+          <a:noFill/>
+          <a:ln>
+            <a:noFill/>
+          </a:ln>
+          <a:extLst>
+            <a:ext uri="{909E8E84-426E-40DD-AFC4-6F175D3DCCD1}">
+              <a14:hiddenFill xmlns:a14="http://schemas.microsoft.com/office/drawing/2010/main">
+                <a:solidFill>
+                  <a:srgbClr val="FFFFFF"/>
+                </a:solidFill>
+              </a14:hiddenFill>
+            </a:ext>
+            <a:ext uri="{91240B29-F687-4F45-9708-019B960494DF}">
+              <a14:hiddenLine xmlns:a14="http://schemas.microsoft.com/office/drawing/2010/main" w="9525">
+                <a:solidFill>
+                  <a:srgbClr val="000000"/>
+                </a:solidFill>
+                <a:miter lim="800000"/>
+                <a:headEnd/>
+                <a:tailEnd/>
+              </a14:hiddenLine>
+            </a:ext>
+          </a:extLst>
+        </p:spPr>
+      </p:pic>
+      <p:sp>
+        <p:nvSpPr>
+          <p:cNvPr id="8" name="Titel 7"/>
+          <p:cNvSpPr>
+            <a:spLocks noGrp="1"/>
+          </p:cNvSpPr>
+          <p:nvPr>
+            <p:ph type="title"/>
+          </p:nvPr>
+        </p:nvSpPr>
+        <p:spPr>
+          <a:xfrm>
+            <a:off x="1775520" y="3001516"/>
+            <a:ext cx="8736971" cy="571500"/>
+          </a:xfrm>
+        </p:spPr>
+        <p:txBody>
+          <a:bodyPr/>
+          <a:lstStyle>
+            <a:lvl1pPr algn="l">
+              <a:defRPr sz="4400" baseline="0">
+                <a:latin typeface="Arial" panose="020B0604020202020204" pitchFamily="34" charset="0"/>
+                <a:cs typeface="Arial" panose="020B0604020202020204" pitchFamily="34" charset="0"/>
+              </a:defRPr>
+            </a:lvl1pPr>
+          </a:lstStyle>
+          <a:p>
+            <a:r>
+              <a:rPr lang="nl-NL"/>
+              <a:t>Klik om de stijl te bewerken</a:t>
+            </a:r>
+            <a:endParaRPr lang="nl-NL" dirty="0"/>
+          </a:p>
+        </p:txBody>
+      </p:sp>
+      <p:sp>
+        <p:nvSpPr>
+          <p:cNvPr id="27" name="Tijdelijke aanduiding voor inhoud 26"/>
+          <p:cNvSpPr>
+            <a:spLocks noGrp="1"/>
+          </p:cNvSpPr>
+          <p:nvPr>
+            <p:ph sz="quarter" idx="13"/>
+          </p:nvPr>
+        </p:nvSpPr>
+        <p:spPr>
+          <a:xfrm>
+            <a:off x="1775520" y="3573017"/>
+            <a:ext cx="8736971" cy="504056"/>
+          </a:xfrm>
+          <a:prstGeom prst="rect">
+            <a:avLst/>
+          </a:prstGeom>
+        </p:spPr>
+        <p:txBody>
+          <a:bodyPr>
+            <a:noAutofit/>
+          </a:bodyPr>
+          <a:lstStyle>
+            <a:lvl1pPr algn="l">
+              <a:defRPr sz="3400" baseline="0">
+                <a:solidFill>
+                  <a:srgbClr val="BABF10"/>
+                </a:solidFill>
+                <a:latin typeface="Arial" panose="020B0604020202020204" pitchFamily="34" charset="0"/>
+                <a:cs typeface="Arial" panose="020B0604020202020204" pitchFamily="34" charset="0"/>
+              </a:defRPr>
+            </a:lvl1pPr>
+          </a:lstStyle>
+          <a:p>
+            <a:pPr lvl="0"/>
+            <a:r>
+              <a:rPr lang="nl-NL"/>
+              <a:t>Tekststijl van het model bewerken</a:t>
+            </a:r>
+          </a:p>
+        </p:txBody>
+      </p:sp>
+    </p:spTree>
+    <p:extLst>
+      <p:ext uri="{BB962C8B-B14F-4D97-AF65-F5344CB8AC3E}">
+        <p14:creationId xmlns:p14="http://schemas.microsoft.com/office/powerpoint/2010/main" val="3271785958"/>
       </p:ext>
     </p:extLst>
   </p:cSld>
@@ -1699,7 +1485,7 @@
           <a:p>
             <a:fld id="{20CB5ABA-A31F-4730-B3FC-C2C80B92D381}" type="datetimeFigureOut">
               <a:rPr lang="nl-NL" smtClean="0"/>
-              <a:t>14-10-2019</a:t>
+              <a:t>16-10-2019</a:t>
             </a:fld>
             <a:endParaRPr lang="nl-NL" dirty="0"/>
           </a:p>
@@ -1974,7 +1760,7 @@
           <a:p>
             <a:fld id="{20CB5ABA-A31F-4730-B3FC-C2C80B92D381}" type="datetimeFigureOut">
               <a:rPr lang="nl-NL" smtClean="0"/>
-              <a:t>14-10-2019</a:t>
+              <a:t>16-10-2019</a:t>
             </a:fld>
             <a:endParaRPr lang="nl-NL" dirty="0"/>
           </a:p>
@@ -2239,7 +2025,7 @@
           <a:p>
             <a:fld id="{20CB5ABA-A31F-4730-B3FC-C2C80B92D381}" type="datetimeFigureOut">
               <a:rPr lang="nl-NL" smtClean="0"/>
-              <a:t>14-10-2019</a:t>
+              <a:t>16-10-2019</a:t>
             </a:fld>
             <a:endParaRPr lang="nl-NL" dirty="0"/>
           </a:p>
@@ -2651,7 +2437,7 @@
           <a:p>
             <a:fld id="{20CB5ABA-A31F-4730-B3FC-C2C80B92D381}" type="datetimeFigureOut">
               <a:rPr lang="nl-NL" smtClean="0"/>
-              <a:t>14-10-2019</a:t>
+              <a:t>16-10-2019</a:t>
             </a:fld>
             <a:endParaRPr lang="nl-NL" dirty="0"/>
           </a:p>
@@ -2792,7 +2578,7 @@
           <a:p>
             <a:fld id="{20CB5ABA-A31F-4730-B3FC-C2C80B92D381}" type="datetimeFigureOut">
               <a:rPr lang="nl-NL" smtClean="0"/>
-              <a:t>14-10-2019</a:t>
+              <a:t>16-10-2019</a:t>
             </a:fld>
             <a:endParaRPr lang="nl-NL" dirty="0"/>
           </a:p>
@@ -2905,7 +2691,7 @@
           <a:p>
             <a:fld id="{20CB5ABA-A31F-4730-B3FC-C2C80B92D381}" type="datetimeFigureOut">
               <a:rPr lang="nl-NL" smtClean="0"/>
-              <a:t>14-10-2019</a:t>
+              <a:t>16-10-2019</a:t>
             </a:fld>
             <a:endParaRPr lang="nl-NL" dirty="0"/>
           </a:p>
@@ -3216,7 +3002,7 @@
           <a:p>
             <a:fld id="{20CB5ABA-A31F-4730-B3FC-C2C80B92D381}" type="datetimeFigureOut">
               <a:rPr lang="nl-NL" smtClean="0"/>
-              <a:t>14-10-2019</a:t>
+              <a:t>16-10-2019</a:t>
             </a:fld>
             <a:endParaRPr lang="nl-NL" dirty="0"/>
           </a:p>
@@ -3504,7 +3290,7 @@
           <a:p>
             <a:fld id="{20CB5ABA-A31F-4730-B3FC-C2C80B92D381}" type="datetimeFigureOut">
               <a:rPr lang="nl-NL" smtClean="0"/>
-              <a:t>14-10-2019</a:t>
+              <a:t>16-10-2019</a:t>
             </a:fld>
             <a:endParaRPr lang="nl-NL" dirty="0"/>
           </a:p>
@@ -3745,7 +3531,7 @@
           <a:p>
             <a:fld id="{20CB5ABA-A31F-4730-B3FC-C2C80B92D381}" type="datetimeFigureOut">
               <a:rPr lang="nl-NL" smtClean="0"/>
-              <a:t>14-10-2019</a:t>
+              <a:t>16-10-2019</a:t>
             </a:fld>
             <a:endParaRPr lang="nl-NL" dirty="0"/>
           </a:p>
@@ -3861,6 +3647,7 @@
     <p:sldLayoutId id="2147483657" r:id="rId9"/>
     <p:sldLayoutId id="2147483658" r:id="rId10"/>
     <p:sldLayoutId id="2147483659" r:id="rId11"/>
+    <p:sldLayoutId id="2147483660" r:id="rId12"/>
   </p:sldLayoutIdLst>
   <p:txStyles>
     <p:titleStyle>
@@ -4164,49 +3951,78 @@
       </p:grpSpPr>
       <p:sp>
         <p:nvSpPr>
-          <p:cNvPr id="2" name="Titel 1">
-            <a:extLst>
-              <a:ext uri="{FF2B5EF4-FFF2-40B4-BE49-F238E27FC236}">
-                <a16:creationId xmlns:a16="http://schemas.microsoft.com/office/drawing/2014/main" id="{5B4E5683-AE56-42FB-89E1-30977A41D82F}"/>
-              </a:ext>
-            </a:extLst>
-          </p:cNvPr>
-          <p:cNvSpPr>
-            <a:spLocks noGrp="1"/>
-          </p:cNvSpPr>
-          <p:nvPr>
-            <p:ph type="ctrTitle"/>
-          </p:nvPr>
+          <p:cNvPr id="4" name="Titel 1">
+            <a:extLst>
+              <a:ext uri="{FF2B5EF4-FFF2-40B4-BE49-F238E27FC236}">
+                <a16:creationId xmlns:a16="http://schemas.microsoft.com/office/drawing/2014/main" id="{4E6719D2-5C26-4F10-B31F-7E11AD0B0B91}"/>
+              </a:ext>
+            </a:extLst>
+          </p:cNvPr>
+          <p:cNvSpPr txBox="1">
+            <a:spLocks/>
+          </p:cNvSpPr>
+          <p:nvPr/>
         </p:nvSpPr>
         <p:spPr>
           <a:xfrm>
             <a:off x="572277" y="2131218"/>
             <a:ext cx="3953069" cy="2291492"/>
           </a:xfrm>
-        </p:spPr>
-        <p:txBody>
-          <a:bodyPr>
-            <a:normAutofit fontScale="90000"/>
+          <a:prstGeom prst="rect">
+            <a:avLst/>
+          </a:prstGeom>
+        </p:spPr>
+        <p:txBody>
+          <a:bodyPr vert="horz" lIns="91440" tIns="45720" rIns="91440" bIns="45720" rtlCol="0" anchor="ctr">
+            <a:normAutofit fontScale="97500"/>
           </a:bodyPr>
-          <a:lstStyle/>
-          <a:p>
-            <a:r>
-              <a:rPr lang="en-US" dirty="0"/>
+          <a:lstStyle>
+            <a:lvl1pPr algn="l" defTabSz="914400" rtl="0" eaLnBrk="1" latinLnBrk="0" hangingPunct="1">
+              <a:lnSpc>
+                <a:spcPct val="90000"/>
+              </a:lnSpc>
+              <a:spcBef>
+                <a:spcPct val="0"/>
+              </a:spcBef>
+              <a:buNone/>
+              <a:defRPr sz="4400" kern="1200" baseline="0">
+                <a:solidFill>
+                  <a:schemeClr val="tx1"/>
+                </a:solidFill>
+                <a:latin typeface="Arial" panose="020B0604020202020204" pitchFamily="34" charset="0"/>
+                <a:ea typeface="+mj-ea"/>
+                <a:cs typeface="Arial" panose="020B0604020202020204" pitchFamily="34" charset="0"/>
+              </a:defRPr>
+            </a:lvl1pPr>
+          </a:lstStyle>
+          <a:p>
+            <a:r>
+              <a:rPr lang="en-US" sz="5400" dirty="0">
+                <a:latin typeface="+mj-lt"/>
+              </a:rPr>
               <a:t>Introduction</a:t>
             </a:r>
             <a:br>
-              <a:rPr lang="nl-NL" dirty="0"/>
+              <a:rPr lang="nl-NL" sz="5400" dirty="0">
+                <a:latin typeface="+mj-lt"/>
+              </a:rPr>
             </a:br>
             <a:r>
-              <a:rPr lang="nl-NL" dirty="0"/>
+              <a:rPr lang="nl-NL" sz="5400" dirty="0">
+                <a:latin typeface="+mj-lt"/>
+              </a:rPr>
               <a:t> </a:t>
             </a:r>
             <a:r>
-              <a:rPr lang="en-US" dirty="0"/>
+              <a:rPr lang="en-US" sz="5400" dirty="0">
+                <a:latin typeface="+mj-lt"/>
+              </a:rPr>
               <a:t>to</a:t>
             </a:r>
             <a:r>
-              <a:rPr lang="nl-NL" dirty="0"/>
+              <a:rPr lang="nl-NL" sz="5400" dirty="0">
+                <a:latin typeface="+mj-lt"/>
+              </a:rPr>
               <a:t> Python</a:t>
             </a:r>
           </a:p>
@@ -4214,10 +4030,10 @@
       </p:sp>
       <p:pic>
         <p:nvPicPr>
-          <p:cNvPr id="1026" name="Picture 2" descr="Afbeeldingsresultaat voor python programming">
-            <a:extLst>
-              <a:ext uri="{FF2B5EF4-FFF2-40B4-BE49-F238E27FC236}">
-                <a16:creationId xmlns:a16="http://schemas.microsoft.com/office/drawing/2014/main" id="{09314390-FF43-4F5B-BC32-F7E0ACD2AB8B}"/>
+          <p:cNvPr id="5" name="Picture 2" descr="Afbeeldingsresultaat voor python programming">
+            <a:extLst>
+              <a:ext uri="{FF2B5EF4-FFF2-40B4-BE49-F238E27FC236}">
+                <a16:creationId xmlns:a16="http://schemas.microsoft.com/office/drawing/2014/main" id="{1F4CBA7F-1F05-406E-B2E0-036053E5388D}"/>
               </a:ext>
             </a:extLst>
           </p:cNvPr>
@@ -4241,8 +4057,8 @@
         </p:blipFill>
         <p:spPr bwMode="auto">
           <a:xfrm>
-            <a:off x="5032310" y="0"/>
-            <a:ext cx="6858000" cy="6858000"/>
+            <a:off x="4525346" y="574431"/>
+            <a:ext cx="5193323" cy="5193323"/>
           </a:xfrm>
           <a:prstGeom prst="rect">
             <a:avLst/>
@@ -4262,7 +4078,7 @@
     </p:spTree>
     <p:extLst>
       <p:ext uri="{BB962C8B-B14F-4D97-AF65-F5344CB8AC3E}">
-        <p14:creationId xmlns:p14="http://schemas.microsoft.com/office/powerpoint/2010/main" val="2509275484"/>
+        <p14:creationId xmlns:p14="http://schemas.microsoft.com/office/powerpoint/2010/main" val="3066978138"/>
       </p:ext>
     </p:extLst>
   </p:cSld>
@@ -4291,38 +4107,65 @@
       </p:grpSpPr>
       <p:sp>
         <p:nvSpPr>
-          <p:cNvPr id="2" name="Titel 1">
-            <a:extLst>
-              <a:ext uri="{FF2B5EF4-FFF2-40B4-BE49-F238E27FC236}">
-                <a16:creationId xmlns:a16="http://schemas.microsoft.com/office/drawing/2014/main" id="{FA255299-6078-4821-A4DA-B3DE276AE540}"/>
-              </a:ext>
-            </a:extLst>
-          </p:cNvPr>
-          <p:cNvSpPr>
-            <a:spLocks noGrp="1"/>
-          </p:cNvSpPr>
-          <p:nvPr>
-            <p:ph type="title"/>
-          </p:nvPr>
-        </p:nvSpPr>
-        <p:spPr/>
-        <p:txBody>
-          <a:bodyPr/>
-          <a:lstStyle/>
-          <a:p>
-            <a:r>
-              <a:rPr lang="en-US" dirty="0"/>
+          <p:cNvPr id="4" name="Titel 1">
+            <a:extLst>
+              <a:ext uri="{FF2B5EF4-FFF2-40B4-BE49-F238E27FC236}">
+                <a16:creationId xmlns:a16="http://schemas.microsoft.com/office/drawing/2014/main" id="{BCCB3A01-33B4-428C-BE7C-A6EAE5C962CD}"/>
+              </a:ext>
+            </a:extLst>
+          </p:cNvPr>
+          <p:cNvSpPr txBox="1">
+            <a:spLocks/>
+          </p:cNvSpPr>
+          <p:nvPr/>
+        </p:nvSpPr>
+        <p:spPr>
+          <a:xfrm>
+            <a:off x="838200" y="365125"/>
+            <a:ext cx="10515600" cy="1325563"/>
+          </a:xfrm>
+          <a:prstGeom prst="rect">
+            <a:avLst/>
+          </a:prstGeom>
+        </p:spPr>
+        <p:txBody>
+          <a:bodyPr vert="horz" lIns="91440" tIns="45720" rIns="91440" bIns="45720" rtlCol="0" anchor="ctr">
+            <a:normAutofit/>
+          </a:bodyPr>
+          <a:lstStyle>
+            <a:lvl1pPr algn="l" defTabSz="914400" rtl="0" eaLnBrk="1" latinLnBrk="0" hangingPunct="1">
+              <a:lnSpc>
+                <a:spcPct val="90000"/>
+              </a:lnSpc>
+              <a:spcBef>
+                <a:spcPct val="0"/>
+              </a:spcBef>
+              <a:buNone/>
+              <a:defRPr sz="4400" kern="1200" baseline="0">
+                <a:solidFill>
+                  <a:schemeClr val="tx1"/>
+                </a:solidFill>
+                <a:latin typeface="Arial" panose="020B0604020202020204" pitchFamily="34" charset="0"/>
+                <a:ea typeface="+mj-ea"/>
+                <a:cs typeface="Arial" panose="020B0604020202020204" pitchFamily="34" charset="0"/>
+              </a:defRPr>
+            </a:lvl1pPr>
+          </a:lstStyle>
+          <a:p>
+            <a:r>
+              <a:rPr lang="en-US"/>
               <a:t>Example</a:t>
             </a:r>
+            <a:endParaRPr lang="en-US" dirty="0"/>
           </a:p>
         </p:txBody>
       </p:sp>
       <p:pic>
         <p:nvPicPr>
-          <p:cNvPr id="4" name="Afbeelding 3">
-            <a:extLst>
-              <a:ext uri="{FF2B5EF4-FFF2-40B4-BE49-F238E27FC236}">
-                <a16:creationId xmlns:a16="http://schemas.microsoft.com/office/drawing/2014/main" id="{333D8350-61DD-47B5-9D00-9837B174D4EE}"/>
+          <p:cNvPr id="6" name="Afbeelding 5">
+            <a:extLst>
+              <a:ext uri="{FF2B5EF4-FFF2-40B4-BE49-F238E27FC236}">
+                <a16:creationId xmlns:a16="http://schemas.microsoft.com/office/drawing/2014/main" id="{AA6E7E40-8E39-4488-B843-6CE955E10EB1}"/>
               </a:ext>
             </a:extLst>
           </p:cNvPr>
@@ -4349,10 +4192,10 @@
       </p:pic>
       <p:pic>
         <p:nvPicPr>
-          <p:cNvPr id="5" name="Afbeelding 4">
-            <a:extLst>
-              <a:ext uri="{FF2B5EF4-FFF2-40B4-BE49-F238E27FC236}">
-                <a16:creationId xmlns:a16="http://schemas.microsoft.com/office/drawing/2014/main" id="{D6539F32-30AE-4AC2-BE37-3EBF502C0D7E}"/>
+          <p:cNvPr id="7" name="Afbeelding 6">
+            <a:extLst>
+              <a:ext uri="{FF2B5EF4-FFF2-40B4-BE49-F238E27FC236}">
+                <a16:creationId xmlns:a16="http://schemas.microsoft.com/office/drawing/2014/main" id="{59A59903-8FC3-4EBF-8555-47C963CA5BFC}"/>
               </a:ext>
             </a:extLst>
           </p:cNvPr>
@@ -4380,7 +4223,7 @@
     </p:spTree>
     <p:extLst>
       <p:ext uri="{BB962C8B-B14F-4D97-AF65-F5344CB8AC3E}">
-        <p14:creationId xmlns:p14="http://schemas.microsoft.com/office/powerpoint/2010/main" val="2287079509"/>
+        <p14:creationId xmlns:p14="http://schemas.microsoft.com/office/powerpoint/2010/main" val="85727494"/>
       </p:ext>
     </p:extLst>
   </p:cSld>
@@ -4409,24 +4252,50 @@
       </p:grpSpPr>
       <p:sp>
         <p:nvSpPr>
-          <p:cNvPr id="2" name="Titel 1">
-            <a:extLst>
-              <a:ext uri="{FF2B5EF4-FFF2-40B4-BE49-F238E27FC236}">
-                <a16:creationId xmlns:a16="http://schemas.microsoft.com/office/drawing/2014/main" id="{5CEECF9B-AE5B-49F3-A6BF-97ECF9407602}"/>
-              </a:ext>
-            </a:extLst>
-          </p:cNvPr>
-          <p:cNvSpPr>
-            <a:spLocks noGrp="1"/>
-          </p:cNvSpPr>
-          <p:nvPr>
-            <p:ph type="title"/>
-          </p:nvPr>
-        </p:nvSpPr>
-        <p:spPr/>
-        <p:txBody>
-          <a:bodyPr/>
-          <a:lstStyle/>
+          <p:cNvPr id="4" name="Titel 1">
+            <a:extLst>
+              <a:ext uri="{FF2B5EF4-FFF2-40B4-BE49-F238E27FC236}">
+                <a16:creationId xmlns:a16="http://schemas.microsoft.com/office/drawing/2014/main" id="{7B53C373-EF27-4044-8D8F-ED05E1FEEE60}"/>
+              </a:ext>
+            </a:extLst>
+          </p:cNvPr>
+          <p:cNvSpPr txBox="1">
+            <a:spLocks/>
+          </p:cNvSpPr>
+          <p:nvPr/>
+        </p:nvSpPr>
+        <p:spPr>
+          <a:xfrm>
+            <a:off x="838200" y="365125"/>
+            <a:ext cx="10515600" cy="1325563"/>
+          </a:xfrm>
+          <a:prstGeom prst="rect">
+            <a:avLst/>
+          </a:prstGeom>
+        </p:spPr>
+        <p:txBody>
+          <a:bodyPr vert="horz" lIns="91440" tIns="45720" rIns="91440" bIns="45720" rtlCol="0" anchor="ctr">
+            <a:normAutofit/>
+          </a:bodyPr>
+          <a:lstStyle>
+            <a:lvl1pPr algn="l" defTabSz="914400" rtl="0" eaLnBrk="1" latinLnBrk="0" hangingPunct="1">
+              <a:lnSpc>
+                <a:spcPct val="90000"/>
+              </a:lnSpc>
+              <a:spcBef>
+                <a:spcPct val="0"/>
+              </a:spcBef>
+              <a:buNone/>
+              <a:defRPr sz="4400" kern="1200" baseline="0">
+                <a:solidFill>
+                  <a:schemeClr val="tx1"/>
+                </a:solidFill>
+                <a:latin typeface="Arial" panose="020B0604020202020204" pitchFamily="34" charset="0"/>
+                <a:ea typeface="+mj-ea"/>
+                <a:cs typeface="Arial" panose="020B0604020202020204" pitchFamily="34" charset="0"/>
+              </a:defRPr>
+            </a:lvl1pPr>
+          </a:lstStyle>
           <a:p>
             <a:r>
               <a:rPr lang="en-US" dirty="0"/>
@@ -4437,10 +4306,10 @@
       </p:sp>
       <p:pic>
         <p:nvPicPr>
-          <p:cNvPr id="4" name="Afbeelding 3">
-            <a:extLst>
-              <a:ext uri="{FF2B5EF4-FFF2-40B4-BE49-F238E27FC236}">
-                <a16:creationId xmlns:a16="http://schemas.microsoft.com/office/drawing/2014/main" id="{E99F6E2B-F782-41DD-8D40-7EACEDE29526}"/>
+          <p:cNvPr id="6" name="Afbeelding 5">
+            <a:extLst>
+              <a:ext uri="{FF2B5EF4-FFF2-40B4-BE49-F238E27FC236}">
+                <a16:creationId xmlns:a16="http://schemas.microsoft.com/office/drawing/2014/main" id="{363CBBDB-BF48-407E-A0D8-80DC4DE1A88C}"/>
               </a:ext>
             </a:extLst>
           </p:cNvPr>
@@ -4467,10 +4336,10 @@
       </p:pic>
       <p:sp>
         <p:nvSpPr>
-          <p:cNvPr id="5" name="Tekstvak 4">
-            <a:extLst>
-              <a:ext uri="{FF2B5EF4-FFF2-40B4-BE49-F238E27FC236}">
-                <a16:creationId xmlns:a16="http://schemas.microsoft.com/office/drawing/2014/main" id="{846275AB-D26D-4A95-9F99-77248A846A46}"/>
+          <p:cNvPr id="7" name="Tekstvak 6">
+            <a:extLst>
+              <a:ext uri="{FF2B5EF4-FFF2-40B4-BE49-F238E27FC236}">
+                <a16:creationId xmlns:a16="http://schemas.microsoft.com/office/drawing/2014/main" id="{8E57F11E-6A76-4CE0-88C7-6F20DFC73DA3}"/>
               </a:ext>
             </a:extLst>
           </p:cNvPr>
@@ -4503,7 +4372,7 @@
     </p:spTree>
     <p:extLst>
       <p:ext uri="{BB962C8B-B14F-4D97-AF65-F5344CB8AC3E}">
-        <p14:creationId xmlns:p14="http://schemas.microsoft.com/office/powerpoint/2010/main" val="2718866155"/>
+        <p14:creationId xmlns:p14="http://schemas.microsoft.com/office/powerpoint/2010/main" val="4023772050"/>
       </p:ext>
     </p:extLst>
   </p:cSld>
@@ -4532,38 +4401,65 @@
       </p:grpSpPr>
       <p:sp>
         <p:nvSpPr>
-          <p:cNvPr id="2" name="Titel 1">
-            <a:extLst>
-              <a:ext uri="{FF2B5EF4-FFF2-40B4-BE49-F238E27FC236}">
-                <a16:creationId xmlns:a16="http://schemas.microsoft.com/office/drawing/2014/main" id="{36A94D47-FD7C-4E33-B3EA-CFF716BFE8A3}"/>
-              </a:ext>
-            </a:extLst>
-          </p:cNvPr>
-          <p:cNvSpPr>
-            <a:spLocks noGrp="1"/>
-          </p:cNvSpPr>
-          <p:nvPr>
-            <p:ph type="title"/>
-          </p:nvPr>
-        </p:nvSpPr>
-        <p:spPr/>
-        <p:txBody>
-          <a:bodyPr/>
-          <a:lstStyle/>
-          <a:p>
-            <a:r>
-              <a:rPr lang="en-US" dirty="0"/>
+          <p:cNvPr id="4" name="Titel 1">
+            <a:extLst>
+              <a:ext uri="{FF2B5EF4-FFF2-40B4-BE49-F238E27FC236}">
+                <a16:creationId xmlns:a16="http://schemas.microsoft.com/office/drawing/2014/main" id="{9688B554-30EB-469D-A5D1-80A508236462}"/>
+              </a:ext>
+            </a:extLst>
+          </p:cNvPr>
+          <p:cNvSpPr txBox="1">
+            <a:spLocks/>
+          </p:cNvSpPr>
+          <p:nvPr/>
+        </p:nvSpPr>
+        <p:spPr>
+          <a:xfrm>
+            <a:off x="838200" y="365125"/>
+            <a:ext cx="10515600" cy="1325563"/>
+          </a:xfrm>
+          <a:prstGeom prst="rect">
+            <a:avLst/>
+          </a:prstGeom>
+        </p:spPr>
+        <p:txBody>
+          <a:bodyPr vert="horz" lIns="91440" tIns="45720" rIns="91440" bIns="45720" rtlCol="0" anchor="ctr">
+            <a:normAutofit/>
+          </a:bodyPr>
+          <a:lstStyle>
+            <a:lvl1pPr algn="l" defTabSz="914400" rtl="0" eaLnBrk="1" latinLnBrk="0" hangingPunct="1">
+              <a:lnSpc>
+                <a:spcPct val="90000"/>
+              </a:lnSpc>
+              <a:spcBef>
+                <a:spcPct val="0"/>
+              </a:spcBef>
+              <a:buNone/>
+              <a:defRPr sz="4400" kern="1200" baseline="0">
+                <a:solidFill>
+                  <a:schemeClr val="tx1"/>
+                </a:solidFill>
+                <a:latin typeface="Arial" panose="020B0604020202020204" pitchFamily="34" charset="0"/>
+                <a:ea typeface="+mj-ea"/>
+                <a:cs typeface="Arial" panose="020B0604020202020204" pitchFamily="34" charset="0"/>
+              </a:defRPr>
+            </a:lvl1pPr>
+          </a:lstStyle>
+          <a:p>
+            <a:r>
+              <a:rPr lang="en-US"/>
               <a:t>Example</a:t>
             </a:r>
+            <a:endParaRPr lang="en-US" dirty="0"/>
           </a:p>
         </p:txBody>
       </p:sp>
       <p:pic>
         <p:nvPicPr>
-          <p:cNvPr id="4" name="Afbeelding 3">
-            <a:extLst>
-              <a:ext uri="{FF2B5EF4-FFF2-40B4-BE49-F238E27FC236}">
-                <a16:creationId xmlns:a16="http://schemas.microsoft.com/office/drawing/2014/main" id="{D37C4A6E-A82F-467C-B210-94F4499717CC}"/>
+          <p:cNvPr id="5" name="Afbeelding 4">
+            <a:extLst>
+              <a:ext uri="{FF2B5EF4-FFF2-40B4-BE49-F238E27FC236}">
+                <a16:creationId xmlns:a16="http://schemas.microsoft.com/office/drawing/2014/main" id="{5DCDBCE8-8163-4E37-8A54-CDFA50C46165}"/>
               </a:ext>
             </a:extLst>
           </p:cNvPr>
@@ -4593,7 +4489,7 @@
           <p:cNvPr id="6" name="Tekstvak 5">
             <a:extLst>
               <a:ext uri="{FF2B5EF4-FFF2-40B4-BE49-F238E27FC236}">
-                <a16:creationId xmlns:a16="http://schemas.microsoft.com/office/drawing/2014/main" id="{1F483D20-6494-4864-91C9-ABE119938C5F}"/>
+                <a16:creationId xmlns:a16="http://schemas.microsoft.com/office/drawing/2014/main" id="{E02DBAA6-8D1E-4047-9256-2E19F8E4AFBB}"/>
               </a:ext>
             </a:extLst>
           </p:cNvPr>
@@ -4626,7 +4522,7 @@
     </p:spTree>
     <p:extLst>
       <p:ext uri="{BB962C8B-B14F-4D97-AF65-F5344CB8AC3E}">
-        <p14:creationId xmlns:p14="http://schemas.microsoft.com/office/powerpoint/2010/main" val="3356771780"/>
+        <p14:creationId xmlns:p14="http://schemas.microsoft.com/office/powerpoint/2010/main" val="2460106316"/>
       </p:ext>
     </p:extLst>
   </p:cSld>
@@ -4655,38 +4551,65 @@
       </p:grpSpPr>
       <p:sp>
         <p:nvSpPr>
-          <p:cNvPr id="2" name="Titel 1">
-            <a:extLst>
-              <a:ext uri="{FF2B5EF4-FFF2-40B4-BE49-F238E27FC236}">
-                <a16:creationId xmlns:a16="http://schemas.microsoft.com/office/drawing/2014/main" id="{36A94D47-FD7C-4E33-B3EA-CFF716BFE8A3}"/>
-              </a:ext>
-            </a:extLst>
-          </p:cNvPr>
-          <p:cNvSpPr>
-            <a:spLocks noGrp="1"/>
-          </p:cNvSpPr>
-          <p:nvPr>
-            <p:ph type="title"/>
-          </p:nvPr>
-        </p:nvSpPr>
-        <p:spPr/>
-        <p:txBody>
-          <a:bodyPr/>
-          <a:lstStyle/>
-          <a:p>
-            <a:r>
-              <a:rPr lang="en-US" dirty="0"/>
+          <p:cNvPr id="4" name="Titel 1">
+            <a:extLst>
+              <a:ext uri="{FF2B5EF4-FFF2-40B4-BE49-F238E27FC236}">
+                <a16:creationId xmlns:a16="http://schemas.microsoft.com/office/drawing/2014/main" id="{C31EAF75-5BE7-434A-A242-A75879CA9587}"/>
+              </a:ext>
+            </a:extLst>
+          </p:cNvPr>
+          <p:cNvSpPr txBox="1">
+            <a:spLocks/>
+          </p:cNvSpPr>
+          <p:nvPr/>
+        </p:nvSpPr>
+        <p:spPr>
+          <a:xfrm>
+            <a:off x="838200" y="365125"/>
+            <a:ext cx="10515600" cy="1325563"/>
+          </a:xfrm>
+          <a:prstGeom prst="rect">
+            <a:avLst/>
+          </a:prstGeom>
+        </p:spPr>
+        <p:txBody>
+          <a:bodyPr vert="horz" lIns="91440" tIns="45720" rIns="91440" bIns="45720" rtlCol="0" anchor="ctr">
+            <a:normAutofit/>
+          </a:bodyPr>
+          <a:lstStyle>
+            <a:lvl1pPr algn="l" defTabSz="914400" rtl="0" eaLnBrk="1" latinLnBrk="0" hangingPunct="1">
+              <a:lnSpc>
+                <a:spcPct val="90000"/>
+              </a:lnSpc>
+              <a:spcBef>
+                <a:spcPct val="0"/>
+              </a:spcBef>
+              <a:buNone/>
+              <a:defRPr sz="4400" kern="1200" baseline="0">
+                <a:solidFill>
+                  <a:schemeClr val="tx1"/>
+                </a:solidFill>
+                <a:latin typeface="Arial" panose="020B0604020202020204" pitchFamily="34" charset="0"/>
+                <a:ea typeface="+mj-ea"/>
+                <a:cs typeface="Arial" panose="020B0604020202020204" pitchFamily="34" charset="0"/>
+              </a:defRPr>
+            </a:lvl1pPr>
+          </a:lstStyle>
+          <a:p>
+            <a:r>
+              <a:rPr lang="en-US"/>
               <a:t>Example</a:t>
             </a:r>
+            <a:endParaRPr lang="en-US" dirty="0"/>
           </a:p>
         </p:txBody>
       </p:sp>
       <p:pic>
         <p:nvPicPr>
-          <p:cNvPr id="4" name="Afbeelding 3">
-            <a:extLst>
-              <a:ext uri="{FF2B5EF4-FFF2-40B4-BE49-F238E27FC236}">
-                <a16:creationId xmlns:a16="http://schemas.microsoft.com/office/drawing/2014/main" id="{D37C4A6E-A82F-467C-B210-94F4499717CC}"/>
+          <p:cNvPr id="6" name="Afbeelding 5">
+            <a:extLst>
+              <a:ext uri="{FF2B5EF4-FFF2-40B4-BE49-F238E27FC236}">
+                <a16:creationId xmlns:a16="http://schemas.microsoft.com/office/drawing/2014/main" id="{17B43BB9-A8E8-4CED-92E9-B5B92242BD6A}"/>
               </a:ext>
             </a:extLst>
           </p:cNvPr>
@@ -4713,10 +4636,10 @@
       </p:pic>
       <p:pic>
         <p:nvPicPr>
-          <p:cNvPr id="3" name="Afbeelding 2">
-            <a:extLst>
-              <a:ext uri="{FF2B5EF4-FFF2-40B4-BE49-F238E27FC236}">
-                <a16:creationId xmlns:a16="http://schemas.microsoft.com/office/drawing/2014/main" id="{5C5667A5-38C3-409A-973B-76D1A6E049B6}"/>
+          <p:cNvPr id="7" name="Afbeelding 6">
+            <a:extLst>
+              <a:ext uri="{FF2B5EF4-FFF2-40B4-BE49-F238E27FC236}">
+                <a16:creationId xmlns:a16="http://schemas.microsoft.com/office/drawing/2014/main" id="{5F1D5665-909C-4638-AD09-9DC8CAEFFAEE}"/>
               </a:ext>
             </a:extLst>
           </p:cNvPr>
@@ -4733,7 +4656,7 @@
         </p:blipFill>
         <p:spPr>
           <a:xfrm>
-            <a:off x="1781174" y="5035550"/>
+            <a:off x="1171575" y="5072062"/>
             <a:ext cx="8963025" cy="1457325"/>
           </a:xfrm>
           <a:prstGeom prst="rect">
@@ -4744,7 +4667,7 @@
     </p:spTree>
     <p:extLst>
       <p:ext uri="{BB962C8B-B14F-4D97-AF65-F5344CB8AC3E}">
-        <p14:creationId xmlns:p14="http://schemas.microsoft.com/office/powerpoint/2010/main" val="3915409139"/>
+        <p14:creationId xmlns:p14="http://schemas.microsoft.com/office/powerpoint/2010/main" val="2627902367"/>
       </p:ext>
     </p:extLst>
   </p:cSld>
@@ -4773,116 +4696,299 @@
       </p:grpSpPr>
       <p:sp>
         <p:nvSpPr>
-          <p:cNvPr id="2" name="Titel 1">
-            <a:extLst>
-              <a:ext uri="{FF2B5EF4-FFF2-40B4-BE49-F238E27FC236}">
-                <a16:creationId xmlns:a16="http://schemas.microsoft.com/office/drawing/2014/main" id="{BB94BFE6-0BD6-405D-9B5A-6F8C57BFA177}"/>
-              </a:ext>
-            </a:extLst>
-          </p:cNvPr>
-          <p:cNvSpPr>
-            <a:spLocks noGrp="1"/>
-          </p:cNvSpPr>
-          <p:nvPr>
-            <p:ph type="title"/>
-          </p:nvPr>
-        </p:nvSpPr>
-        <p:spPr/>
-        <p:txBody>
-          <a:bodyPr/>
-          <a:lstStyle/>
-          <a:p>
-            <a:r>
-              <a:rPr lang="en-US" dirty="0"/>
+          <p:cNvPr id="4" name="Titel 1">
+            <a:extLst>
+              <a:ext uri="{FF2B5EF4-FFF2-40B4-BE49-F238E27FC236}">
+                <a16:creationId xmlns:a16="http://schemas.microsoft.com/office/drawing/2014/main" id="{78A3E9F5-BF52-47C2-AF1E-0289943332D6}"/>
+              </a:ext>
+            </a:extLst>
+          </p:cNvPr>
+          <p:cNvSpPr txBox="1">
+            <a:spLocks/>
+          </p:cNvSpPr>
+          <p:nvPr/>
+        </p:nvSpPr>
+        <p:spPr>
+          <a:xfrm>
+            <a:off x="838200" y="365125"/>
+            <a:ext cx="10515600" cy="1325563"/>
+          </a:xfrm>
+          <a:prstGeom prst="rect">
+            <a:avLst/>
+          </a:prstGeom>
+        </p:spPr>
+        <p:txBody>
+          <a:bodyPr vert="horz" lIns="91440" tIns="45720" rIns="91440" bIns="45720" rtlCol="0" anchor="ctr">
+            <a:normAutofit/>
+          </a:bodyPr>
+          <a:lstStyle>
+            <a:lvl1pPr algn="l" defTabSz="914400" rtl="0" eaLnBrk="1" latinLnBrk="0" hangingPunct="1">
+              <a:lnSpc>
+                <a:spcPct val="90000"/>
+              </a:lnSpc>
+              <a:spcBef>
+                <a:spcPct val="0"/>
+              </a:spcBef>
+              <a:buNone/>
+              <a:defRPr sz="4400" kern="1200" baseline="0">
+                <a:solidFill>
+                  <a:schemeClr val="tx1"/>
+                </a:solidFill>
+                <a:latin typeface="Arial" panose="020B0604020202020204" pitchFamily="34" charset="0"/>
+                <a:ea typeface="+mj-ea"/>
+                <a:cs typeface="Arial" panose="020B0604020202020204" pitchFamily="34" charset="0"/>
+              </a:defRPr>
+            </a:lvl1pPr>
+          </a:lstStyle>
+          <a:p>
+            <a:r>
+              <a:rPr lang="en-US"/>
               <a:t>Assignment (25 min)</a:t>
             </a:r>
-          </a:p>
-        </p:txBody>
-      </p:sp>
-      <p:sp>
-        <p:nvSpPr>
-          <p:cNvPr id="3" name="Tijdelijke aanduiding voor inhoud 2">
-            <a:extLst>
-              <a:ext uri="{FF2B5EF4-FFF2-40B4-BE49-F238E27FC236}">
-                <a16:creationId xmlns:a16="http://schemas.microsoft.com/office/drawing/2014/main" id="{25036BC5-C069-4D08-ABA1-8911BFC9C89A}"/>
-              </a:ext>
-            </a:extLst>
-          </p:cNvPr>
-          <p:cNvSpPr>
-            <a:spLocks noGrp="1"/>
-          </p:cNvSpPr>
-          <p:nvPr>
-            <p:ph idx="1"/>
-          </p:nvPr>
+            <a:endParaRPr lang="en-US" dirty="0"/>
+          </a:p>
+        </p:txBody>
+      </p:sp>
+      <p:sp>
+        <p:nvSpPr>
+          <p:cNvPr id="5" name="Tijdelijke aanduiding voor inhoud 2">
+            <a:extLst>
+              <a:ext uri="{FF2B5EF4-FFF2-40B4-BE49-F238E27FC236}">
+                <a16:creationId xmlns:a16="http://schemas.microsoft.com/office/drawing/2014/main" id="{9460C711-F3EC-41D6-BA48-38C4CADF43B7}"/>
+              </a:ext>
+            </a:extLst>
+          </p:cNvPr>
+          <p:cNvSpPr txBox="1">
+            <a:spLocks/>
+          </p:cNvSpPr>
+          <p:nvPr/>
         </p:nvSpPr>
         <p:spPr>
           <a:xfrm>
             <a:off x="838200" y="1825625"/>
             <a:ext cx="10515600" cy="4351338"/>
           </a:xfrm>
+          <a:prstGeom prst="rect">
+            <a:avLst/>
+          </a:prstGeom>
         </p:spPr>
         <p:txBody>
           <a:bodyPr/>
-          <a:lstStyle/>
-          <a:p>
-            <a:r>
-              <a:rPr lang="en-US" dirty="0"/>
-              <a:t>Install </a:t>
-            </a:r>
-            <a:r>
-              <a:rPr lang="en-US" dirty="0" err="1"/>
-              <a:t>Thonny</a:t>
-            </a:r>
-            <a:r>
-              <a:rPr lang="en-US" dirty="0"/>
-              <a:t> from </a:t>
-            </a:r>
-            <a:r>
-              <a:rPr lang="en-US" dirty="0">
-                <a:hlinkClick r:id="rId3"/>
+          <a:lstStyle>
+            <a:lvl1pPr marL="228600" indent="-228600" algn="l" defTabSz="914400" rtl="0" eaLnBrk="1" latinLnBrk="0" hangingPunct="1">
+              <a:lnSpc>
+                <a:spcPct val="90000"/>
+              </a:lnSpc>
+              <a:spcBef>
+                <a:spcPts val="1000"/>
+              </a:spcBef>
+              <a:buFont typeface="Arial" panose="020B0604020202020204" pitchFamily="34" charset="0"/>
+              <a:buChar char="•"/>
+              <a:defRPr sz="2800" kern="1200">
+                <a:solidFill>
+                  <a:schemeClr val="tx1"/>
+                </a:solidFill>
+                <a:latin typeface="+mn-lt"/>
+                <a:ea typeface="+mn-ea"/>
+                <a:cs typeface="+mn-cs"/>
+              </a:defRPr>
+            </a:lvl1pPr>
+            <a:lvl2pPr marL="685800" indent="-228600" algn="l" defTabSz="914400" rtl="0" eaLnBrk="1" latinLnBrk="0" hangingPunct="1">
+              <a:lnSpc>
+                <a:spcPct val="90000"/>
+              </a:lnSpc>
+              <a:spcBef>
+                <a:spcPts val="500"/>
+              </a:spcBef>
+              <a:buFont typeface="Arial" panose="020B0604020202020204" pitchFamily="34" charset="0"/>
+              <a:buChar char="•"/>
+              <a:defRPr sz="2400" kern="1200">
+                <a:solidFill>
+                  <a:schemeClr val="tx1"/>
+                </a:solidFill>
+                <a:latin typeface="+mn-lt"/>
+                <a:ea typeface="+mn-ea"/>
+                <a:cs typeface="+mn-cs"/>
+              </a:defRPr>
+            </a:lvl2pPr>
+            <a:lvl3pPr marL="1143000" indent="-228600" algn="l" defTabSz="914400" rtl="0" eaLnBrk="1" latinLnBrk="0" hangingPunct="1">
+              <a:lnSpc>
+                <a:spcPct val="90000"/>
+              </a:lnSpc>
+              <a:spcBef>
+                <a:spcPts val="500"/>
+              </a:spcBef>
+              <a:buFont typeface="Arial" panose="020B0604020202020204" pitchFamily="34" charset="0"/>
+              <a:buChar char="•"/>
+              <a:defRPr sz="2000" kern="1200">
+                <a:solidFill>
+                  <a:schemeClr val="tx1"/>
+                </a:solidFill>
+                <a:latin typeface="+mn-lt"/>
+                <a:ea typeface="+mn-ea"/>
+                <a:cs typeface="+mn-cs"/>
+              </a:defRPr>
+            </a:lvl3pPr>
+            <a:lvl4pPr marL="1600200" indent="-228600" algn="l" defTabSz="914400" rtl="0" eaLnBrk="1" latinLnBrk="0" hangingPunct="1">
+              <a:lnSpc>
+                <a:spcPct val="90000"/>
+              </a:lnSpc>
+              <a:spcBef>
+                <a:spcPts val="500"/>
+              </a:spcBef>
+              <a:buFont typeface="Arial" panose="020B0604020202020204" pitchFamily="34" charset="0"/>
+              <a:buChar char="•"/>
+              <a:defRPr sz="1800" kern="1200">
+                <a:solidFill>
+                  <a:schemeClr val="tx1"/>
+                </a:solidFill>
+                <a:latin typeface="+mn-lt"/>
+                <a:ea typeface="+mn-ea"/>
+                <a:cs typeface="+mn-cs"/>
+              </a:defRPr>
+            </a:lvl4pPr>
+            <a:lvl5pPr marL="2057400" indent="-228600" algn="l" defTabSz="914400" rtl="0" eaLnBrk="1" latinLnBrk="0" hangingPunct="1">
+              <a:lnSpc>
+                <a:spcPct val="90000"/>
+              </a:lnSpc>
+              <a:spcBef>
+                <a:spcPts val="500"/>
+              </a:spcBef>
+              <a:buFont typeface="Arial" panose="020B0604020202020204" pitchFamily="34" charset="0"/>
+              <a:buChar char="•"/>
+              <a:defRPr sz="1800" kern="1200">
+                <a:solidFill>
+                  <a:schemeClr val="tx1"/>
+                </a:solidFill>
+                <a:latin typeface="+mn-lt"/>
+                <a:ea typeface="+mn-ea"/>
+                <a:cs typeface="+mn-cs"/>
+              </a:defRPr>
+            </a:lvl5pPr>
+            <a:lvl6pPr marL="2514600" indent="-228600" algn="l" defTabSz="914400" rtl="0" eaLnBrk="1" latinLnBrk="0" hangingPunct="1">
+              <a:lnSpc>
+                <a:spcPct val="90000"/>
+              </a:lnSpc>
+              <a:spcBef>
+                <a:spcPts val="500"/>
+              </a:spcBef>
+              <a:buFont typeface="Arial" panose="020B0604020202020204" pitchFamily="34" charset="0"/>
+              <a:buChar char="•"/>
+              <a:defRPr sz="1800" kern="1200">
+                <a:solidFill>
+                  <a:schemeClr val="tx1"/>
+                </a:solidFill>
+                <a:latin typeface="+mn-lt"/>
+                <a:ea typeface="+mn-ea"/>
+                <a:cs typeface="+mn-cs"/>
+              </a:defRPr>
+            </a:lvl6pPr>
+            <a:lvl7pPr marL="2971800" indent="-228600" algn="l" defTabSz="914400" rtl="0" eaLnBrk="1" latinLnBrk="0" hangingPunct="1">
+              <a:lnSpc>
+                <a:spcPct val="90000"/>
+              </a:lnSpc>
+              <a:spcBef>
+                <a:spcPts val="500"/>
+              </a:spcBef>
+              <a:buFont typeface="Arial" panose="020B0604020202020204" pitchFamily="34" charset="0"/>
+              <a:buChar char="•"/>
+              <a:defRPr sz="1800" kern="1200">
+                <a:solidFill>
+                  <a:schemeClr val="tx1"/>
+                </a:solidFill>
+                <a:latin typeface="+mn-lt"/>
+                <a:ea typeface="+mn-ea"/>
+                <a:cs typeface="+mn-cs"/>
+              </a:defRPr>
+            </a:lvl7pPr>
+            <a:lvl8pPr marL="3429000" indent="-228600" algn="l" defTabSz="914400" rtl="0" eaLnBrk="1" latinLnBrk="0" hangingPunct="1">
+              <a:lnSpc>
+                <a:spcPct val="90000"/>
+              </a:lnSpc>
+              <a:spcBef>
+                <a:spcPts val="500"/>
+              </a:spcBef>
+              <a:buFont typeface="Arial" panose="020B0604020202020204" pitchFamily="34" charset="0"/>
+              <a:buChar char="•"/>
+              <a:defRPr sz="1800" kern="1200">
+                <a:solidFill>
+                  <a:schemeClr val="tx1"/>
+                </a:solidFill>
+                <a:latin typeface="+mn-lt"/>
+                <a:ea typeface="+mn-ea"/>
+                <a:cs typeface="+mn-cs"/>
+              </a:defRPr>
+            </a:lvl8pPr>
+            <a:lvl9pPr marL="3886200" indent="-228600" algn="l" defTabSz="914400" rtl="0" eaLnBrk="1" latinLnBrk="0" hangingPunct="1">
+              <a:lnSpc>
+                <a:spcPct val="90000"/>
+              </a:lnSpc>
+              <a:spcBef>
+                <a:spcPts val="500"/>
+              </a:spcBef>
+              <a:buFont typeface="Arial" panose="020B0604020202020204" pitchFamily="34" charset="0"/>
+              <a:buChar char="•"/>
+              <a:defRPr sz="1800" kern="1200">
+                <a:solidFill>
+                  <a:schemeClr val="tx1"/>
+                </a:solidFill>
+                <a:latin typeface="+mn-lt"/>
+                <a:ea typeface="+mn-ea"/>
+                <a:cs typeface="+mn-cs"/>
+              </a:defRPr>
+            </a:lvl9pPr>
+          </a:lstStyle>
+          <a:p>
+            <a:r>
+              <a:rPr lang="en-US"/>
+              <a:t>Install Thonny from </a:t>
+            </a:r>
+            <a:r>
+              <a:rPr lang="en-US">
+                <a:hlinkClick r:id="rId2"/>
               </a:rPr>
               <a:t>https://thonny.org/</a:t>
             </a:r>
-            <a:endParaRPr lang="en-US" dirty="0"/>
-          </a:p>
-          <a:p>
-            <a:r>
-              <a:rPr lang="en-US" dirty="0"/>
+            <a:endParaRPr lang="en-US"/>
+          </a:p>
+          <a:p>
+            <a:r>
+              <a:rPr lang="en-US"/>
               <a:t>Create a Python file that will:</a:t>
             </a:r>
           </a:p>
           <a:p>
             <a:pPr lvl="1"/>
             <a:r>
-              <a:rPr lang="en-US" dirty="0"/>
+              <a:rPr lang="en-US"/>
               <a:t>Ask the user for an input</a:t>
             </a:r>
           </a:p>
           <a:p>
             <a:pPr lvl="1"/>
             <a:r>
-              <a:rPr lang="en-US" dirty="0"/>
+              <a:rPr lang="en-US"/>
               <a:t>Puts the input from the user in a variable</a:t>
             </a:r>
           </a:p>
           <a:p>
             <a:pPr lvl="1"/>
             <a:r>
-              <a:rPr lang="en-US" dirty="0"/>
+              <a:rPr lang="en-US"/>
               <a:t>Use the if statement to check if the input is your own name</a:t>
             </a:r>
           </a:p>
           <a:p>
             <a:pPr lvl="1"/>
             <a:r>
-              <a:rPr lang="en-US" dirty="0"/>
+              <a:rPr lang="en-US"/>
               <a:t>If the input equals your name then print ‘this is my name’</a:t>
             </a:r>
           </a:p>
           <a:p>
             <a:pPr lvl="1"/>
             <a:r>
-              <a:rPr lang="en-US" dirty="0"/>
+              <a:rPr lang="en-US"/>
               <a:t>If the input is not your name then print ‘this is not my name’</a:t>
             </a:r>
           </a:p>
@@ -4895,7 +5001,7 @@
     </p:spTree>
     <p:extLst>
       <p:ext uri="{BB962C8B-B14F-4D97-AF65-F5344CB8AC3E}">
-        <p14:creationId xmlns:p14="http://schemas.microsoft.com/office/powerpoint/2010/main" val="3665760595"/>
+        <p14:creationId xmlns:p14="http://schemas.microsoft.com/office/powerpoint/2010/main" val="2239406677"/>
       </p:ext>
     </p:extLst>
   </p:cSld>
@@ -4924,38 +5030,65 @@
       </p:grpSpPr>
       <p:sp>
         <p:nvSpPr>
-          <p:cNvPr id="2" name="Titel 1">
-            <a:extLst>
-              <a:ext uri="{FF2B5EF4-FFF2-40B4-BE49-F238E27FC236}">
-                <a16:creationId xmlns:a16="http://schemas.microsoft.com/office/drawing/2014/main" id="{F77D99B0-5048-4F99-A6DD-46BC50E30402}"/>
-              </a:ext>
-            </a:extLst>
-          </p:cNvPr>
-          <p:cNvSpPr>
-            <a:spLocks noGrp="1"/>
-          </p:cNvSpPr>
-          <p:nvPr>
-            <p:ph type="title"/>
-          </p:nvPr>
-        </p:nvSpPr>
-        <p:spPr/>
-        <p:txBody>
-          <a:bodyPr/>
-          <a:lstStyle/>
-          <a:p>
-            <a:r>
-              <a:rPr lang="en-US" dirty="0"/>
+          <p:cNvPr id="4" name="Titel 1">
+            <a:extLst>
+              <a:ext uri="{FF2B5EF4-FFF2-40B4-BE49-F238E27FC236}">
+                <a16:creationId xmlns:a16="http://schemas.microsoft.com/office/drawing/2014/main" id="{AA0342E7-9AA4-4C14-A434-4708E4D26E75}"/>
+              </a:ext>
+            </a:extLst>
+          </p:cNvPr>
+          <p:cNvSpPr txBox="1">
+            <a:spLocks/>
+          </p:cNvSpPr>
+          <p:nvPr/>
+        </p:nvSpPr>
+        <p:spPr>
+          <a:xfrm>
+            <a:off x="838200" y="365125"/>
+            <a:ext cx="10515600" cy="1325563"/>
+          </a:xfrm>
+          <a:prstGeom prst="rect">
+            <a:avLst/>
+          </a:prstGeom>
+        </p:spPr>
+        <p:txBody>
+          <a:bodyPr vert="horz" lIns="91440" tIns="45720" rIns="91440" bIns="45720" rtlCol="0" anchor="ctr">
+            <a:normAutofit/>
+          </a:bodyPr>
+          <a:lstStyle>
+            <a:lvl1pPr algn="l" defTabSz="914400" rtl="0" eaLnBrk="1" latinLnBrk="0" hangingPunct="1">
+              <a:lnSpc>
+                <a:spcPct val="90000"/>
+              </a:lnSpc>
+              <a:spcBef>
+                <a:spcPct val="0"/>
+              </a:spcBef>
+              <a:buNone/>
+              <a:defRPr sz="4400" kern="1200" baseline="0">
+                <a:solidFill>
+                  <a:schemeClr val="tx1"/>
+                </a:solidFill>
+                <a:latin typeface="Arial" panose="020B0604020202020204" pitchFamily="34" charset="0"/>
+                <a:ea typeface="+mj-ea"/>
+                <a:cs typeface="Arial" panose="020B0604020202020204" pitchFamily="34" charset="0"/>
+              </a:defRPr>
+            </a:lvl1pPr>
+          </a:lstStyle>
+          <a:p>
+            <a:r>
+              <a:rPr lang="en-US"/>
               <a:t>Example</a:t>
             </a:r>
+            <a:endParaRPr lang="en-US" dirty="0"/>
           </a:p>
         </p:txBody>
       </p:sp>
       <p:pic>
         <p:nvPicPr>
-          <p:cNvPr id="4" name="Afbeelding 3">
-            <a:extLst>
-              <a:ext uri="{FF2B5EF4-FFF2-40B4-BE49-F238E27FC236}">
-                <a16:creationId xmlns:a16="http://schemas.microsoft.com/office/drawing/2014/main" id="{D024F964-995B-4D2E-BA01-1EB3EA700A20}"/>
+          <p:cNvPr id="5" name="Afbeelding 4">
+            <a:extLst>
+              <a:ext uri="{FF2B5EF4-FFF2-40B4-BE49-F238E27FC236}">
+                <a16:creationId xmlns:a16="http://schemas.microsoft.com/office/drawing/2014/main" id="{6D83785F-A2FA-4DC2-A19A-F36C56725411}"/>
               </a:ext>
             </a:extLst>
           </p:cNvPr>
@@ -4982,10 +5115,10 @@
       </p:pic>
       <p:sp>
         <p:nvSpPr>
-          <p:cNvPr id="5" name="Tekstvak 4">
-            <a:extLst>
-              <a:ext uri="{FF2B5EF4-FFF2-40B4-BE49-F238E27FC236}">
-                <a16:creationId xmlns:a16="http://schemas.microsoft.com/office/drawing/2014/main" id="{48F18302-46D9-4D01-9B1A-4C56FDB01D24}"/>
+          <p:cNvPr id="6" name="Tekstvak 5">
+            <a:extLst>
+              <a:ext uri="{FF2B5EF4-FFF2-40B4-BE49-F238E27FC236}">
+                <a16:creationId xmlns:a16="http://schemas.microsoft.com/office/drawing/2014/main" id="{CC809E43-E462-4025-875D-75B34AFBAE5A}"/>
               </a:ext>
             </a:extLst>
           </p:cNvPr>
@@ -5017,10 +5150,10 @@
       </p:sp>
       <p:sp>
         <p:nvSpPr>
-          <p:cNvPr id="6" name="Tekstvak 5">
-            <a:extLst>
-              <a:ext uri="{FF2B5EF4-FFF2-40B4-BE49-F238E27FC236}">
-                <a16:creationId xmlns:a16="http://schemas.microsoft.com/office/drawing/2014/main" id="{8A509D82-3351-43DA-9F99-289908575FDA}"/>
+          <p:cNvPr id="7" name="Tekstvak 6">
+            <a:extLst>
+              <a:ext uri="{FF2B5EF4-FFF2-40B4-BE49-F238E27FC236}">
+                <a16:creationId xmlns:a16="http://schemas.microsoft.com/office/drawing/2014/main" id="{44433417-ED5E-4D16-862A-37A0DF46F94C}"/>
               </a:ext>
             </a:extLst>
           </p:cNvPr>
@@ -5053,7 +5186,7 @@
     </p:spTree>
     <p:extLst>
       <p:ext uri="{BB962C8B-B14F-4D97-AF65-F5344CB8AC3E}">
-        <p14:creationId xmlns:p14="http://schemas.microsoft.com/office/powerpoint/2010/main" val="3900850695"/>
+        <p14:creationId xmlns:p14="http://schemas.microsoft.com/office/powerpoint/2010/main" val="2897330940"/>
       </p:ext>
     </p:extLst>
   </p:cSld>
@@ -5094,7 +5227,7 @@
                                           </p:stCondLst>
                                         </p:cTn>
                                         <p:tgtEl>
-                                          <p:spTgt spid="6"/>
+                                          <p:spTgt spid="7"/>
                                         </p:tgtEl>
                                         <p:attrNameLst>
                                           <p:attrName>style.visibility</p:attrName>
@@ -5135,7 +5268,7 @@
       </p:par>
     </p:tnLst>
     <p:bldLst>
-      <p:bldP spid="6" grpId="0"/>
+      <p:bldP spid="7" grpId="0"/>
     </p:bldLst>
   </p:timing>
 </p:sld>
@@ -5160,38 +5293,65 @@
       </p:grpSpPr>
       <p:sp>
         <p:nvSpPr>
-          <p:cNvPr id="2" name="Titel 1">
-            <a:extLst>
-              <a:ext uri="{FF2B5EF4-FFF2-40B4-BE49-F238E27FC236}">
-                <a16:creationId xmlns:a16="http://schemas.microsoft.com/office/drawing/2014/main" id="{C8194B47-8EC8-4620-AB79-4F917A60D858}"/>
-              </a:ext>
-            </a:extLst>
-          </p:cNvPr>
-          <p:cNvSpPr>
-            <a:spLocks noGrp="1"/>
-          </p:cNvSpPr>
-          <p:nvPr>
-            <p:ph type="title"/>
-          </p:nvPr>
-        </p:nvSpPr>
-        <p:spPr/>
-        <p:txBody>
-          <a:bodyPr/>
-          <a:lstStyle/>
-          <a:p>
-            <a:r>
-              <a:rPr lang="en-US" dirty="0"/>
+          <p:cNvPr id="4" name="Titel 1">
+            <a:extLst>
+              <a:ext uri="{FF2B5EF4-FFF2-40B4-BE49-F238E27FC236}">
+                <a16:creationId xmlns:a16="http://schemas.microsoft.com/office/drawing/2014/main" id="{0E4F60C3-813E-4530-ABE0-A689EA38348F}"/>
+              </a:ext>
+            </a:extLst>
+          </p:cNvPr>
+          <p:cNvSpPr txBox="1">
+            <a:spLocks/>
+          </p:cNvSpPr>
+          <p:nvPr/>
+        </p:nvSpPr>
+        <p:spPr>
+          <a:xfrm>
+            <a:off x="838200" y="365125"/>
+            <a:ext cx="10515600" cy="1325563"/>
+          </a:xfrm>
+          <a:prstGeom prst="rect">
+            <a:avLst/>
+          </a:prstGeom>
+        </p:spPr>
+        <p:txBody>
+          <a:bodyPr vert="horz" lIns="91440" tIns="45720" rIns="91440" bIns="45720" rtlCol="0" anchor="ctr">
+            <a:normAutofit/>
+          </a:bodyPr>
+          <a:lstStyle>
+            <a:lvl1pPr algn="l" defTabSz="914400" rtl="0" eaLnBrk="1" latinLnBrk="0" hangingPunct="1">
+              <a:lnSpc>
+                <a:spcPct val="90000"/>
+              </a:lnSpc>
+              <a:spcBef>
+                <a:spcPct val="0"/>
+              </a:spcBef>
+              <a:buNone/>
+              <a:defRPr sz="4400" kern="1200" baseline="0">
+                <a:solidFill>
+                  <a:schemeClr val="tx1"/>
+                </a:solidFill>
+                <a:latin typeface="Arial" panose="020B0604020202020204" pitchFamily="34" charset="0"/>
+                <a:ea typeface="+mj-ea"/>
+                <a:cs typeface="Arial" panose="020B0604020202020204" pitchFamily="34" charset="0"/>
+              </a:defRPr>
+            </a:lvl1pPr>
+          </a:lstStyle>
+          <a:p>
+            <a:r>
+              <a:rPr lang="en-US"/>
               <a:t>Example</a:t>
             </a:r>
+            <a:endParaRPr lang="en-US" dirty="0"/>
           </a:p>
         </p:txBody>
       </p:sp>
       <p:pic>
         <p:nvPicPr>
-          <p:cNvPr id="4" name="Afbeelding 3">
-            <a:extLst>
-              <a:ext uri="{FF2B5EF4-FFF2-40B4-BE49-F238E27FC236}">
-                <a16:creationId xmlns:a16="http://schemas.microsoft.com/office/drawing/2014/main" id="{49300A08-5F7A-4C19-B930-C5EE34C79DC7}"/>
+          <p:cNvPr id="5" name="Afbeelding 4">
+            <a:extLst>
+              <a:ext uri="{FF2B5EF4-FFF2-40B4-BE49-F238E27FC236}">
+                <a16:creationId xmlns:a16="http://schemas.microsoft.com/office/drawing/2014/main" id="{DBDB808F-189F-4260-9887-9A995C1E5730}"/>
               </a:ext>
             </a:extLst>
           </p:cNvPr>
@@ -5201,7 +5361,7 @@
           <p:nvPr/>
         </p:nvPicPr>
         <p:blipFill>
-          <a:blip r:embed="rId3"/>
+          <a:blip r:embed="rId2"/>
           <a:stretch>
             <a:fillRect/>
           </a:stretch>
@@ -5218,10 +5378,10 @@
       </p:pic>
       <p:sp>
         <p:nvSpPr>
-          <p:cNvPr id="5" name="Tekstvak 4">
-            <a:extLst>
-              <a:ext uri="{FF2B5EF4-FFF2-40B4-BE49-F238E27FC236}">
-                <a16:creationId xmlns:a16="http://schemas.microsoft.com/office/drawing/2014/main" id="{B9E2EF93-35B4-40E7-811E-71CE36B1F904}"/>
+          <p:cNvPr id="6" name="Tekstvak 5">
+            <a:extLst>
+              <a:ext uri="{FF2B5EF4-FFF2-40B4-BE49-F238E27FC236}">
+                <a16:creationId xmlns:a16="http://schemas.microsoft.com/office/drawing/2014/main" id="{DDB3D413-1DAA-4F4C-8094-DB212505ACFB}"/>
               </a:ext>
             </a:extLst>
           </p:cNvPr>
@@ -5254,7 +5414,7 @@
     </p:spTree>
     <p:extLst>
       <p:ext uri="{BB962C8B-B14F-4D97-AF65-F5344CB8AC3E}">
-        <p14:creationId xmlns:p14="http://schemas.microsoft.com/office/powerpoint/2010/main" val="849932798"/>
+        <p14:creationId xmlns:p14="http://schemas.microsoft.com/office/powerpoint/2010/main" val="239055696"/>
       </p:ext>
     </p:extLst>
   </p:cSld>
@@ -5283,38 +5443,65 @@
       </p:grpSpPr>
       <p:sp>
         <p:nvSpPr>
-          <p:cNvPr id="2" name="Titel 1">
-            <a:extLst>
-              <a:ext uri="{FF2B5EF4-FFF2-40B4-BE49-F238E27FC236}">
-                <a16:creationId xmlns:a16="http://schemas.microsoft.com/office/drawing/2014/main" id="{14BEFA0C-B31D-42D6-9484-78D0CD38EC9F}"/>
-              </a:ext>
-            </a:extLst>
-          </p:cNvPr>
-          <p:cNvSpPr>
-            <a:spLocks noGrp="1"/>
-          </p:cNvSpPr>
-          <p:nvPr>
-            <p:ph type="title"/>
-          </p:nvPr>
-        </p:nvSpPr>
-        <p:spPr/>
-        <p:txBody>
-          <a:bodyPr/>
-          <a:lstStyle/>
-          <a:p>
-            <a:r>
-              <a:rPr lang="en-US" dirty="0"/>
+          <p:cNvPr id="4" name="Titel 1">
+            <a:extLst>
+              <a:ext uri="{FF2B5EF4-FFF2-40B4-BE49-F238E27FC236}">
+                <a16:creationId xmlns:a16="http://schemas.microsoft.com/office/drawing/2014/main" id="{4961C755-98C0-431F-90FA-6A25502AF2AD}"/>
+              </a:ext>
+            </a:extLst>
+          </p:cNvPr>
+          <p:cNvSpPr txBox="1">
+            <a:spLocks/>
+          </p:cNvSpPr>
+          <p:nvPr/>
+        </p:nvSpPr>
+        <p:spPr>
+          <a:xfrm>
+            <a:off x="838200" y="365125"/>
+            <a:ext cx="10515600" cy="1325563"/>
+          </a:xfrm>
+          <a:prstGeom prst="rect">
+            <a:avLst/>
+          </a:prstGeom>
+        </p:spPr>
+        <p:txBody>
+          <a:bodyPr vert="horz" lIns="91440" tIns="45720" rIns="91440" bIns="45720" rtlCol="0" anchor="ctr">
+            <a:normAutofit/>
+          </a:bodyPr>
+          <a:lstStyle>
+            <a:lvl1pPr algn="l" defTabSz="914400" rtl="0" eaLnBrk="1" latinLnBrk="0" hangingPunct="1">
+              <a:lnSpc>
+                <a:spcPct val="90000"/>
+              </a:lnSpc>
+              <a:spcBef>
+                <a:spcPct val="0"/>
+              </a:spcBef>
+              <a:buNone/>
+              <a:defRPr sz="4400" kern="1200" baseline="0">
+                <a:solidFill>
+                  <a:schemeClr val="tx1"/>
+                </a:solidFill>
+                <a:latin typeface="Arial" panose="020B0604020202020204" pitchFamily="34" charset="0"/>
+                <a:ea typeface="+mj-ea"/>
+                <a:cs typeface="Arial" panose="020B0604020202020204" pitchFamily="34" charset="0"/>
+              </a:defRPr>
+            </a:lvl1pPr>
+          </a:lstStyle>
+          <a:p>
+            <a:r>
+              <a:rPr lang="en-US"/>
               <a:t>Example</a:t>
             </a:r>
+            <a:endParaRPr lang="en-US" dirty="0"/>
           </a:p>
         </p:txBody>
       </p:sp>
       <p:pic>
         <p:nvPicPr>
-          <p:cNvPr id="4" name="Afbeelding 3">
-            <a:extLst>
-              <a:ext uri="{FF2B5EF4-FFF2-40B4-BE49-F238E27FC236}">
-                <a16:creationId xmlns:a16="http://schemas.microsoft.com/office/drawing/2014/main" id="{8DD33C6A-B8F3-484F-BC1A-108B05D7B730}"/>
+          <p:cNvPr id="5" name="Afbeelding 4">
+            <a:extLst>
+              <a:ext uri="{FF2B5EF4-FFF2-40B4-BE49-F238E27FC236}">
+                <a16:creationId xmlns:a16="http://schemas.microsoft.com/office/drawing/2014/main" id="{CCC5B994-A484-4278-BFE5-DAC3F6C1A6AB}"/>
               </a:ext>
             </a:extLst>
           </p:cNvPr>
@@ -5331,8 +5518,8 @@
         </p:blipFill>
         <p:spPr>
           <a:xfrm>
-            <a:off x="2390775" y="4473575"/>
-            <a:ext cx="7410450" cy="2019300"/>
+            <a:off x="952500" y="1690688"/>
+            <a:ext cx="10287000" cy="2524125"/>
           </a:xfrm>
           <a:prstGeom prst="rect">
             <a:avLst/>
@@ -5341,10 +5528,10 @@
       </p:pic>
       <p:pic>
         <p:nvPicPr>
-          <p:cNvPr id="5" name="Afbeelding 4">
-            <a:extLst>
-              <a:ext uri="{FF2B5EF4-FFF2-40B4-BE49-F238E27FC236}">
-                <a16:creationId xmlns:a16="http://schemas.microsoft.com/office/drawing/2014/main" id="{657B1C45-7F23-4F3F-8B9A-556760D055F0}"/>
+          <p:cNvPr id="6" name="Afbeelding 5">
+            <a:extLst>
+              <a:ext uri="{FF2B5EF4-FFF2-40B4-BE49-F238E27FC236}">
+                <a16:creationId xmlns:a16="http://schemas.microsoft.com/office/drawing/2014/main" id="{1382690D-7299-4DDB-AB9B-372F9D522F4A}"/>
               </a:ext>
             </a:extLst>
           </p:cNvPr>
@@ -5361,8 +5548,8 @@
         </p:blipFill>
         <p:spPr>
           <a:xfrm>
-            <a:off x="952500" y="1690688"/>
-            <a:ext cx="10287000" cy="2524125"/>
+            <a:off x="2390775" y="4473575"/>
+            <a:ext cx="7410450" cy="2019300"/>
           </a:xfrm>
           <a:prstGeom prst="rect">
             <a:avLst/>
@@ -5372,7 +5559,7 @@
     </p:spTree>
     <p:extLst>
       <p:ext uri="{BB962C8B-B14F-4D97-AF65-F5344CB8AC3E}">
-        <p14:creationId xmlns:p14="http://schemas.microsoft.com/office/powerpoint/2010/main" val="1495612299"/>
+        <p14:creationId xmlns:p14="http://schemas.microsoft.com/office/powerpoint/2010/main" val="2384275870"/>
       </p:ext>
     </p:extLst>
   </p:cSld>
@@ -5401,55 +5588,251 @@
       </p:grpSpPr>
       <p:sp>
         <p:nvSpPr>
-          <p:cNvPr id="2" name="Titel 1">
-            <a:extLst>
-              <a:ext uri="{FF2B5EF4-FFF2-40B4-BE49-F238E27FC236}">
-                <a16:creationId xmlns:a16="http://schemas.microsoft.com/office/drawing/2014/main" id="{A9C8F08C-E088-4EFB-8A36-6A25F218A904}"/>
-              </a:ext>
-            </a:extLst>
-          </p:cNvPr>
-          <p:cNvSpPr>
-            <a:spLocks noGrp="1"/>
-          </p:cNvSpPr>
-          <p:nvPr>
-            <p:ph type="title"/>
-          </p:nvPr>
-        </p:nvSpPr>
-        <p:spPr/>
+          <p:cNvPr id="4" name="Titel 1">
+            <a:extLst>
+              <a:ext uri="{FF2B5EF4-FFF2-40B4-BE49-F238E27FC236}">
+                <a16:creationId xmlns:a16="http://schemas.microsoft.com/office/drawing/2014/main" id="{BC087317-9F2E-4210-AF1F-E7D7585F70BE}"/>
+              </a:ext>
+            </a:extLst>
+          </p:cNvPr>
+          <p:cNvSpPr txBox="1">
+            <a:spLocks/>
+          </p:cNvSpPr>
+          <p:nvPr/>
+        </p:nvSpPr>
+        <p:spPr>
+          <a:xfrm>
+            <a:off x="838200" y="365125"/>
+            <a:ext cx="10515600" cy="1325563"/>
+          </a:xfrm>
+          <a:prstGeom prst="rect">
+            <a:avLst/>
+          </a:prstGeom>
+        </p:spPr>
+        <p:txBody>
+          <a:bodyPr vert="horz" lIns="91440" tIns="45720" rIns="91440" bIns="45720" rtlCol="0" anchor="ctr">
+            <a:normAutofit/>
+          </a:bodyPr>
+          <a:lstStyle>
+            <a:lvl1pPr algn="l" defTabSz="914400" rtl="0" eaLnBrk="1" latinLnBrk="0" hangingPunct="1">
+              <a:lnSpc>
+                <a:spcPct val="90000"/>
+              </a:lnSpc>
+              <a:spcBef>
+                <a:spcPct val="0"/>
+              </a:spcBef>
+              <a:buNone/>
+              <a:defRPr sz="4400" kern="1200" baseline="0">
+                <a:solidFill>
+                  <a:schemeClr val="tx1"/>
+                </a:solidFill>
+                <a:latin typeface="Arial" panose="020B0604020202020204" pitchFamily="34" charset="0"/>
+                <a:ea typeface="+mj-ea"/>
+                <a:cs typeface="Arial" panose="020B0604020202020204" pitchFamily="34" charset="0"/>
+              </a:defRPr>
+            </a:lvl1pPr>
+          </a:lstStyle>
+          <a:p>
+            <a:r>
+              <a:rPr lang="en-US"/>
+              <a:t>Assignment (10 min)</a:t>
+            </a:r>
+            <a:endParaRPr lang="en-US" dirty="0"/>
+          </a:p>
+        </p:txBody>
+      </p:sp>
+      <p:sp>
+        <p:nvSpPr>
+          <p:cNvPr id="6" name="Tijdelijke aanduiding voor inhoud 2">
+            <a:extLst>
+              <a:ext uri="{FF2B5EF4-FFF2-40B4-BE49-F238E27FC236}">
+                <a16:creationId xmlns:a16="http://schemas.microsoft.com/office/drawing/2014/main" id="{A3ACA3FC-67E5-49E1-80C2-9091A31CA429}"/>
+              </a:ext>
+            </a:extLst>
+          </p:cNvPr>
+          <p:cNvSpPr txBox="1">
+            <a:spLocks/>
+          </p:cNvSpPr>
+          <p:nvPr/>
+        </p:nvSpPr>
+        <p:spPr>
+          <a:xfrm>
+            <a:off x="838200" y="1825625"/>
+            <a:ext cx="10515600" cy="4351338"/>
+          </a:xfrm>
+          <a:prstGeom prst="rect">
+            <a:avLst/>
+          </a:prstGeom>
+        </p:spPr>
         <p:txBody>
           <a:bodyPr/>
-          <a:lstStyle/>
-          <a:p>
-            <a:r>
-              <a:rPr lang="en-US" dirty="0"/>
-              <a:t>Assignment (10 min)</a:t>
-            </a:r>
-          </a:p>
-        </p:txBody>
-      </p:sp>
-      <p:sp>
-        <p:nvSpPr>
-          <p:cNvPr id="3" name="Tijdelijke aanduiding voor inhoud 2">
-            <a:extLst>
-              <a:ext uri="{FF2B5EF4-FFF2-40B4-BE49-F238E27FC236}">
-                <a16:creationId xmlns:a16="http://schemas.microsoft.com/office/drawing/2014/main" id="{DF7144D3-01FA-420A-850C-C4D06787E445}"/>
-              </a:ext>
-            </a:extLst>
-          </p:cNvPr>
-          <p:cNvSpPr>
-            <a:spLocks noGrp="1"/>
-          </p:cNvSpPr>
-          <p:nvPr>
-            <p:ph idx="1"/>
-          </p:nvPr>
-        </p:nvSpPr>
-        <p:spPr/>
-        <p:txBody>
-          <a:bodyPr/>
-          <a:lstStyle/>
-          <a:p>
-            <a:r>
-              <a:rPr lang="en-US" dirty="0"/>
+          <a:lstStyle>
+            <a:lvl1pPr marL="228600" indent="-228600" algn="l" defTabSz="914400" rtl="0" eaLnBrk="1" latinLnBrk="0" hangingPunct="1">
+              <a:lnSpc>
+                <a:spcPct val="90000"/>
+              </a:lnSpc>
+              <a:spcBef>
+                <a:spcPts val="1000"/>
+              </a:spcBef>
+              <a:buFont typeface="Arial" panose="020B0604020202020204" pitchFamily="34" charset="0"/>
+              <a:buChar char="•"/>
+              <a:defRPr sz="2800" kern="1200">
+                <a:solidFill>
+                  <a:schemeClr val="tx1"/>
+                </a:solidFill>
+                <a:latin typeface="+mn-lt"/>
+                <a:ea typeface="+mn-ea"/>
+                <a:cs typeface="+mn-cs"/>
+              </a:defRPr>
+            </a:lvl1pPr>
+            <a:lvl2pPr marL="685800" indent="-228600" algn="l" defTabSz="914400" rtl="0" eaLnBrk="1" latinLnBrk="0" hangingPunct="1">
+              <a:lnSpc>
+                <a:spcPct val="90000"/>
+              </a:lnSpc>
+              <a:spcBef>
+                <a:spcPts val="500"/>
+              </a:spcBef>
+              <a:buFont typeface="Arial" panose="020B0604020202020204" pitchFamily="34" charset="0"/>
+              <a:buChar char="•"/>
+              <a:defRPr sz="2400" kern="1200">
+                <a:solidFill>
+                  <a:schemeClr val="tx1"/>
+                </a:solidFill>
+                <a:latin typeface="+mn-lt"/>
+                <a:ea typeface="+mn-ea"/>
+                <a:cs typeface="+mn-cs"/>
+              </a:defRPr>
+            </a:lvl2pPr>
+            <a:lvl3pPr marL="1143000" indent="-228600" algn="l" defTabSz="914400" rtl="0" eaLnBrk="1" latinLnBrk="0" hangingPunct="1">
+              <a:lnSpc>
+                <a:spcPct val="90000"/>
+              </a:lnSpc>
+              <a:spcBef>
+                <a:spcPts val="500"/>
+              </a:spcBef>
+              <a:buFont typeface="Arial" panose="020B0604020202020204" pitchFamily="34" charset="0"/>
+              <a:buChar char="•"/>
+              <a:defRPr sz="2000" kern="1200">
+                <a:solidFill>
+                  <a:schemeClr val="tx1"/>
+                </a:solidFill>
+                <a:latin typeface="+mn-lt"/>
+                <a:ea typeface="+mn-ea"/>
+                <a:cs typeface="+mn-cs"/>
+              </a:defRPr>
+            </a:lvl3pPr>
+            <a:lvl4pPr marL="1600200" indent="-228600" algn="l" defTabSz="914400" rtl="0" eaLnBrk="1" latinLnBrk="0" hangingPunct="1">
+              <a:lnSpc>
+                <a:spcPct val="90000"/>
+              </a:lnSpc>
+              <a:spcBef>
+                <a:spcPts val="500"/>
+              </a:spcBef>
+              <a:buFont typeface="Arial" panose="020B0604020202020204" pitchFamily="34" charset="0"/>
+              <a:buChar char="•"/>
+              <a:defRPr sz="1800" kern="1200">
+                <a:solidFill>
+                  <a:schemeClr val="tx1"/>
+                </a:solidFill>
+                <a:latin typeface="+mn-lt"/>
+                <a:ea typeface="+mn-ea"/>
+                <a:cs typeface="+mn-cs"/>
+              </a:defRPr>
+            </a:lvl4pPr>
+            <a:lvl5pPr marL="2057400" indent="-228600" algn="l" defTabSz="914400" rtl="0" eaLnBrk="1" latinLnBrk="0" hangingPunct="1">
+              <a:lnSpc>
+                <a:spcPct val="90000"/>
+              </a:lnSpc>
+              <a:spcBef>
+                <a:spcPts val="500"/>
+              </a:spcBef>
+              <a:buFont typeface="Arial" panose="020B0604020202020204" pitchFamily="34" charset="0"/>
+              <a:buChar char="•"/>
+              <a:defRPr sz="1800" kern="1200">
+                <a:solidFill>
+                  <a:schemeClr val="tx1"/>
+                </a:solidFill>
+                <a:latin typeface="+mn-lt"/>
+                <a:ea typeface="+mn-ea"/>
+                <a:cs typeface="+mn-cs"/>
+              </a:defRPr>
+            </a:lvl5pPr>
+            <a:lvl6pPr marL="2514600" indent="-228600" algn="l" defTabSz="914400" rtl="0" eaLnBrk="1" latinLnBrk="0" hangingPunct="1">
+              <a:lnSpc>
+                <a:spcPct val="90000"/>
+              </a:lnSpc>
+              <a:spcBef>
+                <a:spcPts val="500"/>
+              </a:spcBef>
+              <a:buFont typeface="Arial" panose="020B0604020202020204" pitchFamily="34" charset="0"/>
+              <a:buChar char="•"/>
+              <a:defRPr sz="1800" kern="1200">
+                <a:solidFill>
+                  <a:schemeClr val="tx1"/>
+                </a:solidFill>
+                <a:latin typeface="+mn-lt"/>
+                <a:ea typeface="+mn-ea"/>
+                <a:cs typeface="+mn-cs"/>
+              </a:defRPr>
+            </a:lvl6pPr>
+            <a:lvl7pPr marL="2971800" indent="-228600" algn="l" defTabSz="914400" rtl="0" eaLnBrk="1" latinLnBrk="0" hangingPunct="1">
+              <a:lnSpc>
+                <a:spcPct val="90000"/>
+              </a:lnSpc>
+              <a:spcBef>
+                <a:spcPts val="500"/>
+              </a:spcBef>
+              <a:buFont typeface="Arial" panose="020B0604020202020204" pitchFamily="34" charset="0"/>
+              <a:buChar char="•"/>
+              <a:defRPr sz="1800" kern="1200">
+                <a:solidFill>
+                  <a:schemeClr val="tx1"/>
+                </a:solidFill>
+                <a:latin typeface="+mn-lt"/>
+                <a:ea typeface="+mn-ea"/>
+                <a:cs typeface="+mn-cs"/>
+              </a:defRPr>
+            </a:lvl7pPr>
+            <a:lvl8pPr marL="3429000" indent="-228600" algn="l" defTabSz="914400" rtl="0" eaLnBrk="1" latinLnBrk="0" hangingPunct="1">
+              <a:lnSpc>
+                <a:spcPct val="90000"/>
+              </a:lnSpc>
+              <a:spcBef>
+                <a:spcPts val="500"/>
+              </a:spcBef>
+              <a:buFont typeface="Arial" panose="020B0604020202020204" pitchFamily="34" charset="0"/>
+              <a:buChar char="•"/>
+              <a:defRPr sz="1800" kern="1200">
+                <a:solidFill>
+                  <a:schemeClr val="tx1"/>
+                </a:solidFill>
+                <a:latin typeface="+mn-lt"/>
+                <a:ea typeface="+mn-ea"/>
+                <a:cs typeface="+mn-cs"/>
+              </a:defRPr>
+            </a:lvl8pPr>
+            <a:lvl9pPr marL="3886200" indent="-228600" algn="l" defTabSz="914400" rtl="0" eaLnBrk="1" latinLnBrk="0" hangingPunct="1">
+              <a:lnSpc>
+                <a:spcPct val="90000"/>
+              </a:lnSpc>
+              <a:spcBef>
+                <a:spcPts val="500"/>
+              </a:spcBef>
+              <a:buFont typeface="Arial" panose="020B0604020202020204" pitchFamily="34" charset="0"/>
+              <a:buChar char="•"/>
+              <a:defRPr sz="1800" kern="1200">
+                <a:solidFill>
+                  <a:schemeClr val="tx1"/>
+                </a:solidFill>
+                <a:latin typeface="+mn-lt"/>
+                <a:ea typeface="+mn-ea"/>
+                <a:cs typeface="+mn-cs"/>
+              </a:defRPr>
+            </a:lvl9pPr>
+          </a:lstStyle>
+          <a:p>
+            <a:r>
+              <a:rPr lang="en-US"/>
               <a:t>Extend your previous assignment with the while loop so it will keep asking you until you successfully enter your name.</a:t>
             </a:r>
           </a:p>
@@ -5462,7 +5845,7 @@
     </p:spTree>
     <p:extLst>
       <p:ext uri="{BB962C8B-B14F-4D97-AF65-F5344CB8AC3E}">
-        <p14:creationId xmlns:p14="http://schemas.microsoft.com/office/powerpoint/2010/main" val="4047814648"/>
+        <p14:creationId xmlns:p14="http://schemas.microsoft.com/office/powerpoint/2010/main" val="391069065"/>
       </p:ext>
     </p:extLst>
   </p:cSld>
@@ -5491,38 +5874,65 @@
       </p:grpSpPr>
       <p:sp>
         <p:nvSpPr>
-          <p:cNvPr id="2" name="Titel 1">
-            <a:extLst>
-              <a:ext uri="{FF2B5EF4-FFF2-40B4-BE49-F238E27FC236}">
-                <a16:creationId xmlns:a16="http://schemas.microsoft.com/office/drawing/2014/main" id="{9D0C2F24-70C2-46A9-AA10-83F7A7ABA6BF}"/>
-              </a:ext>
-            </a:extLst>
-          </p:cNvPr>
-          <p:cNvSpPr>
-            <a:spLocks noGrp="1"/>
-          </p:cNvSpPr>
-          <p:nvPr>
-            <p:ph type="title"/>
-          </p:nvPr>
-        </p:nvSpPr>
-        <p:spPr/>
-        <p:txBody>
-          <a:bodyPr/>
-          <a:lstStyle/>
-          <a:p>
-            <a:r>
-              <a:rPr lang="en-US" dirty="0"/>
+          <p:cNvPr id="4" name="Titel 1">
+            <a:extLst>
+              <a:ext uri="{FF2B5EF4-FFF2-40B4-BE49-F238E27FC236}">
+                <a16:creationId xmlns:a16="http://schemas.microsoft.com/office/drawing/2014/main" id="{CC37F544-598C-4D14-93FC-0E4C42EC936D}"/>
+              </a:ext>
+            </a:extLst>
+          </p:cNvPr>
+          <p:cNvSpPr txBox="1">
+            <a:spLocks/>
+          </p:cNvSpPr>
+          <p:nvPr/>
+        </p:nvSpPr>
+        <p:spPr>
+          <a:xfrm>
+            <a:off x="838200" y="365125"/>
+            <a:ext cx="10515600" cy="1325563"/>
+          </a:xfrm>
+          <a:prstGeom prst="rect">
+            <a:avLst/>
+          </a:prstGeom>
+        </p:spPr>
+        <p:txBody>
+          <a:bodyPr vert="horz" lIns="91440" tIns="45720" rIns="91440" bIns="45720" rtlCol="0" anchor="ctr">
+            <a:normAutofit/>
+          </a:bodyPr>
+          <a:lstStyle>
+            <a:lvl1pPr algn="l" defTabSz="914400" rtl="0" eaLnBrk="1" latinLnBrk="0" hangingPunct="1">
+              <a:lnSpc>
+                <a:spcPct val="90000"/>
+              </a:lnSpc>
+              <a:spcBef>
+                <a:spcPct val="0"/>
+              </a:spcBef>
+              <a:buNone/>
+              <a:defRPr sz="4400" kern="1200" baseline="0">
+                <a:solidFill>
+                  <a:schemeClr val="tx1"/>
+                </a:solidFill>
+                <a:latin typeface="Arial" panose="020B0604020202020204" pitchFamily="34" charset="0"/>
+                <a:ea typeface="+mj-ea"/>
+                <a:cs typeface="Arial" panose="020B0604020202020204" pitchFamily="34" charset="0"/>
+              </a:defRPr>
+            </a:lvl1pPr>
+          </a:lstStyle>
+          <a:p>
+            <a:r>
+              <a:rPr lang="en-US"/>
               <a:t>Example</a:t>
             </a:r>
+            <a:endParaRPr lang="en-US" dirty="0"/>
           </a:p>
         </p:txBody>
       </p:sp>
       <p:pic>
         <p:nvPicPr>
-          <p:cNvPr id="4" name="Afbeelding 3">
-            <a:extLst>
-              <a:ext uri="{FF2B5EF4-FFF2-40B4-BE49-F238E27FC236}">
-                <a16:creationId xmlns:a16="http://schemas.microsoft.com/office/drawing/2014/main" id="{EAF39087-7EF2-48D1-A629-4CCAC283F052}"/>
+          <p:cNvPr id="5" name="Afbeelding 4">
+            <a:extLst>
+              <a:ext uri="{FF2B5EF4-FFF2-40B4-BE49-F238E27FC236}">
+                <a16:creationId xmlns:a16="http://schemas.microsoft.com/office/drawing/2014/main" id="{0DEBA2C4-DFA2-467B-AF89-F21EBB21943F}"/>
               </a:ext>
             </a:extLst>
           </p:cNvPr>
@@ -5549,10 +5959,10 @@
       </p:pic>
       <p:sp>
         <p:nvSpPr>
-          <p:cNvPr id="5" name="Tekstvak 4">
-            <a:extLst>
-              <a:ext uri="{FF2B5EF4-FFF2-40B4-BE49-F238E27FC236}">
-                <a16:creationId xmlns:a16="http://schemas.microsoft.com/office/drawing/2014/main" id="{DDF041CA-72B7-40EF-A4EE-E4AF491AD184}"/>
+          <p:cNvPr id="6" name="Tekstvak 5">
+            <a:extLst>
+              <a:ext uri="{FF2B5EF4-FFF2-40B4-BE49-F238E27FC236}">
+                <a16:creationId xmlns:a16="http://schemas.microsoft.com/office/drawing/2014/main" id="{AF4330A2-B194-405E-803A-2DC4744DABF6}"/>
               </a:ext>
             </a:extLst>
           </p:cNvPr>
@@ -5561,8 +5971,8 @@
         </p:nvSpPr>
         <p:spPr>
           <a:xfrm>
-            <a:off x="4335069" y="4067908"/>
-            <a:ext cx="3521862" cy="369332"/>
+            <a:off x="3417574" y="4044462"/>
+            <a:ext cx="5356851" cy="523220"/>
           </a:xfrm>
           <a:prstGeom prst="rect">
             <a:avLst/>
@@ -5576,7 +5986,7 @@
           <a:lstStyle/>
           <a:p>
             <a:r>
-              <a:rPr lang="en-US" dirty="0"/>
+              <a:rPr lang="en-US" sz="2800" dirty="0"/>
               <a:t>What will happen if we write:  hello</a:t>
             </a:r>
           </a:p>
@@ -5585,7 +5995,7 @@
     </p:spTree>
     <p:extLst>
       <p:ext uri="{BB962C8B-B14F-4D97-AF65-F5344CB8AC3E}">
-        <p14:creationId xmlns:p14="http://schemas.microsoft.com/office/powerpoint/2010/main" val="791957681"/>
+        <p14:creationId xmlns:p14="http://schemas.microsoft.com/office/powerpoint/2010/main" val="2148821425"/>
       </p:ext>
     </p:extLst>
   </p:cSld>
@@ -5614,29 +6024,50 @@
       </p:grpSpPr>
       <p:sp>
         <p:nvSpPr>
-          <p:cNvPr id="2" name="Titel 1">
-            <a:extLst>
-              <a:ext uri="{FF2B5EF4-FFF2-40B4-BE49-F238E27FC236}">
-                <a16:creationId xmlns:a16="http://schemas.microsoft.com/office/drawing/2014/main" id="{6F38BE00-618C-4349-A687-CBA3DD74B7FC}"/>
-              </a:ext>
-            </a:extLst>
-          </p:cNvPr>
-          <p:cNvSpPr>
-            <a:spLocks noGrp="1"/>
-          </p:cNvSpPr>
-          <p:nvPr>
-            <p:ph type="title"/>
-          </p:nvPr>
+          <p:cNvPr id="4" name="Titel 1">
+            <a:extLst>
+              <a:ext uri="{FF2B5EF4-FFF2-40B4-BE49-F238E27FC236}">
+                <a16:creationId xmlns:a16="http://schemas.microsoft.com/office/drawing/2014/main" id="{CF098AD9-E881-4688-8575-EB8787DD833B}"/>
+              </a:ext>
+            </a:extLst>
+          </p:cNvPr>
+          <p:cNvSpPr txBox="1">
+            <a:spLocks/>
+          </p:cNvSpPr>
+          <p:nvPr/>
         </p:nvSpPr>
         <p:spPr>
           <a:xfrm>
             <a:off x="838200" y="356247"/>
             <a:ext cx="10515600" cy="1325563"/>
           </a:xfrm>
-        </p:spPr>
-        <p:txBody>
-          <a:bodyPr/>
-          <a:lstStyle/>
+          <a:prstGeom prst="rect">
+            <a:avLst/>
+          </a:prstGeom>
+        </p:spPr>
+        <p:txBody>
+          <a:bodyPr vert="horz" lIns="91440" tIns="45720" rIns="91440" bIns="45720" rtlCol="0" anchor="ctr">
+            <a:normAutofit/>
+          </a:bodyPr>
+          <a:lstStyle>
+            <a:lvl1pPr algn="l" defTabSz="914400" rtl="0" eaLnBrk="1" latinLnBrk="0" hangingPunct="1">
+              <a:lnSpc>
+                <a:spcPct val="90000"/>
+              </a:lnSpc>
+              <a:spcBef>
+                <a:spcPct val="0"/>
+              </a:spcBef>
+              <a:buNone/>
+              <a:defRPr sz="4400" kern="1200" baseline="0">
+                <a:solidFill>
+                  <a:schemeClr val="tx1"/>
+                </a:solidFill>
+                <a:latin typeface="Arial" panose="020B0604020202020204" pitchFamily="34" charset="0"/>
+                <a:ea typeface="+mj-ea"/>
+                <a:cs typeface="Arial" panose="020B0604020202020204" pitchFamily="34" charset="0"/>
+              </a:defRPr>
+            </a:lvl1pPr>
+          </a:lstStyle>
           <a:p>
             <a:r>
               <a:rPr lang="en-US" dirty="0"/>
@@ -5651,24 +6082,193 @@
       </p:sp>
       <p:sp>
         <p:nvSpPr>
-          <p:cNvPr id="3" name="Tijdelijke aanduiding voor inhoud 2">
-            <a:extLst>
-              <a:ext uri="{FF2B5EF4-FFF2-40B4-BE49-F238E27FC236}">
-                <a16:creationId xmlns:a16="http://schemas.microsoft.com/office/drawing/2014/main" id="{9F38E5D4-EE41-49D0-99B6-ACBEA5821D6A}"/>
-              </a:ext>
-            </a:extLst>
-          </p:cNvPr>
-          <p:cNvSpPr>
-            <a:spLocks noGrp="1"/>
-          </p:cNvSpPr>
-          <p:nvPr>
-            <p:ph idx="1"/>
-          </p:nvPr>
-        </p:nvSpPr>
-        <p:spPr/>
+          <p:cNvPr id="5" name="Tijdelijke aanduiding voor inhoud 2">
+            <a:extLst>
+              <a:ext uri="{FF2B5EF4-FFF2-40B4-BE49-F238E27FC236}">
+                <a16:creationId xmlns:a16="http://schemas.microsoft.com/office/drawing/2014/main" id="{5C4B7C08-9834-42AD-B95A-98383C620471}"/>
+              </a:ext>
+            </a:extLst>
+          </p:cNvPr>
+          <p:cNvSpPr txBox="1">
+            <a:spLocks/>
+          </p:cNvSpPr>
+          <p:nvPr/>
+        </p:nvSpPr>
+        <p:spPr>
+          <a:xfrm>
+            <a:off x="838200" y="1825625"/>
+            <a:ext cx="10515600" cy="4351338"/>
+          </a:xfrm>
+          <a:prstGeom prst="rect">
+            <a:avLst/>
+          </a:prstGeom>
+        </p:spPr>
         <p:txBody>
           <a:bodyPr/>
-          <a:lstStyle/>
+          <a:lstStyle>
+            <a:lvl1pPr marL="228600" indent="-228600" algn="l" defTabSz="914400" rtl="0" eaLnBrk="1" latinLnBrk="0" hangingPunct="1">
+              <a:lnSpc>
+                <a:spcPct val="90000"/>
+              </a:lnSpc>
+              <a:spcBef>
+                <a:spcPts val="1000"/>
+              </a:spcBef>
+              <a:buFont typeface="Arial" panose="020B0604020202020204" pitchFamily="34" charset="0"/>
+              <a:buChar char="•"/>
+              <a:defRPr sz="2800" kern="1200">
+                <a:solidFill>
+                  <a:schemeClr val="tx1"/>
+                </a:solidFill>
+                <a:latin typeface="+mn-lt"/>
+                <a:ea typeface="+mn-ea"/>
+                <a:cs typeface="+mn-cs"/>
+              </a:defRPr>
+            </a:lvl1pPr>
+            <a:lvl2pPr marL="685800" indent="-228600" algn="l" defTabSz="914400" rtl="0" eaLnBrk="1" latinLnBrk="0" hangingPunct="1">
+              <a:lnSpc>
+                <a:spcPct val="90000"/>
+              </a:lnSpc>
+              <a:spcBef>
+                <a:spcPts val="500"/>
+              </a:spcBef>
+              <a:buFont typeface="Arial" panose="020B0604020202020204" pitchFamily="34" charset="0"/>
+              <a:buChar char="•"/>
+              <a:defRPr sz="2400" kern="1200">
+                <a:solidFill>
+                  <a:schemeClr val="tx1"/>
+                </a:solidFill>
+                <a:latin typeface="+mn-lt"/>
+                <a:ea typeface="+mn-ea"/>
+                <a:cs typeface="+mn-cs"/>
+              </a:defRPr>
+            </a:lvl2pPr>
+            <a:lvl3pPr marL="1143000" indent="-228600" algn="l" defTabSz="914400" rtl="0" eaLnBrk="1" latinLnBrk="0" hangingPunct="1">
+              <a:lnSpc>
+                <a:spcPct val="90000"/>
+              </a:lnSpc>
+              <a:spcBef>
+                <a:spcPts val="500"/>
+              </a:spcBef>
+              <a:buFont typeface="Arial" panose="020B0604020202020204" pitchFamily="34" charset="0"/>
+              <a:buChar char="•"/>
+              <a:defRPr sz="2000" kern="1200">
+                <a:solidFill>
+                  <a:schemeClr val="tx1"/>
+                </a:solidFill>
+                <a:latin typeface="+mn-lt"/>
+                <a:ea typeface="+mn-ea"/>
+                <a:cs typeface="+mn-cs"/>
+              </a:defRPr>
+            </a:lvl3pPr>
+            <a:lvl4pPr marL="1600200" indent="-228600" algn="l" defTabSz="914400" rtl="0" eaLnBrk="1" latinLnBrk="0" hangingPunct="1">
+              <a:lnSpc>
+                <a:spcPct val="90000"/>
+              </a:lnSpc>
+              <a:spcBef>
+                <a:spcPts val="500"/>
+              </a:spcBef>
+              <a:buFont typeface="Arial" panose="020B0604020202020204" pitchFamily="34" charset="0"/>
+              <a:buChar char="•"/>
+              <a:defRPr sz="1800" kern="1200">
+                <a:solidFill>
+                  <a:schemeClr val="tx1"/>
+                </a:solidFill>
+                <a:latin typeface="+mn-lt"/>
+                <a:ea typeface="+mn-ea"/>
+                <a:cs typeface="+mn-cs"/>
+              </a:defRPr>
+            </a:lvl4pPr>
+            <a:lvl5pPr marL="2057400" indent="-228600" algn="l" defTabSz="914400" rtl="0" eaLnBrk="1" latinLnBrk="0" hangingPunct="1">
+              <a:lnSpc>
+                <a:spcPct val="90000"/>
+              </a:lnSpc>
+              <a:spcBef>
+                <a:spcPts val="500"/>
+              </a:spcBef>
+              <a:buFont typeface="Arial" panose="020B0604020202020204" pitchFamily="34" charset="0"/>
+              <a:buChar char="•"/>
+              <a:defRPr sz="1800" kern="1200">
+                <a:solidFill>
+                  <a:schemeClr val="tx1"/>
+                </a:solidFill>
+                <a:latin typeface="+mn-lt"/>
+                <a:ea typeface="+mn-ea"/>
+                <a:cs typeface="+mn-cs"/>
+              </a:defRPr>
+            </a:lvl5pPr>
+            <a:lvl6pPr marL="2514600" indent="-228600" algn="l" defTabSz="914400" rtl="0" eaLnBrk="1" latinLnBrk="0" hangingPunct="1">
+              <a:lnSpc>
+                <a:spcPct val="90000"/>
+              </a:lnSpc>
+              <a:spcBef>
+                <a:spcPts val="500"/>
+              </a:spcBef>
+              <a:buFont typeface="Arial" panose="020B0604020202020204" pitchFamily="34" charset="0"/>
+              <a:buChar char="•"/>
+              <a:defRPr sz="1800" kern="1200">
+                <a:solidFill>
+                  <a:schemeClr val="tx1"/>
+                </a:solidFill>
+                <a:latin typeface="+mn-lt"/>
+                <a:ea typeface="+mn-ea"/>
+                <a:cs typeface="+mn-cs"/>
+              </a:defRPr>
+            </a:lvl6pPr>
+            <a:lvl7pPr marL="2971800" indent="-228600" algn="l" defTabSz="914400" rtl="0" eaLnBrk="1" latinLnBrk="0" hangingPunct="1">
+              <a:lnSpc>
+                <a:spcPct val="90000"/>
+              </a:lnSpc>
+              <a:spcBef>
+                <a:spcPts val="500"/>
+              </a:spcBef>
+              <a:buFont typeface="Arial" panose="020B0604020202020204" pitchFamily="34" charset="0"/>
+              <a:buChar char="•"/>
+              <a:defRPr sz="1800" kern="1200">
+                <a:solidFill>
+                  <a:schemeClr val="tx1"/>
+                </a:solidFill>
+                <a:latin typeface="+mn-lt"/>
+                <a:ea typeface="+mn-ea"/>
+                <a:cs typeface="+mn-cs"/>
+              </a:defRPr>
+            </a:lvl7pPr>
+            <a:lvl8pPr marL="3429000" indent="-228600" algn="l" defTabSz="914400" rtl="0" eaLnBrk="1" latinLnBrk="0" hangingPunct="1">
+              <a:lnSpc>
+                <a:spcPct val="90000"/>
+              </a:lnSpc>
+              <a:spcBef>
+                <a:spcPts val="500"/>
+              </a:spcBef>
+              <a:buFont typeface="Arial" panose="020B0604020202020204" pitchFamily="34" charset="0"/>
+              <a:buChar char="•"/>
+              <a:defRPr sz="1800" kern="1200">
+                <a:solidFill>
+                  <a:schemeClr val="tx1"/>
+                </a:solidFill>
+                <a:latin typeface="+mn-lt"/>
+                <a:ea typeface="+mn-ea"/>
+                <a:cs typeface="+mn-cs"/>
+              </a:defRPr>
+            </a:lvl8pPr>
+            <a:lvl9pPr marL="3886200" indent="-228600" algn="l" defTabSz="914400" rtl="0" eaLnBrk="1" latinLnBrk="0" hangingPunct="1">
+              <a:lnSpc>
+                <a:spcPct val="90000"/>
+              </a:lnSpc>
+              <a:spcBef>
+                <a:spcPts val="500"/>
+              </a:spcBef>
+              <a:buFont typeface="Arial" panose="020B0604020202020204" pitchFamily="34" charset="0"/>
+              <a:buChar char="•"/>
+              <a:defRPr sz="1800" kern="1200">
+                <a:solidFill>
+                  <a:schemeClr val="tx1"/>
+                </a:solidFill>
+                <a:latin typeface="+mn-lt"/>
+                <a:ea typeface="+mn-ea"/>
+                <a:cs typeface="+mn-cs"/>
+              </a:defRPr>
+            </a:lvl9pPr>
+          </a:lstStyle>
           <a:p>
             <a:r>
               <a:rPr lang="nl-NL" dirty="0"/>
@@ -5693,11 +6293,6 @@
         </p:txBody>
       </p:sp>
     </p:spTree>
-    <p:extLst>
-      <p:ext uri="{BB962C8B-B14F-4D97-AF65-F5344CB8AC3E}">
-        <p14:creationId xmlns:p14="http://schemas.microsoft.com/office/powerpoint/2010/main" val="1480835768"/>
-      </p:ext>
-    </p:extLst>
   </p:cSld>
   <p:clrMapOvr>
     <a:masterClrMapping/>
@@ -5724,68 +6319,65 @@
       </p:grpSpPr>
       <p:sp>
         <p:nvSpPr>
-          <p:cNvPr id="2" name="Titel 1">
-            <a:extLst>
-              <a:ext uri="{FF2B5EF4-FFF2-40B4-BE49-F238E27FC236}">
-                <a16:creationId xmlns:a16="http://schemas.microsoft.com/office/drawing/2014/main" id="{9D0C2F24-70C2-46A9-AA10-83F7A7ABA6BF}"/>
-              </a:ext>
-            </a:extLst>
-          </p:cNvPr>
-          <p:cNvSpPr>
-            <a:spLocks noGrp="1"/>
-          </p:cNvSpPr>
-          <p:nvPr>
-            <p:ph type="title"/>
-          </p:nvPr>
-        </p:nvSpPr>
-        <p:spPr/>
-        <p:txBody>
-          <a:bodyPr/>
-          <a:lstStyle/>
-          <a:p>
-            <a:r>
-              <a:rPr lang="en-US" dirty="0"/>
-              <a:t>Example</a:t>
-            </a:r>
-          </a:p>
-        </p:txBody>
-      </p:sp>
-      <p:pic>
-        <p:nvPicPr>
-          <p:cNvPr id="4" name="Afbeelding 3">
-            <a:extLst>
-              <a:ext uri="{FF2B5EF4-FFF2-40B4-BE49-F238E27FC236}">
-                <a16:creationId xmlns:a16="http://schemas.microsoft.com/office/drawing/2014/main" id="{EAF39087-7EF2-48D1-A629-4CCAC283F052}"/>
-              </a:ext>
-            </a:extLst>
-          </p:cNvPr>
-          <p:cNvPicPr>
-            <a:picLocks noChangeAspect="1"/>
-          </p:cNvPicPr>
+          <p:cNvPr id="4" name="Titel 1">
+            <a:extLst>
+              <a:ext uri="{FF2B5EF4-FFF2-40B4-BE49-F238E27FC236}">
+                <a16:creationId xmlns:a16="http://schemas.microsoft.com/office/drawing/2014/main" id="{BDE7D789-54DD-4BD0-8EB3-7B727ABADB1B}"/>
+              </a:ext>
+            </a:extLst>
+          </p:cNvPr>
+          <p:cNvSpPr txBox="1">
+            <a:spLocks/>
+          </p:cNvSpPr>
           <p:nvPr/>
-        </p:nvPicPr>
-        <p:blipFill>
-          <a:blip r:embed="rId2"/>
-          <a:stretch>
-            <a:fillRect/>
-          </a:stretch>
-        </p:blipFill>
-        <p:spPr>
-          <a:xfrm>
-            <a:off x="2371725" y="2182324"/>
-            <a:ext cx="7448550" cy="828675"/>
+        </p:nvSpPr>
+        <p:spPr>
+          <a:xfrm>
+            <a:off x="838200" y="365125"/>
+            <a:ext cx="10515600" cy="1325563"/>
           </a:xfrm>
           <a:prstGeom prst="rect">
             <a:avLst/>
           </a:prstGeom>
         </p:spPr>
-      </p:pic>
+        <p:txBody>
+          <a:bodyPr vert="horz" lIns="91440" tIns="45720" rIns="91440" bIns="45720" rtlCol="0" anchor="ctr">
+            <a:normAutofit/>
+          </a:bodyPr>
+          <a:lstStyle>
+            <a:lvl1pPr algn="l" defTabSz="914400" rtl="0" eaLnBrk="1" latinLnBrk="0" hangingPunct="1">
+              <a:lnSpc>
+                <a:spcPct val="90000"/>
+              </a:lnSpc>
+              <a:spcBef>
+                <a:spcPct val="0"/>
+              </a:spcBef>
+              <a:buNone/>
+              <a:defRPr sz="4400" kern="1200" baseline="0">
+                <a:solidFill>
+                  <a:schemeClr val="tx1"/>
+                </a:solidFill>
+                <a:latin typeface="Arial" panose="020B0604020202020204" pitchFamily="34" charset="0"/>
+                <a:ea typeface="+mj-ea"/>
+                <a:cs typeface="Arial" panose="020B0604020202020204" pitchFamily="34" charset="0"/>
+              </a:defRPr>
+            </a:lvl1pPr>
+          </a:lstStyle>
+          <a:p>
+            <a:r>
+              <a:rPr lang="en-US"/>
+              <a:t>Example</a:t>
+            </a:r>
+            <a:endParaRPr lang="en-US" dirty="0"/>
+          </a:p>
+        </p:txBody>
+      </p:sp>
       <p:pic>
         <p:nvPicPr>
-          <p:cNvPr id="3" name="Afbeelding 2">
-            <a:extLst>
-              <a:ext uri="{FF2B5EF4-FFF2-40B4-BE49-F238E27FC236}">
-                <a16:creationId xmlns:a16="http://schemas.microsoft.com/office/drawing/2014/main" id="{E968E8F7-5C96-4CF3-ABBB-4612232DA972}"/>
+          <p:cNvPr id="5" name="Afbeelding 4">
+            <a:extLst>
+              <a:ext uri="{FF2B5EF4-FFF2-40B4-BE49-F238E27FC236}">
+                <a16:creationId xmlns:a16="http://schemas.microsoft.com/office/drawing/2014/main" id="{F95FECFA-F03C-4233-8C3B-6182EBFAD54C}"/>
               </a:ext>
             </a:extLst>
           </p:cNvPr>
@@ -5802,8 +6394,38 @@
         </p:blipFill>
         <p:spPr>
           <a:xfrm>
-            <a:off x="290146" y="3429000"/>
-            <a:ext cx="11353800" cy="3648075"/>
+            <a:off x="2371725" y="1690688"/>
+            <a:ext cx="7448550" cy="828675"/>
+          </a:xfrm>
+          <a:prstGeom prst="rect">
+            <a:avLst/>
+          </a:prstGeom>
+        </p:spPr>
+      </p:pic>
+      <p:pic>
+        <p:nvPicPr>
+          <p:cNvPr id="6" name="Afbeelding 5">
+            <a:extLst>
+              <a:ext uri="{FF2B5EF4-FFF2-40B4-BE49-F238E27FC236}">
+                <a16:creationId xmlns:a16="http://schemas.microsoft.com/office/drawing/2014/main" id="{2E52AFF1-78DE-4D1F-B084-0C8A66D3ABB3}"/>
+              </a:ext>
+            </a:extLst>
+          </p:cNvPr>
+          <p:cNvPicPr>
+            <a:picLocks noChangeAspect="1"/>
+          </p:cNvPicPr>
+          <p:nvPr/>
+        </p:nvPicPr>
+        <p:blipFill>
+          <a:blip r:embed="rId4"/>
+          <a:stretch>
+            <a:fillRect/>
+          </a:stretch>
+        </p:blipFill>
+        <p:spPr>
+          <a:xfrm>
+            <a:off x="93785" y="2844801"/>
+            <a:ext cx="9976338" cy="3205484"/>
           </a:xfrm>
           <a:prstGeom prst="rect">
             <a:avLst/>
@@ -5813,7 +6435,7 @@
     </p:spTree>
     <p:extLst>
       <p:ext uri="{BB962C8B-B14F-4D97-AF65-F5344CB8AC3E}">
-        <p14:creationId xmlns:p14="http://schemas.microsoft.com/office/powerpoint/2010/main" val="3398342405"/>
+        <p14:creationId xmlns:p14="http://schemas.microsoft.com/office/powerpoint/2010/main" val="1021699335"/>
       </p:ext>
     </p:extLst>
   </p:cSld>
@@ -5842,38 +6464,65 @@
       </p:grpSpPr>
       <p:sp>
         <p:nvSpPr>
-          <p:cNvPr id="2" name="Titel 1">
-            <a:extLst>
-              <a:ext uri="{FF2B5EF4-FFF2-40B4-BE49-F238E27FC236}">
-                <a16:creationId xmlns:a16="http://schemas.microsoft.com/office/drawing/2014/main" id="{9D0C2F24-70C2-46A9-AA10-83F7A7ABA6BF}"/>
-              </a:ext>
-            </a:extLst>
-          </p:cNvPr>
-          <p:cNvSpPr>
-            <a:spLocks noGrp="1"/>
-          </p:cNvSpPr>
-          <p:nvPr>
-            <p:ph type="title"/>
-          </p:nvPr>
-        </p:nvSpPr>
-        <p:spPr/>
-        <p:txBody>
-          <a:bodyPr/>
-          <a:lstStyle/>
-          <a:p>
-            <a:r>
-              <a:rPr lang="en-US" dirty="0"/>
+          <p:cNvPr id="4" name="Titel 1">
+            <a:extLst>
+              <a:ext uri="{FF2B5EF4-FFF2-40B4-BE49-F238E27FC236}">
+                <a16:creationId xmlns:a16="http://schemas.microsoft.com/office/drawing/2014/main" id="{7C6F943B-3D85-4EC5-AAA1-7D46A4424762}"/>
+              </a:ext>
+            </a:extLst>
+          </p:cNvPr>
+          <p:cNvSpPr txBox="1">
+            <a:spLocks/>
+          </p:cNvSpPr>
+          <p:nvPr/>
+        </p:nvSpPr>
+        <p:spPr>
+          <a:xfrm>
+            <a:off x="838200" y="365125"/>
+            <a:ext cx="10515600" cy="1325563"/>
+          </a:xfrm>
+          <a:prstGeom prst="rect">
+            <a:avLst/>
+          </a:prstGeom>
+        </p:spPr>
+        <p:txBody>
+          <a:bodyPr vert="horz" lIns="91440" tIns="45720" rIns="91440" bIns="45720" rtlCol="0" anchor="ctr">
+            <a:normAutofit/>
+          </a:bodyPr>
+          <a:lstStyle>
+            <a:lvl1pPr algn="l" defTabSz="914400" rtl="0" eaLnBrk="1" latinLnBrk="0" hangingPunct="1">
+              <a:lnSpc>
+                <a:spcPct val="90000"/>
+              </a:lnSpc>
+              <a:spcBef>
+                <a:spcPct val="0"/>
+              </a:spcBef>
+              <a:buNone/>
+              <a:defRPr sz="4400" kern="1200" baseline="0">
+                <a:solidFill>
+                  <a:schemeClr val="tx1"/>
+                </a:solidFill>
+                <a:latin typeface="Arial" panose="020B0604020202020204" pitchFamily="34" charset="0"/>
+                <a:ea typeface="+mj-ea"/>
+                <a:cs typeface="Arial" panose="020B0604020202020204" pitchFamily="34" charset="0"/>
+              </a:defRPr>
+            </a:lvl1pPr>
+          </a:lstStyle>
+          <a:p>
+            <a:r>
+              <a:rPr lang="en-US"/>
               <a:t>Example</a:t>
             </a:r>
+            <a:endParaRPr lang="en-US" dirty="0"/>
           </a:p>
         </p:txBody>
       </p:sp>
       <p:pic>
         <p:nvPicPr>
-          <p:cNvPr id="4" name="Afbeelding 3">
-            <a:extLst>
-              <a:ext uri="{FF2B5EF4-FFF2-40B4-BE49-F238E27FC236}">
-                <a16:creationId xmlns:a16="http://schemas.microsoft.com/office/drawing/2014/main" id="{EAF39087-7EF2-48D1-A629-4CCAC283F052}"/>
+          <p:cNvPr id="5" name="Afbeelding 4">
+            <a:extLst>
+              <a:ext uri="{FF2B5EF4-FFF2-40B4-BE49-F238E27FC236}">
+                <a16:creationId xmlns:a16="http://schemas.microsoft.com/office/drawing/2014/main" id="{E69BD217-FC65-4E76-A8F3-7266C0AFB29E}"/>
               </a:ext>
             </a:extLst>
           </p:cNvPr>
@@ -5900,10 +6549,10 @@
       </p:pic>
       <p:sp>
         <p:nvSpPr>
-          <p:cNvPr id="5" name="Tekstvak 4">
-            <a:extLst>
-              <a:ext uri="{FF2B5EF4-FFF2-40B4-BE49-F238E27FC236}">
-                <a16:creationId xmlns:a16="http://schemas.microsoft.com/office/drawing/2014/main" id="{DDF041CA-72B7-40EF-A4EE-E4AF491AD184}"/>
+          <p:cNvPr id="6" name="Tekstvak 5">
+            <a:extLst>
+              <a:ext uri="{FF2B5EF4-FFF2-40B4-BE49-F238E27FC236}">
+                <a16:creationId xmlns:a16="http://schemas.microsoft.com/office/drawing/2014/main" id="{D849CCD0-918E-4401-B615-63443E543A8C}"/>
               </a:ext>
             </a:extLst>
           </p:cNvPr>
@@ -5912,8 +6561,8 @@
         </p:nvSpPr>
         <p:spPr>
           <a:xfrm>
-            <a:off x="4476934" y="4067908"/>
-            <a:ext cx="3238131" cy="369332"/>
+            <a:off x="3635583" y="3847002"/>
+            <a:ext cx="4920834" cy="523220"/>
           </a:xfrm>
           <a:prstGeom prst="rect">
             <a:avLst/>
@@ -5927,7 +6576,7 @@
           <a:lstStyle/>
           <a:p>
             <a:r>
-              <a:rPr lang="en-US" dirty="0"/>
+              <a:rPr lang="en-US" sz="2800" dirty="0"/>
               <a:t>What will happen if we write: 10</a:t>
             </a:r>
           </a:p>
@@ -5936,7 +6585,7 @@
     </p:spTree>
     <p:extLst>
       <p:ext uri="{BB962C8B-B14F-4D97-AF65-F5344CB8AC3E}">
-        <p14:creationId xmlns:p14="http://schemas.microsoft.com/office/powerpoint/2010/main" val="3859418232"/>
+        <p14:creationId xmlns:p14="http://schemas.microsoft.com/office/powerpoint/2010/main" val="1974600267"/>
       </p:ext>
     </p:extLst>
   </p:cSld>
@@ -5965,38 +6614,65 @@
       </p:grpSpPr>
       <p:sp>
         <p:nvSpPr>
-          <p:cNvPr id="2" name="Titel 1">
-            <a:extLst>
-              <a:ext uri="{FF2B5EF4-FFF2-40B4-BE49-F238E27FC236}">
-                <a16:creationId xmlns:a16="http://schemas.microsoft.com/office/drawing/2014/main" id="{9D0C2F24-70C2-46A9-AA10-83F7A7ABA6BF}"/>
-              </a:ext>
-            </a:extLst>
-          </p:cNvPr>
-          <p:cNvSpPr>
-            <a:spLocks noGrp="1"/>
-          </p:cNvSpPr>
-          <p:nvPr>
-            <p:ph type="title"/>
-          </p:nvPr>
-        </p:nvSpPr>
-        <p:spPr/>
-        <p:txBody>
-          <a:bodyPr/>
-          <a:lstStyle/>
-          <a:p>
-            <a:r>
-              <a:rPr lang="en-US" dirty="0"/>
+          <p:cNvPr id="4" name="Titel 1">
+            <a:extLst>
+              <a:ext uri="{FF2B5EF4-FFF2-40B4-BE49-F238E27FC236}">
+                <a16:creationId xmlns:a16="http://schemas.microsoft.com/office/drawing/2014/main" id="{437692AB-D723-420D-9ED2-A9C851A8DC54}"/>
+              </a:ext>
+            </a:extLst>
+          </p:cNvPr>
+          <p:cNvSpPr txBox="1">
+            <a:spLocks/>
+          </p:cNvSpPr>
+          <p:nvPr/>
+        </p:nvSpPr>
+        <p:spPr>
+          <a:xfrm>
+            <a:off x="838200" y="365125"/>
+            <a:ext cx="10515600" cy="1325563"/>
+          </a:xfrm>
+          <a:prstGeom prst="rect">
+            <a:avLst/>
+          </a:prstGeom>
+        </p:spPr>
+        <p:txBody>
+          <a:bodyPr vert="horz" lIns="91440" tIns="45720" rIns="91440" bIns="45720" rtlCol="0" anchor="ctr">
+            <a:normAutofit/>
+          </a:bodyPr>
+          <a:lstStyle>
+            <a:lvl1pPr algn="l" defTabSz="914400" rtl="0" eaLnBrk="1" latinLnBrk="0" hangingPunct="1">
+              <a:lnSpc>
+                <a:spcPct val="90000"/>
+              </a:lnSpc>
+              <a:spcBef>
+                <a:spcPct val="0"/>
+              </a:spcBef>
+              <a:buNone/>
+              <a:defRPr sz="4400" kern="1200" baseline="0">
+                <a:solidFill>
+                  <a:schemeClr val="tx1"/>
+                </a:solidFill>
+                <a:latin typeface="Arial" panose="020B0604020202020204" pitchFamily="34" charset="0"/>
+                <a:ea typeface="+mj-ea"/>
+                <a:cs typeface="Arial" panose="020B0604020202020204" pitchFamily="34" charset="0"/>
+              </a:defRPr>
+            </a:lvl1pPr>
+          </a:lstStyle>
+          <a:p>
+            <a:r>
+              <a:rPr lang="en-US"/>
               <a:t>Example</a:t>
             </a:r>
+            <a:endParaRPr lang="en-US" dirty="0"/>
           </a:p>
         </p:txBody>
       </p:sp>
       <p:pic>
         <p:nvPicPr>
-          <p:cNvPr id="4" name="Afbeelding 3">
-            <a:extLst>
-              <a:ext uri="{FF2B5EF4-FFF2-40B4-BE49-F238E27FC236}">
-                <a16:creationId xmlns:a16="http://schemas.microsoft.com/office/drawing/2014/main" id="{EAF39087-7EF2-48D1-A629-4CCAC283F052}"/>
+          <p:cNvPr id="5" name="Afbeelding 4">
+            <a:extLst>
+              <a:ext uri="{FF2B5EF4-FFF2-40B4-BE49-F238E27FC236}">
+                <a16:creationId xmlns:a16="http://schemas.microsoft.com/office/drawing/2014/main" id="{65470488-AC5A-40C6-9642-31637EE9BF7A}"/>
               </a:ext>
             </a:extLst>
           </p:cNvPr>
@@ -6023,10 +6699,10 @@
       </p:pic>
       <p:pic>
         <p:nvPicPr>
-          <p:cNvPr id="3" name="Afbeelding 2">
-            <a:extLst>
-              <a:ext uri="{FF2B5EF4-FFF2-40B4-BE49-F238E27FC236}">
-                <a16:creationId xmlns:a16="http://schemas.microsoft.com/office/drawing/2014/main" id="{39B6A5D0-19E8-46F6-ADB3-D4EF5F526E00}"/>
+          <p:cNvPr id="6" name="Afbeelding 5">
+            <a:extLst>
+              <a:ext uri="{FF2B5EF4-FFF2-40B4-BE49-F238E27FC236}">
+                <a16:creationId xmlns:a16="http://schemas.microsoft.com/office/drawing/2014/main" id="{6263CABB-AC5F-4561-AC71-8462E722E8A4}"/>
               </a:ext>
             </a:extLst>
           </p:cNvPr>
@@ -6054,7 +6730,7 @@
     </p:spTree>
     <p:extLst>
       <p:ext uri="{BB962C8B-B14F-4D97-AF65-F5344CB8AC3E}">
-        <p14:creationId xmlns:p14="http://schemas.microsoft.com/office/powerpoint/2010/main" val="2555726996"/>
+        <p14:creationId xmlns:p14="http://schemas.microsoft.com/office/powerpoint/2010/main" val="2587037471"/>
       </p:ext>
     </p:extLst>
   </p:cSld>
@@ -6083,66 +6759,262 @@
       </p:grpSpPr>
       <p:sp>
         <p:nvSpPr>
-          <p:cNvPr id="2" name="Titel 1">
-            <a:extLst>
-              <a:ext uri="{FF2B5EF4-FFF2-40B4-BE49-F238E27FC236}">
-                <a16:creationId xmlns:a16="http://schemas.microsoft.com/office/drawing/2014/main" id="{FDF8D7D9-3E1D-45F0-A906-9B2E6C0D18A9}"/>
-              </a:ext>
-            </a:extLst>
-          </p:cNvPr>
-          <p:cNvSpPr>
-            <a:spLocks noGrp="1"/>
-          </p:cNvSpPr>
-          <p:nvPr>
-            <p:ph type="title"/>
-          </p:nvPr>
-        </p:nvSpPr>
-        <p:spPr/>
+          <p:cNvPr id="4" name="Titel 1">
+            <a:extLst>
+              <a:ext uri="{FF2B5EF4-FFF2-40B4-BE49-F238E27FC236}">
+                <a16:creationId xmlns:a16="http://schemas.microsoft.com/office/drawing/2014/main" id="{34BBDFF4-EDB3-4A00-9F25-D99BAF5E06D6}"/>
+              </a:ext>
+            </a:extLst>
+          </p:cNvPr>
+          <p:cNvSpPr txBox="1">
+            <a:spLocks/>
+          </p:cNvSpPr>
+          <p:nvPr/>
+        </p:nvSpPr>
+        <p:spPr>
+          <a:xfrm>
+            <a:off x="838200" y="365125"/>
+            <a:ext cx="10515600" cy="1325563"/>
+          </a:xfrm>
+          <a:prstGeom prst="rect">
+            <a:avLst/>
+          </a:prstGeom>
+        </p:spPr>
+        <p:txBody>
+          <a:bodyPr vert="horz" lIns="91440" tIns="45720" rIns="91440" bIns="45720" rtlCol="0" anchor="ctr">
+            <a:normAutofit/>
+          </a:bodyPr>
+          <a:lstStyle>
+            <a:lvl1pPr algn="l" defTabSz="914400" rtl="0" eaLnBrk="1" latinLnBrk="0" hangingPunct="1">
+              <a:lnSpc>
+                <a:spcPct val="90000"/>
+              </a:lnSpc>
+              <a:spcBef>
+                <a:spcPct val="0"/>
+              </a:spcBef>
+              <a:buNone/>
+              <a:defRPr sz="4400" kern="1200" baseline="0">
+                <a:solidFill>
+                  <a:schemeClr val="tx1"/>
+                </a:solidFill>
+                <a:latin typeface="Arial" panose="020B0604020202020204" pitchFamily="34" charset="0"/>
+                <a:ea typeface="+mj-ea"/>
+                <a:cs typeface="Arial" panose="020B0604020202020204" pitchFamily="34" charset="0"/>
+              </a:defRPr>
+            </a:lvl1pPr>
+          </a:lstStyle>
+          <a:p>
+            <a:r>
+              <a:rPr lang="en-US"/>
+              <a:t>Assignment (5 min)</a:t>
+            </a:r>
+            <a:endParaRPr lang="en-US" dirty="0"/>
+          </a:p>
+        </p:txBody>
+      </p:sp>
+      <p:sp>
+        <p:nvSpPr>
+          <p:cNvPr id="5" name="Tijdelijke aanduiding voor inhoud 2">
+            <a:extLst>
+              <a:ext uri="{FF2B5EF4-FFF2-40B4-BE49-F238E27FC236}">
+                <a16:creationId xmlns:a16="http://schemas.microsoft.com/office/drawing/2014/main" id="{2FC4192C-C165-4B82-9195-223747324688}"/>
+              </a:ext>
+            </a:extLst>
+          </p:cNvPr>
+          <p:cNvSpPr txBox="1">
+            <a:spLocks/>
+          </p:cNvSpPr>
+          <p:nvPr/>
+        </p:nvSpPr>
+        <p:spPr>
+          <a:xfrm>
+            <a:off x="838200" y="1825625"/>
+            <a:ext cx="10515600" cy="4351338"/>
+          </a:xfrm>
+          <a:prstGeom prst="rect">
+            <a:avLst/>
+          </a:prstGeom>
+        </p:spPr>
         <p:txBody>
           <a:bodyPr/>
-          <a:lstStyle/>
-          <a:p>
-            <a:r>
-              <a:rPr lang="en-US" dirty="0"/>
-              <a:t>Assignment (5 min)</a:t>
-            </a:r>
-          </a:p>
-        </p:txBody>
-      </p:sp>
-      <p:sp>
-        <p:nvSpPr>
-          <p:cNvPr id="3" name="Tijdelijke aanduiding voor inhoud 2">
-            <a:extLst>
-              <a:ext uri="{FF2B5EF4-FFF2-40B4-BE49-F238E27FC236}">
-                <a16:creationId xmlns:a16="http://schemas.microsoft.com/office/drawing/2014/main" id="{1295AB41-3AD7-44B7-B52D-A1421F109335}"/>
-              </a:ext>
-            </a:extLst>
-          </p:cNvPr>
-          <p:cNvSpPr>
-            <a:spLocks noGrp="1"/>
-          </p:cNvSpPr>
-          <p:nvPr>
-            <p:ph idx="1"/>
-          </p:nvPr>
-        </p:nvSpPr>
-        <p:spPr/>
-        <p:txBody>
-          <a:bodyPr/>
-          <a:lstStyle/>
-          <a:p>
-            <a:r>
-              <a:rPr lang="en-US" dirty="0"/>
+          <a:lstStyle>
+            <a:lvl1pPr marL="228600" indent="-228600" algn="l" defTabSz="914400" rtl="0" eaLnBrk="1" latinLnBrk="0" hangingPunct="1">
+              <a:lnSpc>
+                <a:spcPct val="90000"/>
+              </a:lnSpc>
+              <a:spcBef>
+                <a:spcPts val="1000"/>
+              </a:spcBef>
+              <a:buFont typeface="Arial" panose="020B0604020202020204" pitchFamily="34" charset="0"/>
+              <a:buChar char="•"/>
+              <a:defRPr sz="2800" kern="1200">
+                <a:solidFill>
+                  <a:schemeClr val="tx1"/>
+                </a:solidFill>
+                <a:latin typeface="+mn-lt"/>
+                <a:ea typeface="+mn-ea"/>
+                <a:cs typeface="+mn-cs"/>
+              </a:defRPr>
+            </a:lvl1pPr>
+            <a:lvl2pPr marL="685800" indent="-228600" algn="l" defTabSz="914400" rtl="0" eaLnBrk="1" latinLnBrk="0" hangingPunct="1">
+              <a:lnSpc>
+                <a:spcPct val="90000"/>
+              </a:lnSpc>
+              <a:spcBef>
+                <a:spcPts val="500"/>
+              </a:spcBef>
+              <a:buFont typeface="Arial" panose="020B0604020202020204" pitchFamily="34" charset="0"/>
+              <a:buChar char="•"/>
+              <a:defRPr sz="2400" kern="1200">
+                <a:solidFill>
+                  <a:schemeClr val="tx1"/>
+                </a:solidFill>
+                <a:latin typeface="+mn-lt"/>
+                <a:ea typeface="+mn-ea"/>
+                <a:cs typeface="+mn-cs"/>
+              </a:defRPr>
+            </a:lvl2pPr>
+            <a:lvl3pPr marL="1143000" indent="-228600" algn="l" defTabSz="914400" rtl="0" eaLnBrk="1" latinLnBrk="0" hangingPunct="1">
+              <a:lnSpc>
+                <a:spcPct val="90000"/>
+              </a:lnSpc>
+              <a:spcBef>
+                <a:spcPts val="500"/>
+              </a:spcBef>
+              <a:buFont typeface="Arial" panose="020B0604020202020204" pitchFamily="34" charset="0"/>
+              <a:buChar char="•"/>
+              <a:defRPr sz="2000" kern="1200">
+                <a:solidFill>
+                  <a:schemeClr val="tx1"/>
+                </a:solidFill>
+                <a:latin typeface="+mn-lt"/>
+                <a:ea typeface="+mn-ea"/>
+                <a:cs typeface="+mn-cs"/>
+              </a:defRPr>
+            </a:lvl3pPr>
+            <a:lvl4pPr marL="1600200" indent="-228600" algn="l" defTabSz="914400" rtl="0" eaLnBrk="1" latinLnBrk="0" hangingPunct="1">
+              <a:lnSpc>
+                <a:spcPct val="90000"/>
+              </a:lnSpc>
+              <a:spcBef>
+                <a:spcPts val="500"/>
+              </a:spcBef>
+              <a:buFont typeface="Arial" panose="020B0604020202020204" pitchFamily="34" charset="0"/>
+              <a:buChar char="•"/>
+              <a:defRPr sz="1800" kern="1200">
+                <a:solidFill>
+                  <a:schemeClr val="tx1"/>
+                </a:solidFill>
+                <a:latin typeface="+mn-lt"/>
+                <a:ea typeface="+mn-ea"/>
+                <a:cs typeface="+mn-cs"/>
+              </a:defRPr>
+            </a:lvl4pPr>
+            <a:lvl5pPr marL="2057400" indent="-228600" algn="l" defTabSz="914400" rtl="0" eaLnBrk="1" latinLnBrk="0" hangingPunct="1">
+              <a:lnSpc>
+                <a:spcPct val="90000"/>
+              </a:lnSpc>
+              <a:spcBef>
+                <a:spcPts val="500"/>
+              </a:spcBef>
+              <a:buFont typeface="Arial" panose="020B0604020202020204" pitchFamily="34" charset="0"/>
+              <a:buChar char="•"/>
+              <a:defRPr sz="1800" kern="1200">
+                <a:solidFill>
+                  <a:schemeClr val="tx1"/>
+                </a:solidFill>
+                <a:latin typeface="+mn-lt"/>
+                <a:ea typeface="+mn-ea"/>
+                <a:cs typeface="+mn-cs"/>
+              </a:defRPr>
+            </a:lvl5pPr>
+            <a:lvl6pPr marL="2514600" indent="-228600" algn="l" defTabSz="914400" rtl="0" eaLnBrk="1" latinLnBrk="0" hangingPunct="1">
+              <a:lnSpc>
+                <a:spcPct val="90000"/>
+              </a:lnSpc>
+              <a:spcBef>
+                <a:spcPts val="500"/>
+              </a:spcBef>
+              <a:buFont typeface="Arial" panose="020B0604020202020204" pitchFamily="34" charset="0"/>
+              <a:buChar char="•"/>
+              <a:defRPr sz="1800" kern="1200">
+                <a:solidFill>
+                  <a:schemeClr val="tx1"/>
+                </a:solidFill>
+                <a:latin typeface="+mn-lt"/>
+                <a:ea typeface="+mn-ea"/>
+                <a:cs typeface="+mn-cs"/>
+              </a:defRPr>
+            </a:lvl6pPr>
+            <a:lvl7pPr marL="2971800" indent="-228600" algn="l" defTabSz="914400" rtl="0" eaLnBrk="1" latinLnBrk="0" hangingPunct="1">
+              <a:lnSpc>
+                <a:spcPct val="90000"/>
+              </a:lnSpc>
+              <a:spcBef>
+                <a:spcPts val="500"/>
+              </a:spcBef>
+              <a:buFont typeface="Arial" panose="020B0604020202020204" pitchFamily="34" charset="0"/>
+              <a:buChar char="•"/>
+              <a:defRPr sz="1800" kern="1200">
+                <a:solidFill>
+                  <a:schemeClr val="tx1"/>
+                </a:solidFill>
+                <a:latin typeface="+mn-lt"/>
+                <a:ea typeface="+mn-ea"/>
+                <a:cs typeface="+mn-cs"/>
+              </a:defRPr>
+            </a:lvl7pPr>
+            <a:lvl8pPr marL="3429000" indent="-228600" algn="l" defTabSz="914400" rtl="0" eaLnBrk="1" latinLnBrk="0" hangingPunct="1">
+              <a:lnSpc>
+                <a:spcPct val="90000"/>
+              </a:lnSpc>
+              <a:spcBef>
+                <a:spcPts val="500"/>
+              </a:spcBef>
+              <a:buFont typeface="Arial" panose="020B0604020202020204" pitchFamily="34" charset="0"/>
+              <a:buChar char="•"/>
+              <a:defRPr sz="1800" kern="1200">
+                <a:solidFill>
+                  <a:schemeClr val="tx1"/>
+                </a:solidFill>
+                <a:latin typeface="+mn-lt"/>
+                <a:ea typeface="+mn-ea"/>
+                <a:cs typeface="+mn-cs"/>
+              </a:defRPr>
+            </a:lvl8pPr>
+            <a:lvl9pPr marL="3886200" indent="-228600" algn="l" defTabSz="914400" rtl="0" eaLnBrk="1" latinLnBrk="0" hangingPunct="1">
+              <a:lnSpc>
+                <a:spcPct val="90000"/>
+              </a:lnSpc>
+              <a:spcBef>
+                <a:spcPts val="500"/>
+              </a:spcBef>
+              <a:buFont typeface="Arial" panose="020B0604020202020204" pitchFamily="34" charset="0"/>
+              <a:buChar char="•"/>
+              <a:defRPr sz="1800" kern="1200">
+                <a:solidFill>
+                  <a:schemeClr val="tx1"/>
+                </a:solidFill>
+                <a:latin typeface="+mn-lt"/>
+                <a:ea typeface="+mn-ea"/>
+                <a:cs typeface="+mn-cs"/>
+              </a:defRPr>
+            </a:lvl9pPr>
+          </a:lstStyle>
+          <a:p>
+            <a:r>
+              <a:rPr lang="en-US"/>
               <a:t>Extend your program by asking for your age.</a:t>
             </a:r>
           </a:p>
           <a:p>
             <a:r>
-              <a:rPr lang="en-US" dirty="0"/>
+              <a:rPr lang="en-US"/>
               <a:t>Use the while loop to do this until you get your age right.</a:t>
             </a:r>
           </a:p>
           <a:p>
-            <a:endParaRPr lang="en-US" dirty="0"/>
+            <a:endParaRPr lang="en-US"/>
           </a:p>
           <a:p>
             <a:endParaRPr lang="en-US" dirty="0"/>
@@ -6152,7 +7024,7 @@
     </p:spTree>
     <p:extLst>
       <p:ext uri="{BB962C8B-B14F-4D97-AF65-F5344CB8AC3E}">
-        <p14:creationId xmlns:p14="http://schemas.microsoft.com/office/powerpoint/2010/main" val="1595342158"/>
+        <p14:creationId xmlns:p14="http://schemas.microsoft.com/office/powerpoint/2010/main" val="3067227822"/>
       </p:ext>
     </p:extLst>
   </p:cSld>
@@ -6181,10 +7053,10 @@
       </p:grpSpPr>
       <p:sp>
         <p:nvSpPr>
-          <p:cNvPr id="2" name="Titel 1">
-            <a:extLst>
-              <a:ext uri="{FF2B5EF4-FFF2-40B4-BE49-F238E27FC236}">
-                <a16:creationId xmlns:a16="http://schemas.microsoft.com/office/drawing/2014/main" id="{CDA2D6E9-ED92-4A35-ABD6-A2E20EA848D2}"/>
+          <p:cNvPr id="4" name="Titel 1">
+            <a:extLst>
+              <a:ext uri="{FF2B5EF4-FFF2-40B4-BE49-F238E27FC236}">
+                <a16:creationId xmlns:a16="http://schemas.microsoft.com/office/drawing/2014/main" id="{295B7B97-DC4A-4605-A7E9-13CBBA8D5726}"/>
               </a:ext>
             </a:extLst>
           </p:cNvPr>
@@ -6214,43 +7086,202 @@
       </p:sp>
       <p:sp>
         <p:nvSpPr>
-          <p:cNvPr id="3" name="Tijdelijke aanduiding voor inhoud 2">
-            <a:extLst>
-              <a:ext uri="{FF2B5EF4-FFF2-40B4-BE49-F238E27FC236}">
-                <a16:creationId xmlns:a16="http://schemas.microsoft.com/office/drawing/2014/main" id="{9CE65676-DCAC-4C33-B995-EF3941DBD937}"/>
-              </a:ext>
-            </a:extLst>
-          </p:cNvPr>
-          <p:cNvSpPr>
-            <a:spLocks noGrp="1"/>
-          </p:cNvSpPr>
-          <p:nvPr>
-            <p:ph idx="1"/>
-          </p:nvPr>
+          <p:cNvPr id="5" name="Tijdelijke aanduiding voor inhoud 2">
+            <a:extLst>
+              <a:ext uri="{FF2B5EF4-FFF2-40B4-BE49-F238E27FC236}">
+                <a16:creationId xmlns:a16="http://schemas.microsoft.com/office/drawing/2014/main" id="{5CFDA8BC-6B7B-476C-B392-E355AFB8A2CD}"/>
+              </a:ext>
+            </a:extLst>
+          </p:cNvPr>
+          <p:cNvSpPr txBox="1">
+            <a:spLocks/>
+          </p:cNvSpPr>
+          <p:nvPr/>
         </p:nvSpPr>
         <p:spPr>
           <a:xfrm>
             <a:off x="838200" y="1825625"/>
             <a:ext cx="10515600" cy="4351338"/>
           </a:xfrm>
+          <a:prstGeom prst="rect">
+            <a:avLst/>
+          </a:prstGeom>
         </p:spPr>
         <p:txBody>
           <a:bodyPr/>
-          <a:lstStyle/>
-          <a:p>
-            <a:r>
-              <a:rPr lang="en-US" dirty="0"/>
-              <a:t>Installed </a:t>
-            </a:r>
-            <a:r>
-              <a:rPr lang="en-US" dirty="0" err="1"/>
-              <a:t>Thonny</a:t>
-            </a:r>
-            <a:endParaRPr lang="en-US" dirty="0"/>
-          </a:p>
-          <a:p>
-            <a:r>
-              <a:rPr lang="en-US" dirty="0">
+          <a:lstStyle>
+            <a:lvl1pPr marL="228600" indent="-228600" algn="l" defTabSz="914400" rtl="0" eaLnBrk="1" latinLnBrk="0" hangingPunct="1">
+              <a:lnSpc>
+                <a:spcPct val="90000"/>
+              </a:lnSpc>
+              <a:spcBef>
+                <a:spcPts val="1000"/>
+              </a:spcBef>
+              <a:buFont typeface="Arial" panose="020B0604020202020204" pitchFamily="34" charset="0"/>
+              <a:buChar char="•"/>
+              <a:defRPr sz="2800" kern="1200">
+                <a:solidFill>
+                  <a:schemeClr val="tx1"/>
+                </a:solidFill>
+                <a:latin typeface="+mn-lt"/>
+                <a:ea typeface="+mn-ea"/>
+                <a:cs typeface="+mn-cs"/>
+              </a:defRPr>
+            </a:lvl1pPr>
+            <a:lvl2pPr marL="685800" indent="-228600" algn="l" defTabSz="914400" rtl="0" eaLnBrk="1" latinLnBrk="0" hangingPunct="1">
+              <a:lnSpc>
+                <a:spcPct val="90000"/>
+              </a:lnSpc>
+              <a:spcBef>
+                <a:spcPts val="500"/>
+              </a:spcBef>
+              <a:buFont typeface="Arial" panose="020B0604020202020204" pitchFamily="34" charset="0"/>
+              <a:buChar char="•"/>
+              <a:defRPr sz="2400" kern="1200">
+                <a:solidFill>
+                  <a:schemeClr val="tx1"/>
+                </a:solidFill>
+                <a:latin typeface="+mn-lt"/>
+                <a:ea typeface="+mn-ea"/>
+                <a:cs typeface="+mn-cs"/>
+              </a:defRPr>
+            </a:lvl2pPr>
+            <a:lvl3pPr marL="1143000" indent="-228600" algn="l" defTabSz="914400" rtl="0" eaLnBrk="1" latinLnBrk="0" hangingPunct="1">
+              <a:lnSpc>
+                <a:spcPct val="90000"/>
+              </a:lnSpc>
+              <a:spcBef>
+                <a:spcPts val="500"/>
+              </a:spcBef>
+              <a:buFont typeface="Arial" panose="020B0604020202020204" pitchFamily="34" charset="0"/>
+              <a:buChar char="•"/>
+              <a:defRPr sz="2000" kern="1200">
+                <a:solidFill>
+                  <a:schemeClr val="tx1"/>
+                </a:solidFill>
+                <a:latin typeface="+mn-lt"/>
+                <a:ea typeface="+mn-ea"/>
+                <a:cs typeface="+mn-cs"/>
+              </a:defRPr>
+            </a:lvl3pPr>
+            <a:lvl4pPr marL="1600200" indent="-228600" algn="l" defTabSz="914400" rtl="0" eaLnBrk="1" latinLnBrk="0" hangingPunct="1">
+              <a:lnSpc>
+                <a:spcPct val="90000"/>
+              </a:lnSpc>
+              <a:spcBef>
+                <a:spcPts val="500"/>
+              </a:spcBef>
+              <a:buFont typeface="Arial" panose="020B0604020202020204" pitchFamily="34" charset="0"/>
+              <a:buChar char="•"/>
+              <a:defRPr sz="1800" kern="1200">
+                <a:solidFill>
+                  <a:schemeClr val="tx1"/>
+                </a:solidFill>
+                <a:latin typeface="+mn-lt"/>
+                <a:ea typeface="+mn-ea"/>
+                <a:cs typeface="+mn-cs"/>
+              </a:defRPr>
+            </a:lvl4pPr>
+            <a:lvl5pPr marL="2057400" indent="-228600" algn="l" defTabSz="914400" rtl="0" eaLnBrk="1" latinLnBrk="0" hangingPunct="1">
+              <a:lnSpc>
+                <a:spcPct val="90000"/>
+              </a:lnSpc>
+              <a:spcBef>
+                <a:spcPts val="500"/>
+              </a:spcBef>
+              <a:buFont typeface="Arial" panose="020B0604020202020204" pitchFamily="34" charset="0"/>
+              <a:buChar char="•"/>
+              <a:defRPr sz="1800" kern="1200">
+                <a:solidFill>
+                  <a:schemeClr val="tx1"/>
+                </a:solidFill>
+                <a:latin typeface="+mn-lt"/>
+                <a:ea typeface="+mn-ea"/>
+                <a:cs typeface="+mn-cs"/>
+              </a:defRPr>
+            </a:lvl5pPr>
+            <a:lvl6pPr marL="2514600" indent="-228600" algn="l" defTabSz="914400" rtl="0" eaLnBrk="1" latinLnBrk="0" hangingPunct="1">
+              <a:lnSpc>
+                <a:spcPct val="90000"/>
+              </a:lnSpc>
+              <a:spcBef>
+                <a:spcPts val="500"/>
+              </a:spcBef>
+              <a:buFont typeface="Arial" panose="020B0604020202020204" pitchFamily="34" charset="0"/>
+              <a:buChar char="•"/>
+              <a:defRPr sz="1800" kern="1200">
+                <a:solidFill>
+                  <a:schemeClr val="tx1"/>
+                </a:solidFill>
+                <a:latin typeface="+mn-lt"/>
+                <a:ea typeface="+mn-ea"/>
+                <a:cs typeface="+mn-cs"/>
+              </a:defRPr>
+            </a:lvl6pPr>
+            <a:lvl7pPr marL="2971800" indent="-228600" algn="l" defTabSz="914400" rtl="0" eaLnBrk="1" latinLnBrk="0" hangingPunct="1">
+              <a:lnSpc>
+                <a:spcPct val="90000"/>
+              </a:lnSpc>
+              <a:spcBef>
+                <a:spcPts val="500"/>
+              </a:spcBef>
+              <a:buFont typeface="Arial" panose="020B0604020202020204" pitchFamily="34" charset="0"/>
+              <a:buChar char="•"/>
+              <a:defRPr sz="1800" kern="1200">
+                <a:solidFill>
+                  <a:schemeClr val="tx1"/>
+                </a:solidFill>
+                <a:latin typeface="+mn-lt"/>
+                <a:ea typeface="+mn-ea"/>
+                <a:cs typeface="+mn-cs"/>
+              </a:defRPr>
+            </a:lvl7pPr>
+            <a:lvl8pPr marL="3429000" indent="-228600" algn="l" defTabSz="914400" rtl="0" eaLnBrk="1" latinLnBrk="0" hangingPunct="1">
+              <a:lnSpc>
+                <a:spcPct val="90000"/>
+              </a:lnSpc>
+              <a:spcBef>
+                <a:spcPts val="500"/>
+              </a:spcBef>
+              <a:buFont typeface="Arial" panose="020B0604020202020204" pitchFamily="34" charset="0"/>
+              <a:buChar char="•"/>
+              <a:defRPr sz="1800" kern="1200">
+                <a:solidFill>
+                  <a:schemeClr val="tx1"/>
+                </a:solidFill>
+                <a:latin typeface="+mn-lt"/>
+                <a:ea typeface="+mn-ea"/>
+                <a:cs typeface="+mn-cs"/>
+              </a:defRPr>
+            </a:lvl8pPr>
+            <a:lvl9pPr marL="3886200" indent="-228600" algn="l" defTabSz="914400" rtl="0" eaLnBrk="1" latinLnBrk="0" hangingPunct="1">
+              <a:lnSpc>
+                <a:spcPct val="90000"/>
+              </a:lnSpc>
+              <a:spcBef>
+                <a:spcPts val="500"/>
+              </a:spcBef>
+              <a:buFont typeface="Arial" panose="020B0604020202020204" pitchFamily="34" charset="0"/>
+              <a:buChar char="•"/>
+              <a:defRPr sz="1800" kern="1200">
+                <a:solidFill>
+                  <a:schemeClr val="tx1"/>
+                </a:solidFill>
+                <a:latin typeface="+mn-lt"/>
+                <a:ea typeface="+mn-ea"/>
+                <a:cs typeface="+mn-cs"/>
+              </a:defRPr>
+            </a:lvl9pPr>
+          </a:lstStyle>
+          <a:p>
+            <a:r>
+              <a:rPr lang="en-US"/>
+              <a:t>Installed Thonny</a:t>
+            </a:r>
+          </a:p>
+          <a:p>
+            <a:r>
+              <a:rPr lang="en-US">
                 <a:solidFill>
                   <a:srgbClr val="800080"/>
                 </a:solidFill>
@@ -6258,20 +7289,20 @@
               <a:t>print</a:t>
             </a:r>
             <a:r>
-              <a:rPr lang="en-US" dirty="0"/>
+              <a:rPr lang="en-US"/>
               <a:t>(“Hello world”)</a:t>
             </a:r>
           </a:p>
           <a:p>
             <a:r>
-              <a:rPr lang="en-US" dirty="0"/>
+              <a:rPr lang="en-US"/>
               <a:t>Variables </a:t>
             </a:r>
           </a:p>
           <a:p>
             <a:pPr lvl="1"/>
             <a:r>
-              <a:rPr lang="en-US" dirty="0">
+              <a:rPr lang="en-US">
                 <a:solidFill>
                   <a:schemeClr val="bg2">
                     <a:lumMod val="50000"/>
@@ -6281,14 +7312,14 @@
               <a:t>variable</a:t>
             </a:r>
             <a:r>
-              <a:rPr lang="en-US" dirty="0"/>
+              <a:rPr lang="en-US"/>
               <a:t> = “hello world”</a:t>
             </a:r>
           </a:p>
           <a:p>
             <a:pPr lvl="1"/>
             <a:r>
-              <a:rPr lang="en-US" dirty="0">
+              <a:rPr lang="en-US">
                 <a:solidFill>
                   <a:srgbClr val="7030A0"/>
                 </a:solidFill>
@@ -6296,11 +7327,11 @@
               <a:t>print</a:t>
             </a:r>
             <a:r>
-              <a:rPr lang="en-US" dirty="0"/>
+              <a:rPr lang="en-US"/>
               <a:t>(</a:t>
             </a:r>
             <a:r>
-              <a:rPr lang="en-US" dirty="0">
+              <a:rPr lang="en-US">
                 <a:solidFill>
                   <a:schemeClr val="bg2">
                     <a:lumMod val="50000"/>
@@ -6310,13 +7341,13 @@
               <a:t>variable</a:t>
             </a:r>
             <a:r>
-              <a:rPr lang="en-US" dirty="0"/>
+              <a:rPr lang="en-US"/>
               <a:t>)</a:t>
             </a:r>
           </a:p>
           <a:p>
             <a:r>
-              <a:rPr lang="en-US" dirty="0">
+              <a:rPr lang="en-US">
                 <a:solidFill>
                   <a:srgbClr val="7030A0"/>
                 </a:solidFill>
@@ -6324,13 +7355,13 @@
               <a:t>input</a:t>
             </a:r>
             <a:r>
-              <a:rPr lang="en-US" dirty="0"/>
+              <a:rPr lang="en-US"/>
               <a:t>(“Enter something: ”)</a:t>
             </a:r>
           </a:p>
           <a:p>
             <a:r>
-              <a:rPr lang="en-US" dirty="0">
+              <a:rPr lang="en-US">
                 <a:solidFill>
                   <a:srgbClr val="7030A0"/>
                 </a:solidFill>
@@ -6338,11 +7369,11 @@
               <a:t>if</a:t>
             </a:r>
             <a:r>
-              <a:rPr lang="en-US" dirty="0"/>
+              <a:rPr lang="en-US"/>
               <a:t> &amp; </a:t>
             </a:r>
             <a:r>
-              <a:rPr lang="en-US" dirty="0">
+              <a:rPr lang="en-US">
                 <a:solidFill>
                   <a:srgbClr val="7030A0"/>
                 </a:solidFill>
@@ -6350,7 +7381,7 @@
               <a:t>else</a:t>
             </a:r>
             <a:r>
-              <a:rPr lang="en-US" dirty="0">
+              <a:rPr lang="en-US">
                 <a:solidFill>
                   <a:srgbClr val="800080"/>
                 </a:solidFill>
@@ -6358,10 +7389,10 @@
               <a:t> </a:t>
             </a:r>
             <a:r>
-              <a:rPr lang="en-US" dirty="0"/>
+              <a:rPr lang="en-US"/>
               <a:t>statement</a:t>
             </a:r>
-            <a:endParaRPr lang="en-US" dirty="0">
+            <a:endParaRPr lang="en-US">
               <a:solidFill>
                 <a:srgbClr val="800080"/>
               </a:solidFill>
@@ -6369,7 +7400,7 @@
           </a:p>
           <a:p>
             <a:r>
-              <a:rPr lang="en-US" dirty="0">
+              <a:rPr lang="en-US">
                 <a:solidFill>
                   <a:srgbClr val="7030A0"/>
                 </a:solidFill>
@@ -6377,13 +7408,13 @@
               <a:t>while</a:t>
             </a:r>
             <a:r>
-              <a:rPr lang="en-US" dirty="0"/>
+              <a:rPr lang="en-US"/>
               <a:t>() loop</a:t>
             </a:r>
           </a:p>
           <a:p>
             <a:r>
-              <a:rPr lang="en-US" dirty="0">
+              <a:rPr lang="en-US">
                 <a:solidFill>
                   <a:srgbClr val="7030A0"/>
                 </a:solidFill>
@@ -6391,11 +7422,11 @@
               <a:t>int</a:t>
             </a:r>
             <a:r>
-              <a:rPr lang="en-US" dirty="0"/>
+              <a:rPr lang="en-US"/>
               <a:t>(</a:t>
             </a:r>
             <a:r>
-              <a:rPr lang="en-US" dirty="0">
+              <a:rPr lang="en-US">
                 <a:solidFill>
                   <a:srgbClr val="7030A0"/>
                 </a:solidFill>
@@ -6403,9 +7434,10 @@
               <a:t>input</a:t>
             </a:r>
             <a:r>
-              <a:rPr lang="en-US" dirty="0"/>
+              <a:rPr lang="en-US"/>
               <a:t>())</a:t>
             </a:r>
+            <a:endParaRPr lang="en-US" dirty="0"/>
           </a:p>
         </p:txBody>
       </p:sp>
@@ -6414,7 +7446,7 @@
           <p:cNvPr id="6" name="Picture 2" descr="Afbeeldingsresultaat voor python programming">
             <a:extLst>
               <a:ext uri="{FF2B5EF4-FFF2-40B4-BE49-F238E27FC236}">
-                <a16:creationId xmlns:a16="http://schemas.microsoft.com/office/drawing/2014/main" id="{CE2F0853-D1CA-4A75-A94A-D1BFAA03BCD0}"/>
+                <a16:creationId xmlns:a16="http://schemas.microsoft.com/office/drawing/2014/main" id="{2C771C5C-5CCA-4814-A30F-99515E9EC9FF}"/>
               </a:ext>
             </a:extLst>
           </p:cNvPr>
@@ -6424,7 +7456,7 @@
           <p:nvPr/>
         </p:nvPicPr>
         <p:blipFill>
-          <a:blip r:embed="rId3">
+          <a:blip r:embed="rId2">
             <a:extLst>
               <a:ext uri="{28A0092B-C50C-407E-A947-70E740481C1C}">
                 <a14:useLocalDpi xmlns:a14="http://schemas.microsoft.com/office/drawing/2010/main" val="0"/>
@@ -6438,7 +7470,7 @@
         </p:blipFill>
         <p:spPr bwMode="auto">
           <a:xfrm>
-            <a:off x="7186246" y="926123"/>
+            <a:off x="6348046" y="681037"/>
             <a:ext cx="5005754" cy="5005754"/>
           </a:xfrm>
           <a:prstGeom prst="rect">
@@ -6459,7 +7491,7 @@
     </p:spTree>
     <p:extLst>
       <p:ext uri="{BB962C8B-B14F-4D97-AF65-F5344CB8AC3E}">
-        <p14:creationId xmlns:p14="http://schemas.microsoft.com/office/powerpoint/2010/main" val="1097409572"/>
+        <p14:creationId xmlns:p14="http://schemas.microsoft.com/office/powerpoint/2010/main" val="1740406353"/>
       </p:ext>
     </p:extLst>
   </p:cSld>
@@ -6488,29 +7520,50 @@
       </p:grpSpPr>
       <p:sp>
         <p:nvSpPr>
-          <p:cNvPr id="2" name="Titel 1">
-            <a:extLst>
-              <a:ext uri="{FF2B5EF4-FFF2-40B4-BE49-F238E27FC236}">
-                <a16:creationId xmlns:a16="http://schemas.microsoft.com/office/drawing/2014/main" id="{9E6D87DA-5E09-4223-9E4F-EB11689713D5}"/>
-              </a:ext>
-            </a:extLst>
-          </p:cNvPr>
-          <p:cNvSpPr>
-            <a:spLocks noGrp="1"/>
-          </p:cNvSpPr>
-          <p:nvPr>
-            <p:ph type="title"/>
-          </p:nvPr>
+          <p:cNvPr id="4" name="Titel 1">
+            <a:extLst>
+              <a:ext uri="{FF2B5EF4-FFF2-40B4-BE49-F238E27FC236}">
+                <a16:creationId xmlns:a16="http://schemas.microsoft.com/office/drawing/2014/main" id="{5611992C-8CA8-42F1-AD2F-94E50F084BEF}"/>
+              </a:ext>
+            </a:extLst>
+          </p:cNvPr>
+          <p:cNvSpPr txBox="1">
+            <a:spLocks/>
+          </p:cNvSpPr>
+          <p:nvPr/>
         </p:nvSpPr>
         <p:spPr>
           <a:xfrm>
             <a:off x="838200" y="365125"/>
             <a:ext cx="10515600" cy="1325563"/>
           </a:xfrm>
-        </p:spPr>
-        <p:txBody>
-          <a:bodyPr/>
-          <a:lstStyle/>
+          <a:prstGeom prst="rect">
+            <a:avLst/>
+          </a:prstGeom>
+        </p:spPr>
+        <p:txBody>
+          <a:bodyPr vert="horz" lIns="91440" tIns="45720" rIns="91440" bIns="45720" rtlCol="0" anchor="ctr">
+            <a:normAutofit/>
+          </a:bodyPr>
+          <a:lstStyle>
+            <a:lvl1pPr algn="l" defTabSz="914400" rtl="0" eaLnBrk="1" latinLnBrk="0" hangingPunct="1">
+              <a:lnSpc>
+                <a:spcPct val="90000"/>
+              </a:lnSpc>
+              <a:spcBef>
+                <a:spcPct val="0"/>
+              </a:spcBef>
+              <a:buNone/>
+              <a:defRPr sz="4400" kern="1200" baseline="0">
+                <a:solidFill>
+                  <a:schemeClr val="tx1"/>
+                </a:solidFill>
+                <a:latin typeface="Arial" panose="020B0604020202020204" pitchFamily="34" charset="0"/>
+                <a:ea typeface="+mj-ea"/>
+                <a:cs typeface="Arial" panose="020B0604020202020204" pitchFamily="34" charset="0"/>
+              </a:defRPr>
+            </a:lvl1pPr>
+          </a:lstStyle>
           <a:p>
             <a:r>
               <a:rPr lang="en-US" dirty="0"/>
@@ -6521,10 +7574,10 @@
       </p:sp>
       <p:pic>
         <p:nvPicPr>
-          <p:cNvPr id="4" name="Afbeelding 3">
-            <a:extLst>
-              <a:ext uri="{FF2B5EF4-FFF2-40B4-BE49-F238E27FC236}">
-                <a16:creationId xmlns:a16="http://schemas.microsoft.com/office/drawing/2014/main" id="{0C9D3EF3-A79C-438A-A9AA-AAEF5972D37C}"/>
+          <p:cNvPr id="5" name="Afbeelding 4">
+            <a:extLst>
+              <a:ext uri="{FF2B5EF4-FFF2-40B4-BE49-F238E27FC236}">
+                <a16:creationId xmlns:a16="http://schemas.microsoft.com/office/drawing/2014/main" id="{A519F776-5499-4A93-AEBE-8E13A4EAE095}"/>
               </a:ext>
             </a:extLst>
           </p:cNvPr>
@@ -6551,10 +7604,10 @@
       </p:pic>
       <p:sp>
         <p:nvSpPr>
-          <p:cNvPr id="7" name="Tekstvak 6">
-            <a:extLst>
-              <a:ext uri="{FF2B5EF4-FFF2-40B4-BE49-F238E27FC236}">
-                <a16:creationId xmlns:a16="http://schemas.microsoft.com/office/drawing/2014/main" id="{A44FEE77-026C-4C24-B7F3-A120ECE4E804}"/>
+          <p:cNvPr id="6" name="Tekstvak 5">
+            <a:extLst>
+              <a:ext uri="{FF2B5EF4-FFF2-40B4-BE49-F238E27FC236}">
+                <a16:creationId xmlns:a16="http://schemas.microsoft.com/office/drawing/2014/main" id="{E664EE3A-0AE0-4C3B-838B-D5176635A010}"/>
               </a:ext>
             </a:extLst>
           </p:cNvPr>
@@ -6587,7 +7640,7 @@
     </p:spTree>
     <p:extLst>
       <p:ext uri="{BB962C8B-B14F-4D97-AF65-F5344CB8AC3E}">
-        <p14:creationId xmlns:p14="http://schemas.microsoft.com/office/powerpoint/2010/main" val="2101131787"/>
+        <p14:creationId xmlns:p14="http://schemas.microsoft.com/office/powerpoint/2010/main" val="1762368458"/>
       </p:ext>
     </p:extLst>
   </p:cSld>
@@ -6616,43 +7669,65 @@
       </p:grpSpPr>
       <p:sp>
         <p:nvSpPr>
-          <p:cNvPr id="2" name="Titel 1">
-            <a:extLst>
-              <a:ext uri="{FF2B5EF4-FFF2-40B4-BE49-F238E27FC236}">
-                <a16:creationId xmlns:a16="http://schemas.microsoft.com/office/drawing/2014/main" id="{2410153E-C6E9-4C70-87AC-B8FCB92D13D2}"/>
-              </a:ext>
-            </a:extLst>
-          </p:cNvPr>
-          <p:cNvSpPr>
-            <a:spLocks noGrp="1"/>
-          </p:cNvSpPr>
-          <p:nvPr>
-            <p:ph type="title"/>
-          </p:nvPr>
+          <p:cNvPr id="4" name="Titel 1">
+            <a:extLst>
+              <a:ext uri="{FF2B5EF4-FFF2-40B4-BE49-F238E27FC236}">
+                <a16:creationId xmlns:a16="http://schemas.microsoft.com/office/drawing/2014/main" id="{7C2A9562-D19C-454E-9385-841A36EFC590}"/>
+              </a:ext>
+            </a:extLst>
+          </p:cNvPr>
+          <p:cNvSpPr txBox="1">
+            <a:spLocks/>
+          </p:cNvSpPr>
+          <p:nvPr/>
         </p:nvSpPr>
         <p:spPr>
           <a:xfrm>
             <a:off x="838200" y="365125"/>
             <a:ext cx="10515600" cy="1325563"/>
           </a:xfrm>
-        </p:spPr>
-        <p:txBody>
-          <a:bodyPr/>
-          <a:lstStyle/>
-          <a:p>
-            <a:r>
-              <a:rPr lang="en-US" dirty="0"/>
+          <a:prstGeom prst="rect">
+            <a:avLst/>
+          </a:prstGeom>
+        </p:spPr>
+        <p:txBody>
+          <a:bodyPr vert="horz" lIns="91440" tIns="45720" rIns="91440" bIns="45720" rtlCol="0" anchor="ctr">
+            <a:normAutofit/>
+          </a:bodyPr>
+          <a:lstStyle>
+            <a:lvl1pPr algn="l" defTabSz="914400" rtl="0" eaLnBrk="1" latinLnBrk="0" hangingPunct="1">
+              <a:lnSpc>
+                <a:spcPct val="90000"/>
+              </a:lnSpc>
+              <a:spcBef>
+                <a:spcPct val="0"/>
+              </a:spcBef>
+              <a:buNone/>
+              <a:defRPr sz="4400" kern="1200" baseline="0">
+                <a:solidFill>
+                  <a:schemeClr val="tx1"/>
+                </a:solidFill>
+                <a:latin typeface="Arial" panose="020B0604020202020204" pitchFamily="34" charset="0"/>
+                <a:ea typeface="+mj-ea"/>
+                <a:cs typeface="Arial" panose="020B0604020202020204" pitchFamily="34" charset="0"/>
+              </a:defRPr>
+            </a:lvl1pPr>
+          </a:lstStyle>
+          <a:p>
+            <a:r>
+              <a:rPr lang="en-US"/>
               <a:t>Example</a:t>
             </a:r>
+            <a:endParaRPr lang="en-US" dirty="0"/>
           </a:p>
         </p:txBody>
       </p:sp>
       <p:pic>
         <p:nvPicPr>
-          <p:cNvPr id="4" name="Afbeelding 3">
-            <a:extLst>
-              <a:ext uri="{FF2B5EF4-FFF2-40B4-BE49-F238E27FC236}">
-                <a16:creationId xmlns:a16="http://schemas.microsoft.com/office/drawing/2014/main" id="{70AC1664-424C-468C-8232-252810EA3099}"/>
+          <p:cNvPr id="5" name="Afbeelding 4">
+            <a:extLst>
+              <a:ext uri="{FF2B5EF4-FFF2-40B4-BE49-F238E27FC236}">
+                <a16:creationId xmlns:a16="http://schemas.microsoft.com/office/drawing/2014/main" id="{13078545-0314-4B9F-8BF7-20D5C4391378}"/>
               </a:ext>
             </a:extLst>
           </p:cNvPr>
@@ -6669,8 +7744,8 @@
         </p:blipFill>
         <p:spPr>
           <a:xfrm>
-            <a:off x="3226552" y="3429000"/>
-            <a:ext cx="5895975" cy="2857500"/>
+            <a:off x="4105275" y="2352935"/>
+            <a:ext cx="3981450" cy="561975"/>
           </a:xfrm>
           <a:prstGeom prst="rect">
             <a:avLst/>
@@ -6679,10 +7754,10 @@
       </p:pic>
       <p:pic>
         <p:nvPicPr>
-          <p:cNvPr id="5" name="Afbeelding 4">
-            <a:extLst>
-              <a:ext uri="{FF2B5EF4-FFF2-40B4-BE49-F238E27FC236}">
-                <a16:creationId xmlns:a16="http://schemas.microsoft.com/office/drawing/2014/main" id="{77B7E901-7C54-41B3-9C00-DCE9D4F00842}"/>
+          <p:cNvPr id="6" name="Afbeelding 5">
+            <a:extLst>
+              <a:ext uri="{FF2B5EF4-FFF2-40B4-BE49-F238E27FC236}">
+                <a16:creationId xmlns:a16="http://schemas.microsoft.com/office/drawing/2014/main" id="{ECC60AB3-142F-484F-A685-060B4D39259D}"/>
               </a:ext>
             </a:extLst>
           </p:cNvPr>
@@ -6699,8 +7774,8 @@
         </p:blipFill>
         <p:spPr>
           <a:xfrm>
-            <a:off x="4105275" y="2352935"/>
-            <a:ext cx="3981450" cy="561975"/>
+            <a:off x="3226552" y="3429000"/>
+            <a:ext cx="5895975" cy="2857500"/>
           </a:xfrm>
           <a:prstGeom prst="rect">
             <a:avLst/>
@@ -6710,7 +7785,7 @@
     </p:spTree>
     <p:extLst>
       <p:ext uri="{BB962C8B-B14F-4D97-AF65-F5344CB8AC3E}">
-        <p14:creationId xmlns:p14="http://schemas.microsoft.com/office/powerpoint/2010/main" val="1963755873"/>
+        <p14:creationId xmlns:p14="http://schemas.microsoft.com/office/powerpoint/2010/main" val="1987558453"/>
       </p:ext>
     </p:extLst>
   </p:cSld>
@@ -6739,38 +7814,65 @@
       </p:grpSpPr>
       <p:sp>
         <p:nvSpPr>
-          <p:cNvPr id="2" name="Titel 1">
-            <a:extLst>
-              <a:ext uri="{FF2B5EF4-FFF2-40B4-BE49-F238E27FC236}">
-                <a16:creationId xmlns:a16="http://schemas.microsoft.com/office/drawing/2014/main" id="{40CBCD86-4FA8-4FE7-BA88-410823E66396}"/>
-              </a:ext>
-            </a:extLst>
-          </p:cNvPr>
-          <p:cNvSpPr>
-            <a:spLocks noGrp="1"/>
-          </p:cNvSpPr>
-          <p:nvPr>
-            <p:ph type="title"/>
-          </p:nvPr>
-        </p:nvSpPr>
-        <p:spPr/>
-        <p:txBody>
-          <a:bodyPr/>
-          <a:lstStyle/>
-          <a:p>
-            <a:r>
-              <a:rPr lang="en-US" dirty="0"/>
+          <p:cNvPr id="4" name="Titel 1">
+            <a:extLst>
+              <a:ext uri="{FF2B5EF4-FFF2-40B4-BE49-F238E27FC236}">
+                <a16:creationId xmlns:a16="http://schemas.microsoft.com/office/drawing/2014/main" id="{21EAABD3-DE9E-4D6D-9769-6FE41BAA1990}"/>
+              </a:ext>
+            </a:extLst>
+          </p:cNvPr>
+          <p:cNvSpPr txBox="1">
+            <a:spLocks/>
+          </p:cNvSpPr>
+          <p:nvPr/>
+        </p:nvSpPr>
+        <p:spPr>
+          <a:xfrm>
+            <a:off x="838200" y="365125"/>
+            <a:ext cx="10515600" cy="1325563"/>
+          </a:xfrm>
+          <a:prstGeom prst="rect">
+            <a:avLst/>
+          </a:prstGeom>
+        </p:spPr>
+        <p:txBody>
+          <a:bodyPr vert="horz" lIns="91440" tIns="45720" rIns="91440" bIns="45720" rtlCol="0" anchor="ctr">
+            <a:normAutofit/>
+          </a:bodyPr>
+          <a:lstStyle>
+            <a:lvl1pPr algn="l" defTabSz="914400" rtl="0" eaLnBrk="1" latinLnBrk="0" hangingPunct="1">
+              <a:lnSpc>
+                <a:spcPct val="90000"/>
+              </a:lnSpc>
+              <a:spcBef>
+                <a:spcPct val="0"/>
+              </a:spcBef>
+              <a:buNone/>
+              <a:defRPr sz="4400" kern="1200" baseline="0">
+                <a:solidFill>
+                  <a:schemeClr val="tx1"/>
+                </a:solidFill>
+                <a:latin typeface="Arial" panose="020B0604020202020204" pitchFamily="34" charset="0"/>
+                <a:ea typeface="+mj-ea"/>
+                <a:cs typeface="Arial" panose="020B0604020202020204" pitchFamily="34" charset="0"/>
+              </a:defRPr>
+            </a:lvl1pPr>
+          </a:lstStyle>
+          <a:p>
+            <a:r>
+              <a:rPr lang="en-US"/>
               <a:t>Example</a:t>
             </a:r>
+            <a:endParaRPr lang="en-US" dirty="0"/>
           </a:p>
         </p:txBody>
       </p:sp>
       <p:pic>
         <p:nvPicPr>
-          <p:cNvPr id="4" name="Afbeelding 3">
-            <a:extLst>
-              <a:ext uri="{FF2B5EF4-FFF2-40B4-BE49-F238E27FC236}">
-                <a16:creationId xmlns:a16="http://schemas.microsoft.com/office/drawing/2014/main" id="{52E260A1-1119-46A8-86CE-0950CF1B0736}"/>
+          <p:cNvPr id="6" name="Afbeelding 5">
+            <a:extLst>
+              <a:ext uri="{FF2B5EF4-FFF2-40B4-BE49-F238E27FC236}">
+                <a16:creationId xmlns:a16="http://schemas.microsoft.com/office/drawing/2014/main" id="{38A1D5B3-9F52-4373-8538-DD5CF2328F03}"/>
               </a:ext>
             </a:extLst>
           </p:cNvPr>
@@ -6780,7 +7882,7 @@
           <p:nvPr/>
         </p:nvPicPr>
         <p:blipFill>
-          <a:blip r:embed="rId3"/>
+          <a:blip r:embed="rId2"/>
           <a:stretch>
             <a:fillRect/>
           </a:stretch>
@@ -6797,10 +7899,10 @@
       </p:pic>
       <p:sp>
         <p:nvSpPr>
-          <p:cNvPr id="5" name="Tekstvak 4">
-            <a:extLst>
-              <a:ext uri="{FF2B5EF4-FFF2-40B4-BE49-F238E27FC236}">
-                <a16:creationId xmlns:a16="http://schemas.microsoft.com/office/drawing/2014/main" id="{0C80FF22-4CCC-4C29-8A1F-216E0EBCD573}"/>
+          <p:cNvPr id="7" name="Tekstvak 6">
+            <a:extLst>
+              <a:ext uri="{FF2B5EF4-FFF2-40B4-BE49-F238E27FC236}">
+                <a16:creationId xmlns:a16="http://schemas.microsoft.com/office/drawing/2014/main" id="{28932B6A-9305-456C-9CCC-9E7F926CB853}"/>
               </a:ext>
             </a:extLst>
           </p:cNvPr>
@@ -6833,7 +7935,7 @@
     </p:spTree>
     <p:extLst>
       <p:ext uri="{BB962C8B-B14F-4D97-AF65-F5344CB8AC3E}">
-        <p14:creationId xmlns:p14="http://schemas.microsoft.com/office/powerpoint/2010/main" val="2867208150"/>
+        <p14:creationId xmlns:p14="http://schemas.microsoft.com/office/powerpoint/2010/main" val="3203187789"/>
       </p:ext>
     </p:extLst>
   </p:cSld>
@@ -6862,47 +7964,72 @@
       </p:grpSpPr>
       <p:sp>
         <p:nvSpPr>
-          <p:cNvPr id="2" name="Titel 1">
-            <a:extLst>
-              <a:ext uri="{FF2B5EF4-FFF2-40B4-BE49-F238E27FC236}">
-                <a16:creationId xmlns:a16="http://schemas.microsoft.com/office/drawing/2014/main" id="{B45C481B-DC3E-4817-B070-DCD3806574BE}"/>
-              </a:ext>
-            </a:extLst>
-          </p:cNvPr>
-          <p:cNvSpPr>
-            <a:spLocks noGrp="1"/>
-          </p:cNvSpPr>
-          <p:nvPr>
-            <p:ph type="title"/>
-          </p:nvPr>
-        </p:nvSpPr>
-        <p:spPr/>
-        <p:txBody>
-          <a:bodyPr/>
-          <a:lstStyle/>
-          <a:p>
-            <a:r>
-              <a:rPr lang="en-US" dirty="0"/>
+          <p:cNvPr id="4" name="Titel 1">
+            <a:extLst>
+              <a:ext uri="{FF2B5EF4-FFF2-40B4-BE49-F238E27FC236}">
+                <a16:creationId xmlns:a16="http://schemas.microsoft.com/office/drawing/2014/main" id="{F50BF47D-F6BC-409D-8D68-3857707DEB9F}"/>
+              </a:ext>
+            </a:extLst>
+          </p:cNvPr>
+          <p:cNvSpPr txBox="1">
+            <a:spLocks/>
+          </p:cNvSpPr>
+          <p:nvPr/>
+        </p:nvSpPr>
+        <p:spPr>
+          <a:xfrm>
+            <a:off x="838200" y="365125"/>
+            <a:ext cx="10515600" cy="1325563"/>
+          </a:xfrm>
+          <a:prstGeom prst="rect">
+            <a:avLst/>
+          </a:prstGeom>
+        </p:spPr>
+        <p:txBody>
+          <a:bodyPr vert="horz" lIns="91440" tIns="45720" rIns="91440" bIns="45720" rtlCol="0" anchor="ctr">
+            <a:normAutofit/>
+          </a:bodyPr>
+          <a:lstStyle>
+            <a:lvl1pPr algn="l" defTabSz="914400" rtl="0" eaLnBrk="1" latinLnBrk="0" hangingPunct="1">
+              <a:lnSpc>
+                <a:spcPct val="90000"/>
+              </a:lnSpc>
+              <a:spcBef>
+                <a:spcPct val="0"/>
+              </a:spcBef>
+              <a:buNone/>
+              <a:defRPr sz="4400" kern="1200" baseline="0">
+                <a:solidFill>
+                  <a:schemeClr val="tx1"/>
+                </a:solidFill>
+                <a:latin typeface="Arial" panose="020B0604020202020204" pitchFamily="34" charset="0"/>
+                <a:ea typeface="+mj-ea"/>
+                <a:cs typeface="Arial" panose="020B0604020202020204" pitchFamily="34" charset="0"/>
+              </a:defRPr>
+            </a:lvl1pPr>
+          </a:lstStyle>
+          <a:p>
+            <a:r>
+              <a:rPr lang="en-US"/>
               <a:t>Example</a:t>
             </a:r>
+            <a:endParaRPr lang="en-US" dirty="0"/>
           </a:p>
         </p:txBody>
       </p:sp>
       <p:pic>
         <p:nvPicPr>
-          <p:cNvPr id="4" name="Tijdelijke aanduiding voor inhoud 3">
-            <a:extLst>
-              <a:ext uri="{FF2B5EF4-FFF2-40B4-BE49-F238E27FC236}">
-                <a16:creationId xmlns:a16="http://schemas.microsoft.com/office/drawing/2014/main" id="{4C89A7E2-B606-49D0-919A-4EC47B18B0BF}"/>
+          <p:cNvPr id="6" name="Afbeelding 5">
+            <a:extLst>
+              <a:ext uri="{FF2B5EF4-FFF2-40B4-BE49-F238E27FC236}">
+                <a16:creationId xmlns:a16="http://schemas.microsoft.com/office/drawing/2014/main" id="{227EE163-7CE0-49A3-9E49-52325123F8D9}"/>
               </a:ext>
             </a:extLst>
           </p:cNvPr>
           <p:cNvPicPr>
-            <a:picLocks noGrp="1" noChangeAspect="1"/>
+            <a:picLocks noChangeAspect="1"/>
           </p:cNvPicPr>
-          <p:nvPr>
-            <p:ph idx="1"/>
-          </p:nvPr>
+          <p:nvPr/>
         </p:nvPicPr>
         <p:blipFill>
           <a:blip r:embed="rId2"/>
@@ -6912,8 +8039,8 @@
         </p:blipFill>
         <p:spPr>
           <a:xfrm>
-            <a:off x="1995486" y="4465492"/>
-            <a:ext cx="8201025" cy="1143000"/>
+            <a:off x="890587" y="2678421"/>
+            <a:ext cx="10410825" cy="1057275"/>
           </a:xfrm>
           <a:prstGeom prst="rect">
             <a:avLst/>
@@ -6922,10 +8049,10 @@
       </p:pic>
       <p:pic>
         <p:nvPicPr>
-          <p:cNvPr id="5" name="Afbeelding 4">
-            <a:extLst>
-              <a:ext uri="{FF2B5EF4-FFF2-40B4-BE49-F238E27FC236}">
-                <a16:creationId xmlns:a16="http://schemas.microsoft.com/office/drawing/2014/main" id="{75F21BD3-2204-44ED-A6F7-3D2E7609F514}"/>
+          <p:cNvPr id="7" name="Tijdelijke aanduiding voor inhoud 3">
+            <a:extLst>
+              <a:ext uri="{FF2B5EF4-FFF2-40B4-BE49-F238E27FC236}">
+                <a16:creationId xmlns:a16="http://schemas.microsoft.com/office/drawing/2014/main" id="{AC436277-D981-4346-A7F3-A5102C27E7B6}"/>
               </a:ext>
             </a:extLst>
           </p:cNvPr>
@@ -6942,8 +8069,8 @@
         </p:blipFill>
         <p:spPr>
           <a:xfrm>
-            <a:off x="890587" y="2678421"/>
-            <a:ext cx="10410825" cy="1057275"/>
+            <a:off x="1995486" y="4465492"/>
+            <a:ext cx="8201025" cy="1143000"/>
           </a:xfrm>
           <a:prstGeom prst="rect">
             <a:avLst/>
@@ -6953,7 +8080,7 @@
     </p:spTree>
     <p:extLst>
       <p:ext uri="{BB962C8B-B14F-4D97-AF65-F5344CB8AC3E}">
-        <p14:creationId xmlns:p14="http://schemas.microsoft.com/office/powerpoint/2010/main" val="1475562637"/>
+        <p14:creationId xmlns:p14="http://schemas.microsoft.com/office/powerpoint/2010/main" val="1520557897"/>
       </p:ext>
     </p:extLst>
   </p:cSld>
@@ -6982,38 +8109,65 @@
       </p:grpSpPr>
       <p:sp>
         <p:nvSpPr>
-          <p:cNvPr id="2" name="Titel 1">
-            <a:extLst>
-              <a:ext uri="{FF2B5EF4-FFF2-40B4-BE49-F238E27FC236}">
-                <a16:creationId xmlns:a16="http://schemas.microsoft.com/office/drawing/2014/main" id="{5745801B-162A-4101-8FC8-A4EA74E11C02}"/>
-              </a:ext>
-            </a:extLst>
-          </p:cNvPr>
-          <p:cNvSpPr>
-            <a:spLocks noGrp="1"/>
-          </p:cNvSpPr>
-          <p:nvPr>
-            <p:ph type="title"/>
-          </p:nvPr>
-        </p:nvSpPr>
-        <p:spPr/>
-        <p:txBody>
-          <a:bodyPr/>
-          <a:lstStyle/>
-          <a:p>
-            <a:r>
-              <a:rPr lang="en-US" dirty="0"/>
+          <p:cNvPr id="4" name="Titel 1">
+            <a:extLst>
+              <a:ext uri="{FF2B5EF4-FFF2-40B4-BE49-F238E27FC236}">
+                <a16:creationId xmlns:a16="http://schemas.microsoft.com/office/drawing/2014/main" id="{8A7AF996-832D-4041-B165-389D795D9AC8}"/>
+              </a:ext>
+            </a:extLst>
+          </p:cNvPr>
+          <p:cNvSpPr txBox="1">
+            <a:spLocks/>
+          </p:cNvSpPr>
+          <p:nvPr/>
+        </p:nvSpPr>
+        <p:spPr>
+          <a:xfrm>
+            <a:off x="838200" y="365125"/>
+            <a:ext cx="10515600" cy="1325563"/>
+          </a:xfrm>
+          <a:prstGeom prst="rect">
+            <a:avLst/>
+          </a:prstGeom>
+        </p:spPr>
+        <p:txBody>
+          <a:bodyPr vert="horz" lIns="91440" tIns="45720" rIns="91440" bIns="45720" rtlCol="0" anchor="ctr">
+            <a:normAutofit/>
+          </a:bodyPr>
+          <a:lstStyle>
+            <a:lvl1pPr algn="l" defTabSz="914400" rtl="0" eaLnBrk="1" latinLnBrk="0" hangingPunct="1">
+              <a:lnSpc>
+                <a:spcPct val="90000"/>
+              </a:lnSpc>
+              <a:spcBef>
+                <a:spcPct val="0"/>
+              </a:spcBef>
+              <a:buNone/>
+              <a:defRPr sz="4400" kern="1200" baseline="0">
+                <a:solidFill>
+                  <a:schemeClr val="tx1"/>
+                </a:solidFill>
+                <a:latin typeface="Arial" panose="020B0604020202020204" pitchFamily="34" charset="0"/>
+                <a:ea typeface="+mj-ea"/>
+                <a:cs typeface="Arial" panose="020B0604020202020204" pitchFamily="34" charset="0"/>
+              </a:defRPr>
+            </a:lvl1pPr>
+          </a:lstStyle>
+          <a:p>
+            <a:r>
+              <a:rPr lang="en-US"/>
               <a:t>Example</a:t>
             </a:r>
+            <a:endParaRPr lang="en-US" dirty="0"/>
           </a:p>
         </p:txBody>
       </p:sp>
       <p:pic>
         <p:nvPicPr>
-          <p:cNvPr id="4" name="Afbeelding 3">
-            <a:extLst>
-              <a:ext uri="{FF2B5EF4-FFF2-40B4-BE49-F238E27FC236}">
-                <a16:creationId xmlns:a16="http://schemas.microsoft.com/office/drawing/2014/main" id="{0814A854-0166-45DA-83C6-FC5A63B56095}"/>
+          <p:cNvPr id="5" name="Afbeelding 4">
+            <a:extLst>
+              <a:ext uri="{FF2B5EF4-FFF2-40B4-BE49-F238E27FC236}">
+                <a16:creationId xmlns:a16="http://schemas.microsoft.com/office/drawing/2014/main" id="{A52BE57A-D7E3-4466-BCCF-25A7695B7276}"/>
               </a:ext>
             </a:extLst>
           </p:cNvPr>
@@ -7040,10 +8194,10 @@
       </p:pic>
       <p:sp>
         <p:nvSpPr>
-          <p:cNvPr id="5" name="Tekstvak 4">
-            <a:extLst>
-              <a:ext uri="{FF2B5EF4-FFF2-40B4-BE49-F238E27FC236}">
-                <a16:creationId xmlns:a16="http://schemas.microsoft.com/office/drawing/2014/main" id="{6955385B-DD68-4F5B-87B1-4798607FB618}"/>
+          <p:cNvPr id="6" name="Tekstvak 5">
+            <a:extLst>
+              <a:ext uri="{FF2B5EF4-FFF2-40B4-BE49-F238E27FC236}">
+                <a16:creationId xmlns:a16="http://schemas.microsoft.com/office/drawing/2014/main" id="{13E2315B-A616-4484-A527-FDD58D3C2602}"/>
               </a:ext>
             </a:extLst>
           </p:cNvPr>
@@ -7076,7 +8230,7 @@
     </p:spTree>
     <p:extLst>
       <p:ext uri="{BB962C8B-B14F-4D97-AF65-F5344CB8AC3E}">
-        <p14:creationId xmlns:p14="http://schemas.microsoft.com/office/powerpoint/2010/main" val="1245207111"/>
+        <p14:creationId xmlns:p14="http://schemas.microsoft.com/office/powerpoint/2010/main" val="2139081562"/>
       </p:ext>
     </p:extLst>
   </p:cSld>
@@ -7105,38 +8259,65 @@
       </p:grpSpPr>
       <p:sp>
         <p:nvSpPr>
-          <p:cNvPr id="2" name="Titel 1">
-            <a:extLst>
-              <a:ext uri="{FF2B5EF4-FFF2-40B4-BE49-F238E27FC236}">
-                <a16:creationId xmlns:a16="http://schemas.microsoft.com/office/drawing/2014/main" id="{BB81F2EB-922B-49E0-B89C-5BF3D53FAA66}"/>
-              </a:ext>
-            </a:extLst>
-          </p:cNvPr>
-          <p:cNvSpPr>
-            <a:spLocks noGrp="1"/>
-          </p:cNvSpPr>
-          <p:nvPr>
-            <p:ph type="title"/>
-          </p:nvPr>
-        </p:nvSpPr>
-        <p:spPr/>
-        <p:txBody>
-          <a:bodyPr/>
-          <a:lstStyle/>
-          <a:p>
-            <a:r>
-              <a:rPr lang="en-US" dirty="0"/>
+          <p:cNvPr id="4" name="Titel 1">
+            <a:extLst>
+              <a:ext uri="{FF2B5EF4-FFF2-40B4-BE49-F238E27FC236}">
+                <a16:creationId xmlns:a16="http://schemas.microsoft.com/office/drawing/2014/main" id="{49E5D129-E6C2-4573-9B3E-513CD93C273E}"/>
+              </a:ext>
+            </a:extLst>
+          </p:cNvPr>
+          <p:cNvSpPr txBox="1">
+            <a:spLocks/>
+          </p:cNvSpPr>
+          <p:nvPr/>
+        </p:nvSpPr>
+        <p:spPr>
+          <a:xfrm>
+            <a:off x="838200" y="365125"/>
+            <a:ext cx="10515600" cy="1325563"/>
+          </a:xfrm>
+          <a:prstGeom prst="rect">
+            <a:avLst/>
+          </a:prstGeom>
+        </p:spPr>
+        <p:txBody>
+          <a:bodyPr vert="horz" lIns="91440" tIns="45720" rIns="91440" bIns="45720" rtlCol="0" anchor="ctr">
+            <a:normAutofit/>
+          </a:bodyPr>
+          <a:lstStyle>
+            <a:lvl1pPr algn="l" defTabSz="914400" rtl="0" eaLnBrk="1" latinLnBrk="0" hangingPunct="1">
+              <a:lnSpc>
+                <a:spcPct val="90000"/>
+              </a:lnSpc>
+              <a:spcBef>
+                <a:spcPct val="0"/>
+              </a:spcBef>
+              <a:buNone/>
+              <a:defRPr sz="4400" kern="1200" baseline="0">
+                <a:solidFill>
+                  <a:schemeClr val="tx1"/>
+                </a:solidFill>
+                <a:latin typeface="Arial" panose="020B0604020202020204" pitchFamily="34" charset="0"/>
+                <a:ea typeface="+mj-ea"/>
+                <a:cs typeface="Arial" panose="020B0604020202020204" pitchFamily="34" charset="0"/>
+              </a:defRPr>
+            </a:lvl1pPr>
+          </a:lstStyle>
+          <a:p>
+            <a:r>
+              <a:rPr lang="en-US"/>
               <a:t>Example</a:t>
             </a:r>
+            <a:endParaRPr lang="en-US" dirty="0"/>
           </a:p>
         </p:txBody>
       </p:sp>
       <p:pic>
         <p:nvPicPr>
-          <p:cNvPr id="4" name="Afbeelding 3">
-            <a:extLst>
-              <a:ext uri="{FF2B5EF4-FFF2-40B4-BE49-F238E27FC236}">
-                <a16:creationId xmlns:a16="http://schemas.microsoft.com/office/drawing/2014/main" id="{C2097DD5-6B75-485E-A164-9D93DCD62A58}"/>
+          <p:cNvPr id="5" name="Afbeelding 4">
+            <a:extLst>
+              <a:ext uri="{FF2B5EF4-FFF2-40B4-BE49-F238E27FC236}">
+                <a16:creationId xmlns:a16="http://schemas.microsoft.com/office/drawing/2014/main" id="{BDCD411C-9EB5-4D2A-9337-92D6EE2D093C}"/>
               </a:ext>
             </a:extLst>
           </p:cNvPr>
@@ -7163,10 +8344,10 @@
       </p:pic>
       <p:pic>
         <p:nvPicPr>
-          <p:cNvPr id="5" name="Afbeelding 4">
-            <a:extLst>
-              <a:ext uri="{FF2B5EF4-FFF2-40B4-BE49-F238E27FC236}">
-                <a16:creationId xmlns:a16="http://schemas.microsoft.com/office/drawing/2014/main" id="{81B7A796-E7DE-4DBC-B790-9EC21F73DFF8}"/>
+          <p:cNvPr id="6" name="Afbeelding 5">
+            <a:extLst>
+              <a:ext uri="{FF2B5EF4-FFF2-40B4-BE49-F238E27FC236}">
+                <a16:creationId xmlns:a16="http://schemas.microsoft.com/office/drawing/2014/main" id="{079380C3-F199-4614-B9C3-244DAE85E436}"/>
               </a:ext>
             </a:extLst>
           </p:cNvPr>
@@ -7194,7 +8375,7 @@
     </p:spTree>
     <p:extLst>
       <p:ext uri="{BB962C8B-B14F-4D97-AF65-F5344CB8AC3E}">
-        <p14:creationId xmlns:p14="http://schemas.microsoft.com/office/powerpoint/2010/main" val="1571632680"/>
+        <p14:creationId xmlns:p14="http://schemas.microsoft.com/office/powerpoint/2010/main" val="53617968"/>
       </p:ext>
     </p:extLst>
   </p:cSld>
@@ -7223,38 +8404,65 @@
       </p:grpSpPr>
       <p:sp>
         <p:nvSpPr>
-          <p:cNvPr id="2" name="Titel 1">
-            <a:extLst>
-              <a:ext uri="{FF2B5EF4-FFF2-40B4-BE49-F238E27FC236}">
-                <a16:creationId xmlns:a16="http://schemas.microsoft.com/office/drawing/2014/main" id="{43F937BE-EEB5-4BBA-8E16-5E73C60F3D87}"/>
-              </a:ext>
-            </a:extLst>
-          </p:cNvPr>
-          <p:cNvSpPr>
-            <a:spLocks noGrp="1"/>
-          </p:cNvSpPr>
-          <p:nvPr>
-            <p:ph type="title"/>
-          </p:nvPr>
-        </p:nvSpPr>
-        <p:spPr/>
-        <p:txBody>
-          <a:bodyPr/>
-          <a:lstStyle/>
-          <a:p>
-            <a:r>
-              <a:rPr lang="en-US" dirty="0"/>
+          <p:cNvPr id="4" name="Titel 1">
+            <a:extLst>
+              <a:ext uri="{FF2B5EF4-FFF2-40B4-BE49-F238E27FC236}">
+                <a16:creationId xmlns:a16="http://schemas.microsoft.com/office/drawing/2014/main" id="{07CF4D2D-8671-41A6-97BE-85D31BBB0669}"/>
+              </a:ext>
+            </a:extLst>
+          </p:cNvPr>
+          <p:cNvSpPr txBox="1">
+            <a:spLocks/>
+          </p:cNvSpPr>
+          <p:nvPr/>
+        </p:nvSpPr>
+        <p:spPr>
+          <a:xfrm>
+            <a:off x="838200" y="365125"/>
+            <a:ext cx="10515600" cy="1325563"/>
+          </a:xfrm>
+          <a:prstGeom prst="rect">
+            <a:avLst/>
+          </a:prstGeom>
+        </p:spPr>
+        <p:txBody>
+          <a:bodyPr vert="horz" lIns="91440" tIns="45720" rIns="91440" bIns="45720" rtlCol="0" anchor="ctr">
+            <a:normAutofit/>
+          </a:bodyPr>
+          <a:lstStyle>
+            <a:lvl1pPr algn="l" defTabSz="914400" rtl="0" eaLnBrk="1" latinLnBrk="0" hangingPunct="1">
+              <a:lnSpc>
+                <a:spcPct val="90000"/>
+              </a:lnSpc>
+              <a:spcBef>
+                <a:spcPct val="0"/>
+              </a:spcBef>
+              <a:buNone/>
+              <a:defRPr sz="4400" kern="1200" baseline="0">
+                <a:solidFill>
+                  <a:schemeClr val="tx1"/>
+                </a:solidFill>
+                <a:latin typeface="Arial" panose="020B0604020202020204" pitchFamily="34" charset="0"/>
+                <a:ea typeface="+mj-ea"/>
+                <a:cs typeface="Arial" panose="020B0604020202020204" pitchFamily="34" charset="0"/>
+              </a:defRPr>
+            </a:lvl1pPr>
+          </a:lstStyle>
+          <a:p>
+            <a:r>
+              <a:rPr lang="en-US"/>
               <a:t>Example</a:t>
             </a:r>
+            <a:endParaRPr lang="en-US" dirty="0"/>
           </a:p>
         </p:txBody>
       </p:sp>
       <p:pic>
         <p:nvPicPr>
-          <p:cNvPr id="4" name="Afbeelding 3">
-            <a:extLst>
-              <a:ext uri="{FF2B5EF4-FFF2-40B4-BE49-F238E27FC236}">
-                <a16:creationId xmlns:a16="http://schemas.microsoft.com/office/drawing/2014/main" id="{038933F4-16DA-4C24-9206-3567B3BE8EA4}"/>
+          <p:cNvPr id="5" name="Afbeelding 4">
+            <a:extLst>
+              <a:ext uri="{FF2B5EF4-FFF2-40B4-BE49-F238E27FC236}">
+                <a16:creationId xmlns:a16="http://schemas.microsoft.com/office/drawing/2014/main" id="{FF0DCCFF-8EFE-4A96-828D-5C62AB43F6B3}"/>
               </a:ext>
             </a:extLst>
           </p:cNvPr>
@@ -7281,10 +8489,10 @@
       </p:pic>
       <p:pic>
         <p:nvPicPr>
-          <p:cNvPr id="5" name="Afbeelding 4">
-            <a:extLst>
-              <a:ext uri="{FF2B5EF4-FFF2-40B4-BE49-F238E27FC236}">
-                <a16:creationId xmlns:a16="http://schemas.microsoft.com/office/drawing/2014/main" id="{1B65414B-D400-44AC-BEE1-DF6D844D4514}"/>
+          <p:cNvPr id="6" name="Afbeelding 5">
+            <a:extLst>
+              <a:ext uri="{FF2B5EF4-FFF2-40B4-BE49-F238E27FC236}">
+                <a16:creationId xmlns:a16="http://schemas.microsoft.com/office/drawing/2014/main" id="{E32807BE-157A-4EA0-B603-64B169D1D5B2}"/>
               </a:ext>
             </a:extLst>
           </p:cNvPr>
@@ -7312,7 +8520,7 @@
     </p:spTree>
     <p:extLst>
       <p:ext uri="{BB962C8B-B14F-4D97-AF65-F5344CB8AC3E}">
-        <p14:creationId xmlns:p14="http://schemas.microsoft.com/office/powerpoint/2010/main" val="2680767051"/>
+        <p14:creationId xmlns:p14="http://schemas.microsoft.com/office/powerpoint/2010/main" val="1527310110"/>
       </p:ext>
     </p:extLst>
   </p:cSld>

--- a/Lessons/Lesson 1/Introduction to Python.pptx
+++ b/Lessons/Lesson 1/Introduction to Python.pptx
@@ -220,7 +220,7 @@
           <a:p>
             <a:fld id="{6307FBA3-C1DE-4114-8F2E-27DE21EA19B1}" type="datetimeFigureOut">
               <a:rPr lang="en-US" smtClean="0"/>
-              <a:t>10/16/2019</a:t>
+              <a:t>10/23/2019</a:t>
             </a:fld>
             <a:endParaRPr lang="en-US"/>
           </a:p>
@@ -719,7 +719,7 @@
           <a:p>
             <a:fld id="{20CB5ABA-A31F-4730-B3FC-C2C80B92D381}" type="datetimeFigureOut">
               <a:rPr lang="nl-NL" smtClean="0"/>
-              <a:t>16-10-2019</a:t>
+              <a:t>23-10-2019</a:t>
             </a:fld>
             <a:endParaRPr lang="nl-NL" dirty="0"/>
           </a:p>
@@ -917,7 +917,7 @@
           <a:p>
             <a:fld id="{20CB5ABA-A31F-4730-B3FC-C2C80B92D381}" type="datetimeFigureOut">
               <a:rPr lang="nl-NL" smtClean="0"/>
-              <a:t>16-10-2019</a:t>
+              <a:t>23-10-2019</a:t>
             </a:fld>
             <a:endParaRPr lang="nl-NL" dirty="0"/>
           </a:p>
@@ -1125,7 +1125,7 @@
           <a:p>
             <a:fld id="{20CB5ABA-A31F-4730-B3FC-C2C80B92D381}" type="datetimeFigureOut">
               <a:rPr lang="nl-NL" smtClean="0"/>
-              <a:t>16-10-2019</a:t>
+              <a:t>23-10-2019</a:t>
             </a:fld>
             <a:endParaRPr lang="nl-NL" dirty="0"/>
           </a:p>
@@ -1485,7 +1485,7 @@
           <a:p>
             <a:fld id="{20CB5ABA-A31F-4730-B3FC-C2C80B92D381}" type="datetimeFigureOut">
               <a:rPr lang="nl-NL" smtClean="0"/>
-              <a:t>16-10-2019</a:t>
+              <a:t>23-10-2019</a:t>
             </a:fld>
             <a:endParaRPr lang="nl-NL" dirty="0"/>
           </a:p>
@@ -1760,7 +1760,7 @@
           <a:p>
             <a:fld id="{20CB5ABA-A31F-4730-B3FC-C2C80B92D381}" type="datetimeFigureOut">
               <a:rPr lang="nl-NL" smtClean="0"/>
-              <a:t>16-10-2019</a:t>
+              <a:t>23-10-2019</a:t>
             </a:fld>
             <a:endParaRPr lang="nl-NL" dirty="0"/>
           </a:p>
@@ -2025,7 +2025,7 @@
           <a:p>
             <a:fld id="{20CB5ABA-A31F-4730-B3FC-C2C80B92D381}" type="datetimeFigureOut">
               <a:rPr lang="nl-NL" smtClean="0"/>
-              <a:t>16-10-2019</a:t>
+              <a:t>23-10-2019</a:t>
             </a:fld>
             <a:endParaRPr lang="nl-NL" dirty="0"/>
           </a:p>
@@ -2437,7 +2437,7 @@
           <a:p>
             <a:fld id="{20CB5ABA-A31F-4730-B3FC-C2C80B92D381}" type="datetimeFigureOut">
               <a:rPr lang="nl-NL" smtClean="0"/>
-              <a:t>16-10-2019</a:t>
+              <a:t>23-10-2019</a:t>
             </a:fld>
             <a:endParaRPr lang="nl-NL" dirty="0"/>
           </a:p>
@@ -2578,7 +2578,7 @@
           <a:p>
             <a:fld id="{20CB5ABA-A31F-4730-B3FC-C2C80B92D381}" type="datetimeFigureOut">
               <a:rPr lang="nl-NL" smtClean="0"/>
-              <a:t>16-10-2019</a:t>
+              <a:t>23-10-2019</a:t>
             </a:fld>
             <a:endParaRPr lang="nl-NL" dirty="0"/>
           </a:p>
@@ -2691,7 +2691,7 @@
           <a:p>
             <a:fld id="{20CB5ABA-A31F-4730-B3FC-C2C80B92D381}" type="datetimeFigureOut">
               <a:rPr lang="nl-NL" smtClean="0"/>
-              <a:t>16-10-2019</a:t>
+              <a:t>23-10-2019</a:t>
             </a:fld>
             <a:endParaRPr lang="nl-NL" dirty="0"/>
           </a:p>
@@ -3002,7 +3002,7 @@
           <a:p>
             <a:fld id="{20CB5ABA-A31F-4730-B3FC-C2C80B92D381}" type="datetimeFigureOut">
               <a:rPr lang="nl-NL" smtClean="0"/>
-              <a:t>16-10-2019</a:t>
+              <a:t>23-10-2019</a:t>
             </a:fld>
             <a:endParaRPr lang="nl-NL" dirty="0"/>
           </a:p>
@@ -3290,7 +3290,7 @@
           <a:p>
             <a:fld id="{20CB5ABA-A31F-4730-B3FC-C2C80B92D381}" type="datetimeFigureOut">
               <a:rPr lang="nl-NL" smtClean="0"/>
-              <a:t>16-10-2019</a:t>
+              <a:t>23-10-2019</a:t>
             </a:fld>
             <a:endParaRPr lang="nl-NL" dirty="0"/>
           </a:p>
@@ -3531,7 +3531,7 @@
           <a:p>
             <a:fld id="{20CB5ABA-A31F-4730-B3FC-C2C80B92D381}" type="datetimeFigureOut">
               <a:rPr lang="nl-NL" smtClean="0"/>
-              <a:t>16-10-2019</a:t>
+              <a:t>23-10-2019</a:t>
             </a:fld>
             <a:endParaRPr lang="nl-NL" dirty="0"/>
           </a:p>
@@ -4743,7 +4743,7 @@
           <a:p>
             <a:r>
               <a:rPr lang="en-US"/>
-              <a:t>Assignment (25 min)</a:t>
+              <a:t>Assignment (20 min)</a:t>
             </a:r>
             <a:endParaRPr lang="en-US" dirty="0"/>
           </a:p>
@@ -5634,10 +5634,9 @@
           </a:lstStyle>
           <a:p>
             <a:r>
-              <a:rPr lang="en-US"/>
-              <a:t>Assignment (10 min)</a:t>
-            </a:r>
-            <a:endParaRPr lang="en-US" dirty="0"/>
+              <a:rPr lang="en-US" dirty="0"/>
+              <a:t>Assignment (5 min)</a:t>
+            </a:r>
           </a:p>
         </p:txBody>
       </p:sp>

--- a/Lessons/Lesson 1/Introduction to Python.pptx
+++ b/Lessons/Lesson 1/Introduction to Python.pptx
@@ -220,7 +220,7 @@
           <a:p>
             <a:fld id="{6307FBA3-C1DE-4114-8F2E-27DE21EA19B1}" type="datetimeFigureOut">
               <a:rPr lang="en-US" smtClean="0"/>
-              <a:t>10/23/2019</a:t>
+              <a:t>10/29/2019</a:t>
             </a:fld>
             <a:endParaRPr lang="en-US"/>
           </a:p>
@@ -719,7 +719,7 @@
           <a:p>
             <a:fld id="{20CB5ABA-A31F-4730-B3FC-C2C80B92D381}" type="datetimeFigureOut">
               <a:rPr lang="nl-NL" smtClean="0"/>
-              <a:t>23-10-2019</a:t>
+              <a:t>29-10-2019</a:t>
             </a:fld>
             <a:endParaRPr lang="nl-NL" dirty="0"/>
           </a:p>
@@ -917,7 +917,7 @@
           <a:p>
             <a:fld id="{20CB5ABA-A31F-4730-B3FC-C2C80B92D381}" type="datetimeFigureOut">
               <a:rPr lang="nl-NL" smtClean="0"/>
-              <a:t>23-10-2019</a:t>
+              <a:t>29-10-2019</a:t>
             </a:fld>
             <a:endParaRPr lang="nl-NL" dirty="0"/>
           </a:p>
@@ -1125,7 +1125,7 @@
           <a:p>
             <a:fld id="{20CB5ABA-A31F-4730-B3FC-C2C80B92D381}" type="datetimeFigureOut">
               <a:rPr lang="nl-NL" smtClean="0"/>
-              <a:t>23-10-2019</a:t>
+              <a:t>29-10-2019</a:t>
             </a:fld>
             <a:endParaRPr lang="nl-NL" dirty="0"/>
           </a:p>
@@ -1485,7 +1485,7 @@
           <a:p>
             <a:fld id="{20CB5ABA-A31F-4730-B3FC-C2C80B92D381}" type="datetimeFigureOut">
               <a:rPr lang="nl-NL" smtClean="0"/>
-              <a:t>23-10-2019</a:t>
+              <a:t>29-10-2019</a:t>
             </a:fld>
             <a:endParaRPr lang="nl-NL" dirty="0"/>
           </a:p>
@@ -1760,7 +1760,7 @@
           <a:p>
             <a:fld id="{20CB5ABA-A31F-4730-B3FC-C2C80B92D381}" type="datetimeFigureOut">
               <a:rPr lang="nl-NL" smtClean="0"/>
-              <a:t>23-10-2019</a:t>
+              <a:t>29-10-2019</a:t>
             </a:fld>
             <a:endParaRPr lang="nl-NL" dirty="0"/>
           </a:p>
@@ -2025,7 +2025,7 @@
           <a:p>
             <a:fld id="{20CB5ABA-A31F-4730-B3FC-C2C80B92D381}" type="datetimeFigureOut">
               <a:rPr lang="nl-NL" smtClean="0"/>
-              <a:t>23-10-2019</a:t>
+              <a:t>29-10-2019</a:t>
             </a:fld>
             <a:endParaRPr lang="nl-NL" dirty="0"/>
           </a:p>
@@ -2437,7 +2437,7 @@
           <a:p>
             <a:fld id="{20CB5ABA-A31F-4730-B3FC-C2C80B92D381}" type="datetimeFigureOut">
               <a:rPr lang="nl-NL" smtClean="0"/>
-              <a:t>23-10-2019</a:t>
+              <a:t>29-10-2019</a:t>
             </a:fld>
             <a:endParaRPr lang="nl-NL" dirty="0"/>
           </a:p>
@@ -2578,7 +2578,7 @@
           <a:p>
             <a:fld id="{20CB5ABA-A31F-4730-B3FC-C2C80B92D381}" type="datetimeFigureOut">
               <a:rPr lang="nl-NL" smtClean="0"/>
-              <a:t>23-10-2019</a:t>
+              <a:t>29-10-2019</a:t>
             </a:fld>
             <a:endParaRPr lang="nl-NL" dirty="0"/>
           </a:p>
@@ -2691,7 +2691,7 @@
           <a:p>
             <a:fld id="{20CB5ABA-A31F-4730-B3FC-C2C80B92D381}" type="datetimeFigureOut">
               <a:rPr lang="nl-NL" smtClean="0"/>
-              <a:t>23-10-2019</a:t>
+              <a:t>29-10-2019</a:t>
             </a:fld>
             <a:endParaRPr lang="nl-NL" dirty="0"/>
           </a:p>
@@ -3002,7 +3002,7 @@
           <a:p>
             <a:fld id="{20CB5ABA-A31F-4730-B3FC-C2C80B92D381}" type="datetimeFigureOut">
               <a:rPr lang="nl-NL" smtClean="0"/>
-              <a:t>23-10-2019</a:t>
+              <a:t>29-10-2019</a:t>
             </a:fld>
             <a:endParaRPr lang="nl-NL" dirty="0"/>
           </a:p>
@@ -3290,7 +3290,7 @@
           <a:p>
             <a:fld id="{20CB5ABA-A31F-4730-B3FC-C2C80B92D381}" type="datetimeFigureOut">
               <a:rPr lang="nl-NL" smtClean="0"/>
-              <a:t>23-10-2019</a:t>
+              <a:t>29-10-2019</a:t>
             </a:fld>
             <a:endParaRPr lang="nl-NL" dirty="0"/>
           </a:p>
@@ -3531,7 +3531,7 @@
           <a:p>
             <a:fld id="{20CB5ABA-A31F-4730-B3FC-C2C80B92D381}" type="datetimeFigureOut">
               <a:rPr lang="nl-NL" smtClean="0"/>
-              <a:t>23-10-2019</a:t>
+              <a:t>29-10-2019</a:t>
             </a:fld>
             <a:endParaRPr lang="nl-NL" dirty="0"/>
           </a:p>
@@ -4940,55 +4940,63 @@
           </a:lstStyle>
           <a:p>
             <a:r>
-              <a:rPr lang="en-US"/>
-              <a:t>Install Thonny from </a:t>
-            </a:r>
-            <a:r>
-              <a:rPr lang="en-US">
+              <a:rPr lang="en-US" dirty="0"/>
+              <a:t>Install </a:t>
+            </a:r>
+            <a:r>
+              <a:rPr lang="en-US" dirty="0" err="1"/>
+              <a:t>Thonny</a:t>
+            </a:r>
+            <a:r>
+              <a:rPr lang="en-US" dirty="0"/>
+              <a:t> from </a:t>
+            </a:r>
+            <a:r>
+              <a:rPr lang="en-US" dirty="0">
                 <a:hlinkClick r:id="rId2"/>
               </a:rPr>
               <a:t>https://thonny.org/</a:t>
             </a:r>
-            <a:endParaRPr lang="en-US"/>
-          </a:p>
-          <a:p>
-            <a:r>
-              <a:rPr lang="en-US"/>
+            <a:endParaRPr lang="en-US" dirty="0"/>
+          </a:p>
+          <a:p>
+            <a:r>
+              <a:rPr lang="en-US" dirty="0"/>
               <a:t>Create a Python file that will:</a:t>
             </a:r>
           </a:p>
           <a:p>
             <a:pPr lvl="1"/>
             <a:r>
-              <a:rPr lang="en-US"/>
+              <a:rPr lang="en-US" dirty="0"/>
               <a:t>Ask the user for an input</a:t>
             </a:r>
           </a:p>
           <a:p>
             <a:pPr lvl="1"/>
             <a:r>
-              <a:rPr lang="en-US"/>
-              <a:t>Puts the input from the user in a variable</a:t>
+              <a:rPr lang="en-US" dirty="0"/>
+              <a:t>Put the input from the user in a variable</a:t>
             </a:r>
           </a:p>
           <a:p>
             <a:pPr lvl="1"/>
             <a:r>
-              <a:rPr lang="en-US"/>
+              <a:rPr lang="en-US" dirty="0"/>
               <a:t>Use the if statement to check if the input is your own name</a:t>
             </a:r>
           </a:p>
           <a:p>
             <a:pPr lvl="1"/>
             <a:r>
-              <a:rPr lang="en-US"/>
+              <a:rPr lang="en-US" dirty="0"/>
               <a:t>If the input equals your name then print ‘this is my name’</a:t>
             </a:r>
           </a:p>
           <a:p>
             <a:pPr lvl="1"/>
             <a:r>
-              <a:rPr lang="en-US"/>
+              <a:rPr lang="en-US" dirty="0"/>
               <a:t>If the input is not your name then print ‘this is not my name’</a:t>
             </a:r>
           </a:p>
